--- a/simulation_project.pptx
+++ b/simulation_project.pptx
@@ -9,14 +9,21 @@
     <p:sldId id="257" r:id="rId3"/>
     <p:sldId id="263" r:id="rId4"/>
     <p:sldId id="258" r:id="rId5"/>
-    <p:sldId id="259" r:id="rId6"/>
-    <p:sldId id="260" r:id="rId7"/>
-    <p:sldId id="267" r:id="rId8"/>
-    <p:sldId id="268" r:id="rId9"/>
-    <p:sldId id="264" r:id="rId10"/>
-    <p:sldId id="265" r:id="rId11"/>
-    <p:sldId id="261" r:id="rId12"/>
-    <p:sldId id="262" r:id="rId13"/>
+    <p:sldId id="275" r:id="rId6"/>
+    <p:sldId id="276" r:id="rId7"/>
+    <p:sldId id="278" r:id="rId8"/>
+    <p:sldId id="259" r:id="rId9"/>
+    <p:sldId id="260" r:id="rId10"/>
+    <p:sldId id="277" r:id="rId11"/>
+    <p:sldId id="267" r:id="rId12"/>
+    <p:sldId id="279" r:id="rId13"/>
+    <p:sldId id="269" r:id="rId14"/>
+    <p:sldId id="261" r:id="rId15"/>
+    <p:sldId id="280" r:id="rId16"/>
+    <p:sldId id="272" r:id="rId17"/>
+    <p:sldId id="271" r:id="rId18"/>
+    <p:sldId id="262" r:id="rId19"/>
+    <p:sldId id="274" r:id="rId20"/>
   </p:sldIdLst>
   <p:sldSz cx="12192000" cy="6858000"/>
   <p:notesSz cx="6858000" cy="9144000"/>
@@ -115,6 +122,11 @@
       </a:defRPr>
     </a:lvl9pPr>
   </p:defaultTextStyle>
+  <p:extLst>
+    <p:ext uri="{EFAFB233-063F-42B5-8137-9DF3F51BA10A}">
+      <p15:sldGuideLst xmlns:p15="http://schemas.microsoft.com/office/powerpoint/2012/main"/>
+    </p:ext>
+  </p:extLst>
 </p:presentation>
 </file>
 
@@ -265,7 +277,7 @@
           <a:p>
             <a:fld id="{E3005A54-3B46-9F4B-B1F9-4B2C147B69AA}" type="datetimeFigureOut">
               <a:rPr lang="en-US" smtClean="0"/>
-              <a:t>4/6/18</a:t>
+              <a:t>4/8/18</a:t>
             </a:fld>
             <a:endParaRPr lang="en-US"/>
           </a:p>
@@ -463,7 +475,7 @@
           <a:p>
             <a:fld id="{E3005A54-3B46-9F4B-B1F9-4B2C147B69AA}" type="datetimeFigureOut">
               <a:rPr lang="en-US" smtClean="0"/>
-              <a:t>4/6/18</a:t>
+              <a:t>4/8/18</a:t>
             </a:fld>
             <a:endParaRPr lang="en-US"/>
           </a:p>
@@ -671,7 +683,7 @@
           <a:p>
             <a:fld id="{E3005A54-3B46-9F4B-B1F9-4B2C147B69AA}" type="datetimeFigureOut">
               <a:rPr lang="en-US" smtClean="0"/>
-              <a:t>4/6/18</a:t>
+              <a:t>4/8/18</a:t>
             </a:fld>
             <a:endParaRPr lang="en-US"/>
           </a:p>
@@ -869,7 +881,7 @@
           <a:p>
             <a:fld id="{E3005A54-3B46-9F4B-B1F9-4B2C147B69AA}" type="datetimeFigureOut">
               <a:rPr lang="en-US" smtClean="0"/>
-              <a:t>4/6/18</a:t>
+              <a:t>4/8/18</a:t>
             </a:fld>
             <a:endParaRPr lang="en-US"/>
           </a:p>
@@ -1144,7 +1156,7 @@
           <a:p>
             <a:fld id="{E3005A54-3B46-9F4B-B1F9-4B2C147B69AA}" type="datetimeFigureOut">
               <a:rPr lang="en-US" smtClean="0"/>
-              <a:t>4/6/18</a:t>
+              <a:t>4/8/18</a:t>
             </a:fld>
             <a:endParaRPr lang="en-US"/>
           </a:p>
@@ -1409,7 +1421,7 @@
           <a:p>
             <a:fld id="{E3005A54-3B46-9F4B-B1F9-4B2C147B69AA}" type="datetimeFigureOut">
               <a:rPr lang="en-US" smtClean="0"/>
-              <a:t>4/6/18</a:t>
+              <a:t>4/8/18</a:t>
             </a:fld>
             <a:endParaRPr lang="en-US"/>
           </a:p>
@@ -1821,7 +1833,7 @@
           <a:p>
             <a:fld id="{E3005A54-3B46-9F4B-B1F9-4B2C147B69AA}" type="datetimeFigureOut">
               <a:rPr lang="en-US" smtClean="0"/>
-              <a:t>4/6/18</a:t>
+              <a:t>4/8/18</a:t>
             </a:fld>
             <a:endParaRPr lang="en-US"/>
           </a:p>
@@ -1962,7 +1974,7 @@
           <a:p>
             <a:fld id="{E3005A54-3B46-9F4B-B1F9-4B2C147B69AA}" type="datetimeFigureOut">
               <a:rPr lang="en-US" smtClean="0"/>
-              <a:t>4/6/18</a:t>
+              <a:t>4/8/18</a:t>
             </a:fld>
             <a:endParaRPr lang="en-US"/>
           </a:p>
@@ -2075,7 +2087,7 @@
           <a:p>
             <a:fld id="{E3005A54-3B46-9F4B-B1F9-4B2C147B69AA}" type="datetimeFigureOut">
               <a:rPr lang="en-US" smtClean="0"/>
-              <a:t>4/6/18</a:t>
+              <a:t>4/8/18</a:t>
             </a:fld>
             <a:endParaRPr lang="en-US"/>
           </a:p>
@@ -2386,7 +2398,7 @@
           <a:p>
             <a:fld id="{E3005A54-3B46-9F4B-B1F9-4B2C147B69AA}" type="datetimeFigureOut">
               <a:rPr lang="en-US" smtClean="0"/>
-              <a:t>4/6/18</a:t>
+              <a:t>4/8/18</a:t>
             </a:fld>
             <a:endParaRPr lang="en-US"/>
           </a:p>
@@ -2674,7 +2686,7 @@
           <a:p>
             <a:fld id="{E3005A54-3B46-9F4B-B1F9-4B2C147B69AA}" type="datetimeFigureOut">
               <a:rPr lang="en-US" smtClean="0"/>
-              <a:t>4/6/18</a:t>
+              <a:t>4/8/18</a:t>
             </a:fld>
             <a:endParaRPr lang="en-US"/>
           </a:p>
@@ -4210,8 +4222,8 @@
         </p:nvSpPr>
         <p:spPr>
           <a:xfrm>
-            <a:off x="588841" y="249382"/>
-            <a:ext cx="9350805" cy="722537"/>
+            <a:off x="588842" y="249382"/>
+            <a:ext cx="9144000" cy="722537"/>
           </a:xfrm>
         </p:spPr>
         <p:txBody>
@@ -4223,7 +4235,7 @@
             <a:pPr algn="l"/>
             <a:r>
               <a:rPr lang="en-US" sz="3600" b="1" dirty="0"/>
-              <a:t>Variance Reduction | Control Variables</a:t>
+              <a:t>Scenario (1) - Results</a:t>
             </a:r>
           </a:p>
         </p:txBody>
@@ -4646,119 +4658,40 @@
           </a:p>
         </p:txBody>
       </p:sp>
-      <p:sp>
-        <p:nvSpPr>
-          <p:cNvPr id="9" name="Title 1">
-            <a:extLst>
-              <a:ext uri="{FF2B5EF4-FFF2-40B4-BE49-F238E27FC236}">
-                <a16:creationId xmlns:a16="http://schemas.microsoft.com/office/drawing/2014/main" id="{C5C71A8F-96D7-2A4F-B802-EFB1CE23DAF2}"/>
-              </a:ext>
-            </a:extLst>
-          </p:cNvPr>
-          <p:cNvSpPr txBox="1">
-            <a:spLocks/>
-          </p:cNvSpPr>
+      <p:pic>
+        <p:nvPicPr>
+          <p:cNvPr id="13" name="Picture 12">
+            <a:extLst>
+              <a:ext uri="{FF2B5EF4-FFF2-40B4-BE49-F238E27FC236}">
+                <a16:creationId xmlns:a16="http://schemas.microsoft.com/office/drawing/2014/main" id="{678FF6F9-13D1-A64B-ADD3-EC35ECF8F7A9}"/>
+              </a:ext>
+            </a:extLst>
+          </p:cNvPr>
+          <p:cNvPicPr>
+            <a:picLocks noChangeAspect="1"/>
+          </p:cNvPicPr>
           <p:nvPr/>
-        </p:nvSpPr>
+        </p:nvPicPr>
+        <p:blipFill>
+          <a:blip r:embed="rId3"/>
+          <a:stretch>
+            <a:fillRect/>
+          </a:stretch>
+        </p:blipFill>
         <p:spPr>
           <a:xfrm>
-            <a:off x="588842" y="1129350"/>
-            <a:ext cx="9144000" cy="4440177"/>
+            <a:off x="2207814" y="971919"/>
+            <a:ext cx="6842402" cy="5131802"/>
           </a:xfrm>
           <a:prstGeom prst="rect">
             <a:avLst/>
           </a:prstGeom>
         </p:spPr>
-        <p:txBody>
-          <a:bodyPr vert="horz" lIns="91440" tIns="45720" rIns="91440" bIns="45720" rtlCol="0" anchor="b">
-            <a:noAutofit/>
-          </a:bodyPr>
-          <a:lstStyle>
-            <a:lvl1pPr algn="ctr" defTabSz="914400" rtl="0" eaLnBrk="1" latinLnBrk="0" hangingPunct="1">
-              <a:lnSpc>
-                <a:spcPct val="90000"/>
-              </a:lnSpc>
-              <a:spcBef>
-                <a:spcPct val="0"/>
-              </a:spcBef>
-              <a:buNone/>
-              <a:defRPr sz="6000" kern="1200">
-                <a:solidFill>
-                  <a:schemeClr val="tx1"/>
-                </a:solidFill>
-                <a:latin typeface="+mj-lt"/>
-                <a:ea typeface="+mj-ea"/>
-                <a:cs typeface="+mj-cs"/>
-              </a:defRPr>
-            </a:lvl1pPr>
-          </a:lstStyle>
-          <a:p>
-            <a:pPr marL="514350" indent="-514350" algn="l">
-              <a:buAutoNum type="arabicParenBoth"/>
-            </a:pPr>
-            <a:r>
-              <a:rPr lang="en-US" sz="2800" dirty="0"/>
-              <a:t>All fares available from t = 179.</a:t>
-            </a:r>
-          </a:p>
-          <a:p>
-            <a:pPr marL="514350" indent="-514350" algn="l">
-              <a:buAutoNum type="arabicParenBoth"/>
-            </a:pPr>
-            <a:endParaRPr lang="en-US" sz="2800" dirty="0"/>
-          </a:p>
-          <a:p>
-            <a:pPr marL="514350" indent="-514350" algn="l">
-              <a:buAutoNum type="arabicParenBoth"/>
-            </a:pPr>
-            <a:endParaRPr lang="en-US" sz="2800" dirty="0"/>
-          </a:p>
-          <a:p>
-            <a:pPr marL="514350" indent="-514350" algn="l">
-              <a:buAutoNum type="arabicParenBoth"/>
-            </a:pPr>
-            <a:r>
-              <a:rPr lang="en-US" sz="2800" dirty="0"/>
-              <a:t>Only one product offered at a time. Starting with the most cost-effective product to the most expensive one. Continues till all fare products are sold out or plane departure.</a:t>
-            </a:r>
-          </a:p>
-          <a:p>
-            <a:pPr marL="457200" indent="-457200" algn="l">
-              <a:buFontTx/>
-              <a:buChar char="-"/>
-            </a:pPr>
-            <a:endParaRPr lang="en-US" sz="2800" dirty="0"/>
-          </a:p>
-          <a:p>
-            <a:pPr marL="457200" indent="-457200" algn="l">
-              <a:buFontTx/>
-              <a:buChar char="-"/>
-            </a:pPr>
-            <a:r>
-              <a:rPr lang="en-US" sz="2800" dirty="0"/>
-              <a:t>Booking limit of 20 seats for both scenarios.</a:t>
-            </a:r>
-          </a:p>
-          <a:p>
-            <a:pPr marL="457200" indent="-457200" algn="l">
-              <a:buFontTx/>
-              <a:buChar char="-"/>
-            </a:pPr>
-            <a:endParaRPr lang="en-US" sz="2800" dirty="0"/>
-          </a:p>
-          <a:p>
-            <a:pPr marL="457200" indent="-457200" algn="l">
-              <a:buFontTx/>
-              <a:buChar char="-"/>
-            </a:pPr>
-            <a:endParaRPr lang="en-US" sz="2800" dirty="0"/>
-          </a:p>
-        </p:txBody>
-      </p:sp>
+      </p:pic>
     </p:spTree>
     <p:extLst>
       <p:ext uri="{BB962C8B-B14F-4D97-AF65-F5344CB8AC3E}">
-        <p14:creationId xmlns:p14="http://schemas.microsoft.com/office/powerpoint/2010/main" val="1833411298"/>
+        <p14:creationId xmlns:p14="http://schemas.microsoft.com/office/powerpoint/2010/main" val="4165765493"/>
       </p:ext>
     </p:extLst>
   </p:cSld>
@@ -4804,7 +4737,7 @@
         <p:spPr>
           <a:xfrm>
             <a:off x="588842" y="249382"/>
-            <a:ext cx="9144000" cy="722537"/>
+            <a:ext cx="10313620" cy="722537"/>
           </a:xfrm>
         </p:spPr>
         <p:txBody>
@@ -4816,7 +4749,7 @@
             <a:pPr algn="l"/>
             <a:r>
               <a:rPr lang="en-US" sz="3600" b="1" dirty="0"/>
-              <a:t>Scenario (2) - Results</a:t>
+              <a:t>Scenario (1) - Variance Reduction | Control Variates</a:t>
             </a:r>
           </a:p>
         </p:txBody>
@@ -5239,119 +5172,105 @@
           </a:p>
         </p:txBody>
       </p:sp>
-      <p:sp>
-        <p:nvSpPr>
-          <p:cNvPr id="9" name="Title 1">
-            <a:extLst>
-              <a:ext uri="{FF2B5EF4-FFF2-40B4-BE49-F238E27FC236}">
-                <a16:creationId xmlns:a16="http://schemas.microsoft.com/office/drawing/2014/main" id="{C5C71A8F-96D7-2A4F-B802-EFB1CE23DAF2}"/>
-              </a:ext>
-            </a:extLst>
-          </p:cNvPr>
-          <p:cNvSpPr txBox="1">
-            <a:spLocks/>
-          </p:cNvSpPr>
+      <p:pic>
+        <p:nvPicPr>
+          <p:cNvPr id="3" name="Picture 2">
+            <a:extLst>
+              <a:ext uri="{FF2B5EF4-FFF2-40B4-BE49-F238E27FC236}">
+                <a16:creationId xmlns:a16="http://schemas.microsoft.com/office/drawing/2014/main" id="{DB46298A-BA51-CC43-A15D-6FC9A68856B0}"/>
+              </a:ext>
+            </a:extLst>
+          </p:cNvPr>
+          <p:cNvPicPr>
+            <a:picLocks noChangeAspect="1"/>
+          </p:cNvPicPr>
           <p:nvPr/>
-        </p:nvSpPr>
+        </p:nvPicPr>
+        <p:blipFill>
+          <a:blip r:embed="rId3"/>
+          <a:stretch>
+            <a:fillRect/>
+          </a:stretch>
+        </p:blipFill>
         <p:spPr>
           <a:xfrm>
-            <a:off x="588842" y="1129350"/>
-            <a:ext cx="9144000" cy="4440177"/>
+            <a:off x="3014773" y="1568741"/>
+            <a:ext cx="4978033" cy="1249067"/>
           </a:xfrm>
           <a:prstGeom prst="rect">
             <a:avLst/>
           </a:prstGeom>
         </p:spPr>
-        <p:txBody>
-          <a:bodyPr vert="horz" lIns="91440" tIns="45720" rIns="91440" bIns="45720" rtlCol="0" anchor="b">
-            <a:noAutofit/>
+      </p:pic>
+      <p:sp>
+        <p:nvSpPr>
+          <p:cNvPr id="12" name="Rectangle 11">
+            <a:extLst>
+              <a:ext uri="{FF2B5EF4-FFF2-40B4-BE49-F238E27FC236}">
+                <a16:creationId xmlns:a16="http://schemas.microsoft.com/office/drawing/2014/main" id="{5EEED8CC-42B3-B147-9426-049B2FB84111}"/>
+              </a:ext>
+            </a:extLst>
+          </p:cNvPr>
+          <p:cNvSpPr/>
+          <p:nvPr/>
+        </p:nvSpPr>
+        <p:spPr>
+          <a:xfrm>
+            <a:off x="999150" y="3753817"/>
+            <a:ext cx="6096000" cy="830997"/>
+          </a:xfrm>
+          <a:prstGeom prst="rect">
+            <a:avLst/>
+          </a:prstGeom>
+        </p:spPr>
+        <p:txBody>
+          <a:bodyPr>
+            <a:spAutoFit/>
           </a:bodyPr>
-          <a:lstStyle>
-            <a:lvl1pPr algn="ctr" defTabSz="914400" rtl="0" eaLnBrk="1" latinLnBrk="0" hangingPunct="1">
-              <a:lnSpc>
-                <a:spcPct val="90000"/>
-              </a:lnSpc>
-              <a:spcBef>
-                <a:spcPct val="0"/>
-              </a:spcBef>
-              <a:buNone/>
-              <a:defRPr sz="6000" kern="1200">
-                <a:solidFill>
-                  <a:schemeClr val="tx1"/>
-                </a:solidFill>
+          <a:lstStyle/>
+          <a:p>
+            <a:r>
+              <a:rPr lang="en-US" sz="2400" dirty="0">
                 <a:latin typeface="+mj-lt"/>
-                <a:ea typeface="+mj-ea"/>
-                <a:cs typeface="+mj-cs"/>
-              </a:defRPr>
-            </a:lvl1pPr>
-          </a:lstStyle>
-          <a:p>
-            <a:pPr marL="514350" indent="-514350" algn="l">
-              <a:buAutoNum type="arabicParenBoth"/>
-            </a:pPr>
-            <a:r>
-              <a:rPr lang="en-US" sz="2800" dirty="0"/>
-              <a:t>All fares available from t = 179.</a:t>
-            </a:r>
-          </a:p>
-          <a:p>
-            <a:pPr marL="514350" indent="-514350" algn="l">
-              <a:buAutoNum type="arabicParenBoth"/>
-            </a:pPr>
-            <a:endParaRPr lang="en-US" sz="2800" dirty="0"/>
-          </a:p>
-          <a:p>
-            <a:pPr marL="514350" indent="-514350" algn="l">
-              <a:buAutoNum type="arabicParenBoth"/>
-            </a:pPr>
-            <a:endParaRPr lang="en-US" sz="2800" dirty="0"/>
-          </a:p>
-          <a:p>
-            <a:pPr marL="514350" indent="-514350" algn="l">
-              <a:buAutoNum type="arabicParenBoth"/>
-            </a:pPr>
-            <a:r>
-              <a:rPr lang="en-US" sz="2800" dirty="0"/>
-              <a:t>Only one product offered at a time. Starting with the most cost-effective product to the most expensive one. Continues till all fare products are sold out or plane departure.</a:t>
-            </a:r>
-          </a:p>
-          <a:p>
-            <a:pPr marL="457200" indent="-457200" algn="l">
-              <a:buFontTx/>
-              <a:buChar char="-"/>
-            </a:pPr>
-            <a:endParaRPr lang="en-US" sz="2800" dirty="0"/>
-          </a:p>
-          <a:p>
-            <a:pPr marL="457200" indent="-457200" algn="l">
-              <a:buFontTx/>
-              <a:buChar char="-"/>
-            </a:pPr>
-            <a:r>
-              <a:rPr lang="en-US" sz="2800" dirty="0"/>
-              <a:t>Booking limit of 20 seats for both scenarios.</a:t>
-            </a:r>
-          </a:p>
-          <a:p>
-            <a:pPr marL="457200" indent="-457200" algn="l">
-              <a:buFontTx/>
-              <a:buChar char="-"/>
-            </a:pPr>
-            <a:endParaRPr lang="en-US" sz="2800" dirty="0"/>
-          </a:p>
-          <a:p>
-            <a:pPr marL="457200" indent="-457200" algn="l">
-              <a:buFontTx/>
-              <a:buChar char="-"/>
-            </a:pPr>
-            <a:endParaRPr lang="en-US" sz="2800" dirty="0"/>
+              </a:rPr>
+              <a:t>Theoretical value of E[Y] </a:t>
+            </a:r>
+            <a:r>
+              <a:rPr lang="en-US" sz="2400" dirty="0" err="1">
+                <a:latin typeface="+mj-lt"/>
+              </a:rPr>
+              <a:t>bla</a:t>
+            </a:r>
+            <a:r>
+              <a:rPr lang="en-US" sz="2400" dirty="0">
+                <a:latin typeface="+mj-lt"/>
+              </a:rPr>
+              <a:t> </a:t>
+            </a:r>
+            <a:r>
+              <a:rPr lang="en-US" sz="2400" dirty="0" err="1">
+                <a:latin typeface="+mj-lt"/>
+              </a:rPr>
+              <a:t>bla</a:t>
+            </a:r>
+            <a:r>
+              <a:rPr lang="en-US" sz="2400" dirty="0">
+                <a:latin typeface="+mj-lt"/>
+              </a:rPr>
+              <a:t> </a:t>
+            </a:r>
+          </a:p>
+          <a:p>
+            <a:endParaRPr lang="en-US" sz="2400" dirty="0">
+              <a:latin typeface="+mj-lt"/>
+            </a:endParaRPr>
           </a:p>
         </p:txBody>
       </p:sp>
     </p:spTree>
     <p:extLst>
       <p:ext uri="{BB962C8B-B14F-4D97-AF65-F5344CB8AC3E}">
-        <p14:creationId xmlns:p14="http://schemas.microsoft.com/office/powerpoint/2010/main" val="2910151755"/>
+        <p14:creationId xmlns:p14="http://schemas.microsoft.com/office/powerpoint/2010/main" val="1837682493"/>
       </p:ext>
     </p:extLst>
   </p:cSld>
@@ -5397,7 +5316,7 @@
         <p:spPr>
           <a:xfrm>
             <a:off x="588842" y="249382"/>
-            <a:ext cx="9144000" cy="722537"/>
+            <a:ext cx="10313620" cy="722537"/>
           </a:xfrm>
         </p:spPr>
         <p:txBody>
@@ -5409,7 +5328,7 @@
             <a:pPr algn="l"/>
             <a:r>
               <a:rPr lang="en-US" sz="3600" b="1" dirty="0"/>
-              <a:t>Discussion</a:t>
+              <a:t>Scenario (1) - Variance Reduction | Control Variates</a:t>
             </a:r>
           </a:p>
         </p:txBody>
@@ -5832,6 +5751,3540 @@
           </a:p>
         </p:txBody>
       </p:sp>
+      <p:pic>
+        <p:nvPicPr>
+          <p:cNvPr id="10" name="Picture 9">
+            <a:extLst>
+              <a:ext uri="{FF2B5EF4-FFF2-40B4-BE49-F238E27FC236}">
+                <a16:creationId xmlns:a16="http://schemas.microsoft.com/office/drawing/2014/main" id="{370FB65C-CBE9-3D48-BE18-1F826FC9FFC7}"/>
+              </a:ext>
+            </a:extLst>
+          </p:cNvPr>
+          <p:cNvPicPr>
+            <a:picLocks noChangeAspect="1"/>
+          </p:cNvPicPr>
+          <p:nvPr/>
+        </p:nvPicPr>
+        <p:blipFill rotWithShape="1">
+          <a:blip r:embed="rId3"/>
+          <a:srcRect t="3475" b="2836"/>
+          <a:stretch/>
+        </p:blipFill>
+        <p:spPr>
+          <a:xfrm>
+            <a:off x="323450" y="1239221"/>
+            <a:ext cx="4247273" cy="2984424"/>
+          </a:xfrm>
+          <a:prstGeom prst="rect">
+            <a:avLst/>
+          </a:prstGeom>
+        </p:spPr>
+      </p:pic>
+      <p:pic>
+        <p:nvPicPr>
+          <p:cNvPr id="11" name="Picture 10">
+            <a:extLst>
+              <a:ext uri="{FF2B5EF4-FFF2-40B4-BE49-F238E27FC236}">
+                <a16:creationId xmlns:a16="http://schemas.microsoft.com/office/drawing/2014/main" id="{A83D6B38-36D2-A64F-94E9-D1E7112586FC}"/>
+              </a:ext>
+            </a:extLst>
+          </p:cNvPr>
+          <p:cNvPicPr>
+            <a:picLocks noChangeAspect="1"/>
+          </p:cNvPicPr>
+          <p:nvPr/>
+        </p:nvPicPr>
+        <p:blipFill>
+          <a:blip r:embed="rId4"/>
+          <a:stretch>
+            <a:fillRect/>
+          </a:stretch>
+        </p:blipFill>
+        <p:spPr>
+          <a:xfrm>
+            <a:off x="6071201" y="1721721"/>
+            <a:ext cx="5173731" cy="3880298"/>
+          </a:xfrm>
+          <a:prstGeom prst="rect">
+            <a:avLst/>
+          </a:prstGeom>
+        </p:spPr>
+      </p:pic>
+      <p:sp>
+        <p:nvSpPr>
+          <p:cNvPr id="12" name="Rectangle 11">
+            <a:extLst>
+              <a:ext uri="{FF2B5EF4-FFF2-40B4-BE49-F238E27FC236}">
+                <a16:creationId xmlns:a16="http://schemas.microsoft.com/office/drawing/2014/main" id="{FDF29FAD-AFA6-9042-BE09-67B953C4CA98}"/>
+              </a:ext>
+            </a:extLst>
+          </p:cNvPr>
+          <p:cNvSpPr/>
+          <p:nvPr/>
+        </p:nvSpPr>
+        <p:spPr>
+          <a:xfrm>
+            <a:off x="4132344" y="4744474"/>
+            <a:ext cx="4525723" cy="1200329"/>
+          </a:xfrm>
+          <a:prstGeom prst="rect">
+            <a:avLst/>
+          </a:prstGeom>
+        </p:spPr>
+        <p:txBody>
+          <a:bodyPr wrap="square">
+            <a:spAutoFit/>
+          </a:bodyPr>
+          <a:lstStyle/>
+          <a:p>
+            <a:endParaRPr lang="en-US" dirty="0">
+              <a:latin typeface="+mj-lt"/>
+            </a:endParaRPr>
+          </a:p>
+          <a:p>
+            <a:pPr marL="285750" indent="-285750">
+              <a:buFont typeface="Arial" panose="020B0604020202020204" pitchFamily="34" charset="0"/>
+              <a:buChar char="•"/>
+            </a:pPr>
+            <a:r>
+              <a:rPr lang="en-US" dirty="0">
+                <a:latin typeface="+mj-lt"/>
+              </a:rPr>
+              <a:t>Means </a:t>
+            </a:r>
+          </a:p>
+          <a:p>
+            <a:pPr marL="285750" indent="-285750">
+              <a:buFont typeface="Arial" panose="020B0604020202020204" pitchFamily="34" charset="0"/>
+              <a:buChar char="•"/>
+            </a:pPr>
+            <a:endParaRPr lang="en-US" dirty="0">
+              <a:latin typeface="+mj-lt"/>
+            </a:endParaRPr>
+          </a:p>
+          <a:p>
+            <a:pPr marL="285750" indent="-285750">
+              <a:buFont typeface="Arial" panose="020B0604020202020204" pitchFamily="34" charset="0"/>
+              <a:buChar char="•"/>
+            </a:pPr>
+            <a:r>
+              <a:rPr lang="en-US" dirty="0">
+                <a:latin typeface="+mj-lt"/>
+              </a:rPr>
+              <a:t>Difference of variance</a:t>
+            </a:r>
+          </a:p>
+        </p:txBody>
+      </p:sp>
+    </p:spTree>
+    <p:extLst>
+      <p:ext uri="{BB962C8B-B14F-4D97-AF65-F5344CB8AC3E}">
+        <p14:creationId xmlns:p14="http://schemas.microsoft.com/office/powerpoint/2010/main" val="3795172487"/>
+      </p:ext>
+    </p:extLst>
+  </p:cSld>
+  <p:clrMapOvr>
+    <a:masterClrMapping/>
+  </p:clrMapOvr>
+</p:sld>
+</file>
+
+<file path=ppt/slides/slide13.xml><?xml version="1.0" encoding="utf-8"?>
+<p:sld xmlns:a="http://schemas.openxmlformats.org/drawingml/2006/main" xmlns:r="http://schemas.openxmlformats.org/officeDocument/2006/relationships" xmlns:p="http://schemas.openxmlformats.org/presentationml/2006/main">
+  <p:cSld>
+    <p:spTree>
+      <p:nvGrpSpPr>
+        <p:cNvPr id="1" name=""/>
+        <p:cNvGrpSpPr/>
+        <p:nvPr/>
+      </p:nvGrpSpPr>
+      <p:grpSpPr>
+        <a:xfrm>
+          <a:off x="0" y="0"/>
+          <a:ext cx="0" cy="0"/>
+          <a:chOff x="0" y="0"/>
+          <a:chExt cx="0" cy="0"/>
+        </a:xfrm>
+      </p:grpSpPr>
+      <p:sp>
+        <p:nvSpPr>
+          <p:cNvPr id="2" name="Title 1">
+            <a:extLst>
+              <a:ext uri="{FF2B5EF4-FFF2-40B4-BE49-F238E27FC236}">
+                <a16:creationId xmlns:a16="http://schemas.microsoft.com/office/drawing/2014/main" id="{B4400879-93A2-4C47-9854-3A25F4E62687}"/>
+              </a:ext>
+            </a:extLst>
+          </p:cNvPr>
+          <p:cNvSpPr>
+            <a:spLocks noGrp="1"/>
+          </p:cNvSpPr>
+          <p:nvPr>
+            <p:ph type="ctrTitle"/>
+          </p:nvPr>
+        </p:nvSpPr>
+        <p:spPr>
+          <a:xfrm>
+            <a:off x="588841" y="249382"/>
+            <a:ext cx="9350805" cy="722537"/>
+          </a:xfrm>
+        </p:spPr>
+        <p:txBody>
+          <a:bodyPr>
+            <a:noAutofit/>
+          </a:bodyPr>
+          <a:lstStyle/>
+          <a:p>
+            <a:pPr algn="l"/>
+            <a:r>
+              <a:rPr lang="en-US" sz="3600" b="1" dirty="0"/>
+              <a:t>Scenario (1) - Total revenue </a:t>
+            </a:r>
+          </a:p>
+        </p:txBody>
+      </p:sp>
+      <p:sp>
+        <p:nvSpPr>
+          <p:cNvPr id="5" name="Date Placeholder 3">
+            <a:extLst>
+              <a:ext uri="{FF2B5EF4-FFF2-40B4-BE49-F238E27FC236}">
+                <a16:creationId xmlns:a16="http://schemas.microsoft.com/office/drawing/2014/main" id="{4288DC27-738A-4941-9271-37DB47148DE1}"/>
+              </a:ext>
+            </a:extLst>
+          </p:cNvPr>
+          <p:cNvSpPr txBox="1">
+            <a:spLocks/>
+          </p:cNvSpPr>
+          <p:nvPr/>
+        </p:nvSpPr>
+        <p:spPr>
+          <a:xfrm>
+            <a:off x="1137782" y="6351822"/>
+            <a:ext cx="4366008" cy="365125"/>
+          </a:xfrm>
+          <a:prstGeom prst="rect">
+            <a:avLst/>
+          </a:prstGeom>
+        </p:spPr>
+        <p:txBody>
+          <a:bodyPr vert="horz" lIns="91440" tIns="45720" rIns="91440" bIns="45720" rtlCol="0" anchor="ctr"/>
+          <a:lstStyle>
+            <a:defPPr>
+              <a:defRPr lang="en-US"/>
+            </a:defPPr>
+            <a:lvl1pPr marL="0" algn="l" defTabSz="914400" rtl="0" eaLnBrk="1" latinLnBrk="0" hangingPunct="1">
+              <a:defRPr sz="1400" b="1" kern="1200">
+                <a:solidFill>
+                  <a:schemeClr val="tx1"/>
+                </a:solidFill>
+                <a:latin typeface="+mn-lt"/>
+                <a:ea typeface="+mn-ea"/>
+                <a:cs typeface="+mn-cs"/>
+              </a:defRPr>
+            </a:lvl1pPr>
+            <a:lvl2pPr marL="457200" algn="l" defTabSz="914400" rtl="0" eaLnBrk="1" latinLnBrk="0" hangingPunct="1">
+              <a:defRPr sz="1800" kern="1200">
+                <a:solidFill>
+                  <a:schemeClr val="tx1"/>
+                </a:solidFill>
+                <a:latin typeface="+mn-lt"/>
+                <a:ea typeface="+mn-ea"/>
+                <a:cs typeface="+mn-cs"/>
+              </a:defRPr>
+            </a:lvl2pPr>
+            <a:lvl3pPr marL="914400" algn="l" defTabSz="914400" rtl="0" eaLnBrk="1" latinLnBrk="0" hangingPunct="1">
+              <a:defRPr sz="1800" kern="1200">
+                <a:solidFill>
+                  <a:schemeClr val="tx1"/>
+                </a:solidFill>
+                <a:latin typeface="+mn-lt"/>
+                <a:ea typeface="+mn-ea"/>
+                <a:cs typeface="+mn-cs"/>
+              </a:defRPr>
+            </a:lvl3pPr>
+            <a:lvl4pPr marL="1371600" algn="l" defTabSz="914400" rtl="0" eaLnBrk="1" latinLnBrk="0" hangingPunct="1">
+              <a:defRPr sz="1800" kern="1200">
+                <a:solidFill>
+                  <a:schemeClr val="tx1"/>
+                </a:solidFill>
+                <a:latin typeface="+mn-lt"/>
+                <a:ea typeface="+mn-ea"/>
+                <a:cs typeface="+mn-cs"/>
+              </a:defRPr>
+            </a:lvl4pPr>
+            <a:lvl5pPr marL="1828800" algn="l" defTabSz="914400" rtl="0" eaLnBrk="1" latinLnBrk="0" hangingPunct="1">
+              <a:defRPr sz="1800" kern="1200">
+                <a:solidFill>
+                  <a:schemeClr val="tx1"/>
+                </a:solidFill>
+                <a:latin typeface="+mn-lt"/>
+                <a:ea typeface="+mn-ea"/>
+                <a:cs typeface="+mn-cs"/>
+              </a:defRPr>
+            </a:lvl5pPr>
+            <a:lvl6pPr marL="2286000" algn="l" defTabSz="914400" rtl="0" eaLnBrk="1" latinLnBrk="0" hangingPunct="1">
+              <a:defRPr sz="1800" kern="1200">
+                <a:solidFill>
+                  <a:schemeClr val="tx1"/>
+                </a:solidFill>
+                <a:latin typeface="+mn-lt"/>
+                <a:ea typeface="+mn-ea"/>
+                <a:cs typeface="+mn-cs"/>
+              </a:defRPr>
+            </a:lvl6pPr>
+            <a:lvl7pPr marL="2743200" algn="l" defTabSz="914400" rtl="0" eaLnBrk="1" latinLnBrk="0" hangingPunct="1">
+              <a:defRPr sz="1800" kern="1200">
+                <a:solidFill>
+                  <a:schemeClr val="tx1"/>
+                </a:solidFill>
+                <a:latin typeface="+mn-lt"/>
+                <a:ea typeface="+mn-ea"/>
+                <a:cs typeface="+mn-cs"/>
+              </a:defRPr>
+            </a:lvl7pPr>
+            <a:lvl8pPr marL="3200400" algn="l" defTabSz="914400" rtl="0" eaLnBrk="1" latinLnBrk="0" hangingPunct="1">
+              <a:defRPr sz="1800" kern="1200">
+                <a:solidFill>
+                  <a:schemeClr val="tx1"/>
+                </a:solidFill>
+                <a:latin typeface="+mn-lt"/>
+                <a:ea typeface="+mn-ea"/>
+                <a:cs typeface="+mn-cs"/>
+              </a:defRPr>
+            </a:lvl8pPr>
+            <a:lvl9pPr marL="3657600" algn="l" defTabSz="914400" rtl="0" eaLnBrk="1" latinLnBrk="0" hangingPunct="1">
+              <a:defRPr sz="1800" kern="1200">
+                <a:solidFill>
+                  <a:schemeClr val="tx1"/>
+                </a:solidFill>
+                <a:latin typeface="+mn-lt"/>
+                <a:ea typeface="+mn-ea"/>
+                <a:cs typeface="+mn-cs"/>
+              </a:defRPr>
+            </a:lvl9pPr>
+          </a:lstStyle>
+          <a:p>
+            <a:r>
+              <a:rPr lang="en-US" sz="1600" dirty="0"/>
+              <a:t>MATH-600: Optimization and Simulation</a:t>
+            </a:r>
+          </a:p>
+        </p:txBody>
+      </p:sp>
+      <p:sp>
+        <p:nvSpPr>
+          <p:cNvPr id="6" name="Footer Placeholder 4">
+            <a:extLst>
+              <a:ext uri="{FF2B5EF4-FFF2-40B4-BE49-F238E27FC236}">
+                <a16:creationId xmlns:a16="http://schemas.microsoft.com/office/drawing/2014/main" id="{FBA4775B-F9B3-924B-A934-99D6F2A1E0D1}"/>
+              </a:ext>
+            </a:extLst>
+          </p:cNvPr>
+          <p:cNvSpPr txBox="1">
+            <a:spLocks/>
+          </p:cNvSpPr>
+          <p:nvPr/>
+        </p:nvSpPr>
+        <p:spPr>
+          <a:xfrm>
+            <a:off x="4804582" y="6351822"/>
+            <a:ext cx="2042532" cy="365125"/>
+          </a:xfrm>
+          <a:prstGeom prst="rect">
+            <a:avLst/>
+          </a:prstGeom>
+        </p:spPr>
+        <p:txBody>
+          <a:bodyPr vert="horz" lIns="91440" tIns="45720" rIns="91440" bIns="45720" rtlCol="0" anchor="ctr"/>
+          <a:lstStyle>
+            <a:defPPr>
+              <a:defRPr lang="en-US"/>
+            </a:defPPr>
+            <a:lvl1pPr marL="0" algn="ctr" defTabSz="914400" rtl="0" eaLnBrk="1" latinLnBrk="0" hangingPunct="1">
+              <a:defRPr sz="1200" b="1" kern="1200">
+                <a:solidFill>
+                  <a:schemeClr val="tx1"/>
+                </a:solidFill>
+                <a:latin typeface="+mn-lt"/>
+                <a:ea typeface="+mn-ea"/>
+                <a:cs typeface="+mn-cs"/>
+              </a:defRPr>
+            </a:lvl1pPr>
+            <a:lvl2pPr marL="457200" algn="l" defTabSz="914400" rtl="0" eaLnBrk="1" latinLnBrk="0" hangingPunct="1">
+              <a:defRPr sz="1800" kern="1200">
+                <a:solidFill>
+                  <a:schemeClr val="tx1"/>
+                </a:solidFill>
+                <a:latin typeface="+mn-lt"/>
+                <a:ea typeface="+mn-ea"/>
+                <a:cs typeface="+mn-cs"/>
+              </a:defRPr>
+            </a:lvl2pPr>
+            <a:lvl3pPr marL="914400" algn="l" defTabSz="914400" rtl="0" eaLnBrk="1" latinLnBrk="0" hangingPunct="1">
+              <a:defRPr sz="1800" kern="1200">
+                <a:solidFill>
+                  <a:schemeClr val="tx1"/>
+                </a:solidFill>
+                <a:latin typeface="+mn-lt"/>
+                <a:ea typeface="+mn-ea"/>
+                <a:cs typeface="+mn-cs"/>
+              </a:defRPr>
+            </a:lvl3pPr>
+            <a:lvl4pPr marL="1371600" algn="l" defTabSz="914400" rtl="0" eaLnBrk="1" latinLnBrk="0" hangingPunct="1">
+              <a:defRPr sz="1800" kern="1200">
+                <a:solidFill>
+                  <a:schemeClr val="tx1"/>
+                </a:solidFill>
+                <a:latin typeface="+mn-lt"/>
+                <a:ea typeface="+mn-ea"/>
+                <a:cs typeface="+mn-cs"/>
+              </a:defRPr>
+            </a:lvl4pPr>
+            <a:lvl5pPr marL="1828800" algn="l" defTabSz="914400" rtl="0" eaLnBrk="1" latinLnBrk="0" hangingPunct="1">
+              <a:defRPr sz="1800" kern="1200">
+                <a:solidFill>
+                  <a:schemeClr val="tx1"/>
+                </a:solidFill>
+                <a:latin typeface="+mn-lt"/>
+                <a:ea typeface="+mn-ea"/>
+                <a:cs typeface="+mn-cs"/>
+              </a:defRPr>
+            </a:lvl5pPr>
+            <a:lvl6pPr marL="2286000" algn="l" defTabSz="914400" rtl="0" eaLnBrk="1" latinLnBrk="0" hangingPunct="1">
+              <a:defRPr sz="1800" kern="1200">
+                <a:solidFill>
+                  <a:schemeClr val="tx1"/>
+                </a:solidFill>
+                <a:latin typeface="+mn-lt"/>
+                <a:ea typeface="+mn-ea"/>
+                <a:cs typeface="+mn-cs"/>
+              </a:defRPr>
+            </a:lvl6pPr>
+            <a:lvl7pPr marL="2743200" algn="l" defTabSz="914400" rtl="0" eaLnBrk="1" latinLnBrk="0" hangingPunct="1">
+              <a:defRPr sz="1800" kern="1200">
+                <a:solidFill>
+                  <a:schemeClr val="tx1"/>
+                </a:solidFill>
+                <a:latin typeface="+mn-lt"/>
+                <a:ea typeface="+mn-ea"/>
+                <a:cs typeface="+mn-cs"/>
+              </a:defRPr>
+            </a:lvl7pPr>
+            <a:lvl8pPr marL="3200400" algn="l" defTabSz="914400" rtl="0" eaLnBrk="1" latinLnBrk="0" hangingPunct="1">
+              <a:defRPr sz="1800" kern="1200">
+                <a:solidFill>
+                  <a:schemeClr val="tx1"/>
+                </a:solidFill>
+                <a:latin typeface="+mn-lt"/>
+                <a:ea typeface="+mn-ea"/>
+                <a:cs typeface="+mn-cs"/>
+              </a:defRPr>
+            </a:lvl8pPr>
+            <a:lvl9pPr marL="3657600" algn="l" defTabSz="914400" rtl="0" eaLnBrk="1" latinLnBrk="0" hangingPunct="1">
+              <a:defRPr sz="1800" kern="1200">
+                <a:solidFill>
+                  <a:schemeClr val="tx1"/>
+                </a:solidFill>
+                <a:latin typeface="+mn-lt"/>
+                <a:ea typeface="+mn-ea"/>
+                <a:cs typeface="+mn-cs"/>
+              </a:defRPr>
+            </a:lvl9pPr>
+          </a:lstStyle>
+          <a:p>
+            <a:r>
+              <a:rPr lang="el-GR" sz="1600" dirty="0"/>
+              <a:t>10</a:t>
+            </a:r>
+            <a:r>
+              <a:rPr lang="en-US" sz="1600" dirty="0"/>
+              <a:t>/04/2018</a:t>
+            </a:r>
+          </a:p>
+        </p:txBody>
+      </p:sp>
+      <p:pic>
+        <p:nvPicPr>
+          <p:cNvPr id="7" name="Picture 6">
+            <a:extLst>
+              <a:ext uri="{FF2B5EF4-FFF2-40B4-BE49-F238E27FC236}">
+                <a16:creationId xmlns:a16="http://schemas.microsoft.com/office/drawing/2014/main" id="{3490ED8F-E2AF-5F4F-9E68-499DBD60F7E5}"/>
+              </a:ext>
+            </a:extLst>
+          </p:cNvPr>
+          <p:cNvPicPr>
+            <a:picLocks noChangeAspect="1"/>
+          </p:cNvPicPr>
+          <p:nvPr/>
+        </p:nvPicPr>
+        <p:blipFill>
+          <a:blip r:embed="rId2"/>
+          <a:stretch>
+            <a:fillRect/>
+          </a:stretch>
+        </p:blipFill>
+        <p:spPr>
+          <a:xfrm>
+            <a:off x="147604" y="6301269"/>
+            <a:ext cx="990178" cy="475286"/>
+          </a:xfrm>
+          <a:prstGeom prst="rect">
+            <a:avLst/>
+          </a:prstGeom>
+        </p:spPr>
+      </p:pic>
+      <p:sp>
+        <p:nvSpPr>
+          <p:cNvPr id="8" name="Footer Placeholder 4">
+            <a:extLst>
+              <a:ext uri="{FF2B5EF4-FFF2-40B4-BE49-F238E27FC236}">
+                <a16:creationId xmlns:a16="http://schemas.microsoft.com/office/drawing/2014/main" id="{88C63EB0-A7BF-A849-8B08-3B0DD83D03A8}"/>
+              </a:ext>
+            </a:extLst>
+          </p:cNvPr>
+          <p:cNvSpPr txBox="1">
+            <a:spLocks/>
+          </p:cNvSpPr>
+          <p:nvPr/>
+        </p:nvSpPr>
+        <p:spPr>
+          <a:xfrm>
+            <a:off x="10348379" y="6351822"/>
+            <a:ext cx="2042532" cy="365125"/>
+          </a:xfrm>
+          <a:prstGeom prst="rect">
+            <a:avLst/>
+          </a:prstGeom>
+        </p:spPr>
+        <p:txBody>
+          <a:bodyPr vert="horz" lIns="91440" tIns="45720" rIns="91440" bIns="45720" rtlCol="0" anchor="ctr"/>
+          <a:lstStyle>
+            <a:defPPr>
+              <a:defRPr lang="en-US"/>
+            </a:defPPr>
+            <a:lvl1pPr marL="0" algn="ctr" defTabSz="914400" rtl="0" eaLnBrk="1" latinLnBrk="0" hangingPunct="1">
+              <a:defRPr sz="1200" b="1" kern="1200">
+                <a:solidFill>
+                  <a:schemeClr val="tx1"/>
+                </a:solidFill>
+                <a:latin typeface="+mn-lt"/>
+                <a:ea typeface="+mn-ea"/>
+                <a:cs typeface="+mn-cs"/>
+              </a:defRPr>
+            </a:lvl1pPr>
+            <a:lvl2pPr marL="457200" algn="l" defTabSz="914400" rtl="0" eaLnBrk="1" latinLnBrk="0" hangingPunct="1">
+              <a:defRPr sz="1800" kern="1200">
+                <a:solidFill>
+                  <a:schemeClr val="tx1"/>
+                </a:solidFill>
+                <a:latin typeface="+mn-lt"/>
+                <a:ea typeface="+mn-ea"/>
+                <a:cs typeface="+mn-cs"/>
+              </a:defRPr>
+            </a:lvl2pPr>
+            <a:lvl3pPr marL="914400" algn="l" defTabSz="914400" rtl="0" eaLnBrk="1" latinLnBrk="0" hangingPunct="1">
+              <a:defRPr sz="1800" kern="1200">
+                <a:solidFill>
+                  <a:schemeClr val="tx1"/>
+                </a:solidFill>
+                <a:latin typeface="+mn-lt"/>
+                <a:ea typeface="+mn-ea"/>
+                <a:cs typeface="+mn-cs"/>
+              </a:defRPr>
+            </a:lvl3pPr>
+            <a:lvl4pPr marL="1371600" algn="l" defTabSz="914400" rtl="0" eaLnBrk="1" latinLnBrk="0" hangingPunct="1">
+              <a:defRPr sz="1800" kern="1200">
+                <a:solidFill>
+                  <a:schemeClr val="tx1"/>
+                </a:solidFill>
+                <a:latin typeface="+mn-lt"/>
+                <a:ea typeface="+mn-ea"/>
+                <a:cs typeface="+mn-cs"/>
+              </a:defRPr>
+            </a:lvl4pPr>
+            <a:lvl5pPr marL="1828800" algn="l" defTabSz="914400" rtl="0" eaLnBrk="1" latinLnBrk="0" hangingPunct="1">
+              <a:defRPr sz="1800" kern="1200">
+                <a:solidFill>
+                  <a:schemeClr val="tx1"/>
+                </a:solidFill>
+                <a:latin typeface="+mn-lt"/>
+                <a:ea typeface="+mn-ea"/>
+                <a:cs typeface="+mn-cs"/>
+              </a:defRPr>
+            </a:lvl5pPr>
+            <a:lvl6pPr marL="2286000" algn="l" defTabSz="914400" rtl="0" eaLnBrk="1" latinLnBrk="0" hangingPunct="1">
+              <a:defRPr sz="1800" kern="1200">
+                <a:solidFill>
+                  <a:schemeClr val="tx1"/>
+                </a:solidFill>
+                <a:latin typeface="+mn-lt"/>
+                <a:ea typeface="+mn-ea"/>
+                <a:cs typeface="+mn-cs"/>
+              </a:defRPr>
+            </a:lvl6pPr>
+            <a:lvl7pPr marL="2743200" algn="l" defTabSz="914400" rtl="0" eaLnBrk="1" latinLnBrk="0" hangingPunct="1">
+              <a:defRPr sz="1800" kern="1200">
+                <a:solidFill>
+                  <a:schemeClr val="tx1"/>
+                </a:solidFill>
+                <a:latin typeface="+mn-lt"/>
+                <a:ea typeface="+mn-ea"/>
+                <a:cs typeface="+mn-cs"/>
+              </a:defRPr>
+            </a:lvl7pPr>
+            <a:lvl8pPr marL="3200400" algn="l" defTabSz="914400" rtl="0" eaLnBrk="1" latinLnBrk="0" hangingPunct="1">
+              <a:defRPr sz="1800" kern="1200">
+                <a:solidFill>
+                  <a:schemeClr val="tx1"/>
+                </a:solidFill>
+                <a:latin typeface="+mn-lt"/>
+                <a:ea typeface="+mn-ea"/>
+                <a:cs typeface="+mn-cs"/>
+              </a:defRPr>
+            </a:lvl8pPr>
+            <a:lvl9pPr marL="3657600" algn="l" defTabSz="914400" rtl="0" eaLnBrk="1" latinLnBrk="0" hangingPunct="1">
+              <a:defRPr sz="1800" kern="1200">
+                <a:solidFill>
+                  <a:schemeClr val="tx1"/>
+                </a:solidFill>
+                <a:latin typeface="+mn-lt"/>
+                <a:ea typeface="+mn-ea"/>
+                <a:cs typeface="+mn-cs"/>
+              </a:defRPr>
+            </a:lvl9pPr>
+          </a:lstStyle>
+          <a:p>
+            <a:r>
+              <a:rPr lang="en-US" sz="1600" dirty="0"/>
+              <a:t>1/333</a:t>
+            </a:r>
+          </a:p>
+        </p:txBody>
+      </p:sp>
+      <p:pic>
+        <p:nvPicPr>
+          <p:cNvPr id="9" name="Picture 8">
+            <a:extLst>
+              <a:ext uri="{FF2B5EF4-FFF2-40B4-BE49-F238E27FC236}">
+                <a16:creationId xmlns:a16="http://schemas.microsoft.com/office/drawing/2014/main" id="{5FC10C41-FA25-AE47-903C-10D43619EACD}"/>
+              </a:ext>
+            </a:extLst>
+          </p:cNvPr>
+          <p:cNvPicPr>
+            <a:picLocks noChangeAspect="1"/>
+          </p:cNvPicPr>
+          <p:nvPr/>
+        </p:nvPicPr>
+        <p:blipFill>
+          <a:blip r:embed="rId3"/>
+          <a:stretch>
+            <a:fillRect/>
+          </a:stretch>
+        </p:blipFill>
+        <p:spPr>
+          <a:xfrm>
+            <a:off x="349561" y="971919"/>
+            <a:ext cx="6497553" cy="4873165"/>
+          </a:xfrm>
+          <a:prstGeom prst="rect">
+            <a:avLst/>
+          </a:prstGeom>
+        </p:spPr>
+      </p:pic>
+      <p:sp>
+        <p:nvSpPr>
+          <p:cNvPr id="11" name="Rectangle 10">
+            <a:extLst>
+              <a:ext uri="{FF2B5EF4-FFF2-40B4-BE49-F238E27FC236}">
+                <a16:creationId xmlns:a16="http://schemas.microsoft.com/office/drawing/2014/main" id="{EAF1BE37-E07A-8349-8D14-B556EC99BEBD}"/>
+              </a:ext>
+            </a:extLst>
+          </p:cNvPr>
+          <p:cNvSpPr/>
+          <p:nvPr/>
+        </p:nvSpPr>
+        <p:spPr>
+          <a:xfrm>
+            <a:off x="6734065" y="1449368"/>
+            <a:ext cx="4250457" cy="2585323"/>
+          </a:xfrm>
+          <a:prstGeom prst="rect">
+            <a:avLst/>
+          </a:prstGeom>
+        </p:spPr>
+        <p:txBody>
+          <a:bodyPr wrap="square">
+            <a:spAutoFit/>
+          </a:bodyPr>
+          <a:lstStyle/>
+          <a:p>
+            <a:r>
+              <a:rPr lang="en-US" dirty="0">
+                <a:latin typeface="+mj-lt"/>
+              </a:rPr>
+              <a:t>Statistics of mean-of-total-revenue:</a:t>
+            </a:r>
+          </a:p>
+          <a:p>
+            <a:endParaRPr lang="en-US" dirty="0">
+              <a:latin typeface="+mj-lt"/>
+            </a:endParaRPr>
+          </a:p>
+          <a:p>
+            <a:pPr marL="285750" indent="-285750">
+              <a:buFont typeface="Arial" panose="020B0604020202020204" pitchFamily="34" charset="0"/>
+              <a:buChar char="•"/>
+            </a:pPr>
+            <a:r>
+              <a:rPr lang="en-US" dirty="0">
+                <a:latin typeface="+mj-lt"/>
+              </a:rPr>
+              <a:t>Mean = 11.857 (MSE = 0.241, </a:t>
+            </a:r>
+            <a:r>
+              <a:rPr lang="en-US" dirty="0" err="1">
+                <a:latin typeface="+mj-lt"/>
+              </a:rPr>
+              <a:t>BootstrapMSE</a:t>
+            </a:r>
+            <a:r>
+              <a:rPr lang="en-US" dirty="0">
+                <a:latin typeface="+mj-lt"/>
+              </a:rPr>
+              <a:t> = 0.201)</a:t>
+            </a:r>
+          </a:p>
+          <a:p>
+            <a:pPr marL="285750" indent="-285750">
+              <a:buFont typeface="Arial" panose="020B0604020202020204" pitchFamily="34" charset="0"/>
+              <a:buChar char="•"/>
+            </a:pPr>
+            <a:endParaRPr lang="en-US" dirty="0">
+              <a:latin typeface="+mj-lt"/>
+            </a:endParaRPr>
+          </a:p>
+          <a:p>
+            <a:pPr marL="285750" indent="-285750">
+              <a:buFont typeface="Arial" panose="020B0604020202020204" pitchFamily="34" charset="0"/>
+              <a:buChar char="•"/>
+            </a:pPr>
+            <a:r>
+              <a:rPr lang="en-US" dirty="0">
+                <a:latin typeface="+mj-lt"/>
+              </a:rPr>
+              <a:t>95 percentile = 21.550 (</a:t>
+            </a:r>
+            <a:r>
+              <a:rPr lang="en-US" dirty="0" err="1">
+                <a:latin typeface="+mj-lt"/>
+              </a:rPr>
+              <a:t>BootstrapMSE</a:t>
+            </a:r>
+            <a:r>
+              <a:rPr lang="en-US" dirty="0">
+                <a:latin typeface="+mj-lt"/>
+              </a:rPr>
+              <a:t> = 2.7627)</a:t>
+            </a:r>
+          </a:p>
+          <a:p>
+            <a:pPr marL="285750" indent="-285750">
+              <a:buFont typeface="Arial" panose="020B0604020202020204" pitchFamily="34" charset="0"/>
+              <a:buChar char="•"/>
+            </a:pPr>
+            <a:endParaRPr lang="en-US" dirty="0">
+              <a:latin typeface="+mj-lt"/>
+            </a:endParaRPr>
+          </a:p>
+          <a:p>
+            <a:pPr marL="285750" indent="-285750">
+              <a:buFont typeface="Arial" panose="020B0604020202020204" pitchFamily="34" charset="0"/>
+              <a:buChar char="•"/>
+            </a:pPr>
+            <a:r>
+              <a:rPr lang="en-US" dirty="0">
+                <a:latin typeface="+mj-lt"/>
+              </a:rPr>
+              <a:t>Worst = 30 (</a:t>
+            </a:r>
+            <a:r>
+              <a:rPr lang="en-US" dirty="0" err="1">
+                <a:latin typeface="+mj-lt"/>
+              </a:rPr>
+              <a:t>BootstrapMSE</a:t>
+            </a:r>
+            <a:r>
+              <a:rPr lang="en-US" dirty="0">
+                <a:latin typeface="+mj-lt"/>
+              </a:rPr>
+              <a:t> = 6.020)</a:t>
+            </a:r>
+          </a:p>
+        </p:txBody>
+      </p:sp>
+    </p:spTree>
+    <p:extLst>
+      <p:ext uri="{BB962C8B-B14F-4D97-AF65-F5344CB8AC3E}">
+        <p14:creationId xmlns:p14="http://schemas.microsoft.com/office/powerpoint/2010/main" val="2429932559"/>
+      </p:ext>
+    </p:extLst>
+  </p:cSld>
+  <p:clrMapOvr>
+    <a:masterClrMapping/>
+  </p:clrMapOvr>
+</p:sld>
+</file>
+
+<file path=ppt/slides/slide14.xml><?xml version="1.0" encoding="utf-8"?>
+<p:sld xmlns:a="http://schemas.openxmlformats.org/drawingml/2006/main" xmlns:r="http://schemas.openxmlformats.org/officeDocument/2006/relationships" xmlns:p="http://schemas.openxmlformats.org/presentationml/2006/main">
+  <p:cSld>
+    <p:spTree>
+      <p:nvGrpSpPr>
+        <p:cNvPr id="1" name=""/>
+        <p:cNvGrpSpPr/>
+        <p:nvPr/>
+      </p:nvGrpSpPr>
+      <p:grpSpPr>
+        <a:xfrm>
+          <a:off x="0" y="0"/>
+          <a:ext cx="0" cy="0"/>
+          <a:chOff x="0" y="0"/>
+          <a:chExt cx="0" cy="0"/>
+        </a:xfrm>
+      </p:grpSpPr>
+      <p:sp>
+        <p:nvSpPr>
+          <p:cNvPr id="2" name="Title 1">
+            <a:extLst>
+              <a:ext uri="{FF2B5EF4-FFF2-40B4-BE49-F238E27FC236}">
+                <a16:creationId xmlns:a16="http://schemas.microsoft.com/office/drawing/2014/main" id="{B4400879-93A2-4C47-9854-3A25F4E62687}"/>
+              </a:ext>
+            </a:extLst>
+          </p:cNvPr>
+          <p:cNvSpPr>
+            <a:spLocks noGrp="1"/>
+          </p:cNvSpPr>
+          <p:nvPr>
+            <p:ph type="ctrTitle"/>
+          </p:nvPr>
+        </p:nvSpPr>
+        <p:spPr>
+          <a:xfrm>
+            <a:off x="588842" y="249382"/>
+            <a:ext cx="9144000" cy="722537"/>
+          </a:xfrm>
+        </p:spPr>
+        <p:txBody>
+          <a:bodyPr>
+            <a:noAutofit/>
+          </a:bodyPr>
+          <a:lstStyle/>
+          <a:p>
+            <a:pPr algn="l"/>
+            <a:r>
+              <a:rPr lang="en-US" sz="3600" b="1" dirty="0"/>
+              <a:t>Scenario (2) - Results</a:t>
+            </a:r>
+          </a:p>
+        </p:txBody>
+      </p:sp>
+      <p:sp>
+        <p:nvSpPr>
+          <p:cNvPr id="5" name="Date Placeholder 3">
+            <a:extLst>
+              <a:ext uri="{FF2B5EF4-FFF2-40B4-BE49-F238E27FC236}">
+                <a16:creationId xmlns:a16="http://schemas.microsoft.com/office/drawing/2014/main" id="{4288DC27-738A-4941-9271-37DB47148DE1}"/>
+              </a:ext>
+            </a:extLst>
+          </p:cNvPr>
+          <p:cNvSpPr txBox="1">
+            <a:spLocks/>
+          </p:cNvSpPr>
+          <p:nvPr/>
+        </p:nvSpPr>
+        <p:spPr>
+          <a:xfrm>
+            <a:off x="1137782" y="6351822"/>
+            <a:ext cx="4366008" cy="365125"/>
+          </a:xfrm>
+          <a:prstGeom prst="rect">
+            <a:avLst/>
+          </a:prstGeom>
+        </p:spPr>
+        <p:txBody>
+          <a:bodyPr vert="horz" lIns="91440" tIns="45720" rIns="91440" bIns="45720" rtlCol="0" anchor="ctr"/>
+          <a:lstStyle>
+            <a:defPPr>
+              <a:defRPr lang="en-US"/>
+            </a:defPPr>
+            <a:lvl1pPr marL="0" algn="l" defTabSz="914400" rtl="0" eaLnBrk="1" latinLnBrk="0" hangingPunct="1">
+              <a:defRPr sz="1400" b="1" kern="1200">
+                <a:solidFill>
+                  <a:schemeClr val="tx1"/>
+                </a:solidFill>
+                <a:latin typeface="+mn-lt"/>
+                <a:ea typeface="+mn-ea"/>
+                <a:cs typeface="+mn-cs"/>
+              </a:defRPr>
+            </a:lvl1pPr>
+            <a:lvl2pPr marL="457200" algn="l" defTabSz="914400" rtl="0" eaLnBrk="1" latinLnBrk="0" hangingPunct="1">
+              <a:defRPr sz="1800" kern="1200">
+                <a:solidFill>
+                  <a:schemeClr val="tx1"/>
+                </a:solidFill>
+                <a:latin typeface="+mn-lt"/>
+                <a:ea typeface="+mn-ea"/>
+                <a:cs typeface="+mn-cs"/>
+              </a:defRPr>
+            </a:lvl2pPr>
+            <a:lvl3pPr marL="914400" algn="l" defTabSz="914400" rtl="0" eaLnBrk="1" latinLnBrk="0" hangingPunct="1">
+              <a:defRPr sz="1800" kern="1200">
+                <a:solidFill>
+                  <a:schemeClr val="tx1"/>
+                </a:solidFill>
+                <a:latin typeface="+mn-lt"/>
+                <a:ea typeface="+mn-ea"/>
+                <a:cs typeface="+mn-cs"/>
+              </a:defRPr>
+            </a:lvl3pPr>
+            <a:lvl4pPr marL="1371600" algn="l" defTabSz="914400" rtl="0" eaLnBrk="1" latinLnBrk="0" hangingPunct="1">
+              <a:defRPr sz="1800" kern="1200">
+                <a:solidFill>
+                  <a:schemeClr val="tx1"/>
+                </a:solidFill>
+                <a:latin typeface="+mn-lt"/>
+                <a:ea typeface="+mn-ea"/>
+                <a:cs typeface="+mn-cs"/>
+              </a:defRPr>
+            </a:lvl4pPr>
+            <a:lvl5pPr marL="1828800" algn="l" defTabSz="914400" rtl="0" eaLnBrk="1" latinLnBrk="0" hangingPunct="1">
+              <a:defRPr sz="1800" kern="1200">
+                <a:solidFill>
+                  <a:schemeClr val="tx1"/>
+                </a:solidFill>
+                <a:latin typeface="+mn-lt"/>
+                <a:ea typeface="+mn-ea"/>
+                <a:cs typeface="+mn-cs"/>
+              </a:defRPr>
+            </a:lvl5pPr>
+            <a:lvl6pPr marL="2286000" algn="l" defTabSz="914400" rtl="0" eaLnBrk="1" latinLnBrk="0" hangingPunct="1">
+              <a:defRPr sz="1800" kern="1200">
+                <a:solidFill>
+                  <a:schemeClr val="tx1"/>
+                </a:solidFill>
+                <a:latin typeface="+mn-lt"/>
+                <a:ea typeface="+mn-ea"/>
+                <a:cs typeface="+mn-cs"/>
+              </a:defRPr>
+            </a:lvl6pPr>
+            <a:lvl7pPr marL="2743200" algn="l" defTabSz="914400" rtl="0" eaLnBrk="1" latinLnBrk="0" hangingPunct="1">
+              <a:defRPr sz="1800" kern="1200">
+                <a:solidFill>
+                  <a:schemeClr val="tx1"/>
+                </a:solidFill>
+                <a:latin typeface="+mn-lt"/>
+                <a:ea typeface="+mn-ea"/>
+                <a:cs typeface="+mn-cs"/>
+              </a:defRPr>
+            </a:lvl7pPr>
+            <a:lvl8pPr marL="3200400" algn="l" defTabSz="914400" rtl="0" eaLnBrk="1" latinLnBrk="0" hangingPunct="1">
+              <a:defRPr sz="1800" kern="1200">
+                <a:solidFill>
+                  <a:schemeClr val="tx1"/>
+                </a:solidFill>
+                <a:latin typeface="+mn-lt"/>
+                <a:ea typeface="+mn-ea"/>
+                <a:cs typeface="+mn-cs"/>
+              </a:defRPr>
+            </a:lvl8pPr>
+            <a:lvl9pPr marL="3657600" algn="l" defTabSz="914400" rtl="0" eaLnBrk="1" latinLnBrk="0" hangingPunct="1">
+              <a:defRPr sz="1800" kern="1200">
+                <a:solidFill>
+                  <a:schemeClr val="tx1"/>
+                </a:solidFill>
+                <a:latin typeface="+mn-lt"/>
+                <a:ea typeface="+mn-ea"/>
+                <a:cs typeface="+mn-cs"/>
+              </a:defRPr>
+            </a:lvl9pPr>
+          </a:lstStyle>
+          <a:p>
+            <a:r>
+              <a:rPr lang="en-US" sz="1600" dirty="0"/>
+              <a:t>MATH-600: Optimization and Simulation</a:t>
+            </a:r>
+          </a:p>
+        </p:txBody>
+      </p:sp>
+      <p:sp>
+        <p:nvSpPr>
+          <p:cNvPr id="6" name="Footer Placeholder 4">
+            <a:extLst>
+              <a:ext uri="{FF2B5EF4-FFF2-40B4-BE49-F238E27FC236}">
+                <a16:creationId xmlns:a16="http://schemas.microsoft.com/office/drawing/2014/main" id="{FBA4775B-F9B3-924B-A934-99D6F2A1E0D1}"/>
+              </a:ext>
+            </a:extLst>
+          </p:cNvPr>
+          <p:cNvSpPr txBox="1">
+            <a:spLocks/>
+          </p:cNvSpPr>
+          <p:nvPr/>
+        </p:nvSpPr>
+        <p:spPr>
+          <a:xfrm>
+            <a:off x="4804582" y="6351822"/>
+            <a:ext cx="2042532" cy="365125"/>
+          </a:xfrm>
+          <a:prstGeom prst="rect">
+            <a:avLst/>
+          </a:prstGeom>
+        </p:spPr>
+        <p:txBody>
+          <a:bodyPr vert="horz" lIns="91440" tIns="45720" rIns="91440" bIns="45720" rtlCol="0" anchor="ctr"/>
+          <a:lstStyle>
+            <a:defPPr>
+              <a:defRPr lang="en-US"/>
+            </a:defPPr>
+            <a:lvl1pPr marL="0" algn="ctr" defTabSz="914400" rtl="0" eaLnBrk="1" latinLnBrk="0" hangingPunct="1">
+              <a:defRPr sz="1200" b="1" kern="1200">
+                <a:solidFill>
+                  <a:schemeClr val="tx1"/>
+                </a:solidFill>
+                <a:latin typeface="+mn-lt"/>
+                <a:ea typeface="+mn-ea"/>
+                <a:cs typeface="+mn-cs"/>
+              </a:defRPr>
+            </a:lvl1pPr>
+            <a:lvl2pPr marL="457200" algn="l" defTabSz="914400" rtl="0" eaLnBrk="1" latinLnBrk="0" hangingPunct="1">
+              <a:defRPr sz="1800" kern="1200">
+                <a:solidFill>
+                  <a:schemeClr val="tx1"/>
+                </a:solidFill>
+                <a:latin typeface="+mn-lt"/>
+                <a:ea typeface="+mn-ea"/>
+                <a:cs typeface="+mn-cs"/>
+              </a:defRPr>
+            </a:lvl2pPr>
+            <a:lvl3pPr marL="914400" algn="l" defTabSz="914400" rtl="0" eaLnBrk="1" latinLnBrk="0" hangingPunct="1">
+              <a:defRPr sz="1800" kern="1200">
+                <a:solidFill>
+                  <a:schemeClr val="tx1"/>
+                </a:solidFill>
+                <a:latin typeface="+mn-lt"/>
+                <a:ea typeface="+mn-ea"/>
+                <a:cs typeface="+mn-cs"/>
+              </a:defRPr>
+            </a:lvl3pPr>
+            <a:lvl4pPr marL="1371600" algn="l" defTabSz="914400" rtl="0" eaLnBrk="1" latinLnBrk="0" hangingPunct="1">
+              <a:defRPr sz="1800" kern="1200">
+                <a:solidFill>
+                  <a:schemeClr val="tx1"/>
+                </a:solidFill>
+                <a:latin typeface="+mn-lt"/>
+                <a:ea typeface="+mn-ea"/>
+                <a:cs typeface="+mn-cs"/>
+              </a:defRPr>
+            </a:lvl4pPr>
+            <a:lvl5pPr marL="1828800" algn="l" defTabSz="914400" rtl="0" eaLnBrk="1" latinLnBrk="0" hangingPunct="1">
+              <a:defRPr sz="1800" kern="1200">
+                <a:solidFill>
+                  <a:schemeClr val="tx1"/>
+                </a:solidFill>
+                <a:latin typeface="+mn-lt"/>
+                <a:ea typeface="+mn-ea"/>
+                <a:cs typeface="+mn-cs"/>
+              </a:defRPr>
+            </a:lvl5pPr>
+            <a:lvl6pPr marL="2286000" algn="l" defTabSz="914400" rtl="0" eaLnBrk="1" latinLnBrk="0" hangingPunct="1">
+              <a:defRPr sz="1800" kern="1200">
+                <a:solidFill>
+                  <a:schemeClr val="tx1"/>
+                </a:solidFill>
+                <a:latin typeface="+mn-lt"/>
+                <a:ea typeface="+mn-ea"/>
+                <a:cs typeface="+mn-cs"/>
+              </a:defRPr>
+            </a:lvl6pPr>
+            <a:lvl7pPr marL="2743200" algn="l" defTabSz="914400" rtl="0" eaLnBrk="1" latinLnBrk="0" hangingPunct="1">
+              <a:defRPr sz="1800" kern="1200">
+                <a:solidFill>
+                  <a:schemeClr val="tx1"/>
+                </a:solidFill>
+                <a:latin typeface="+mn-lt"/>
+                <a:ea typeface="+mn-ea"/>
+                <a:cs typeface="+mn-cs"/>
+              </a:defRPr>
+            </a:lvl7pPr>
+            <a:lvl8pPr marL="3200400" algn="l" defTabSz="914400" rtl="0" eaLnBrk="1" latinLnBrk="0" hangingPunct="1">
+              <a:defRPr sz="1800" kern="1200">
+                <a:solidFill>
+                  <a:schemeClr val="tx1"/>
+                </a:solidFill>
+                <a:latin typeface="+mn-lt"/>
+                <a:ea typeface="+mn-ea"/>
+                <a:cs typeface="+mn-cs"/>
+              </a:defRPr>
+            </a:lvl8pPr>
+            <a:lvl9pPr marL="3657600" algn="l" defTabSz="914400" rtl="0" eaLnBrk="1" latinLnBrk="0" hangingPunct="1">
+              <a:defRPr sz="1800" kern="1200">
+                <a:solidFill>
+                  <a:schemeClr val="tx1"/>
+                </a:solidFill>
+                <a:latin typeface="+mn-lt"/>
+                <a:ea typeface="+mn-ea"/>
+                <a:cs typeface="+mn-cs"/>
+              </a:defRPr>
+            </a:lvl9pPr>
+          </a:lstStyle>
+          <a:p>
+            <a:r>
+              <a:rPr lang="el-GR" sz="1600" dirty="0"/>
+              <a:t>10</a:t>
+            </a:r>
+            <a:r>
+              <a:rPr lang="en-US" sz="1600" dirty="0"/>
+              <a:t>/04/2018</a:t>
+            </a:r>
+          </a:p>
+        </p:txBody>
+      </p:sp>
+      <p:pic>
+        <p:nvPicPr>
+          <p:cNvPr id="7" name="Picture 6">
+            <a:extLst>
+              <a:ext uri="{FF2B5EF4-FFF2-40B4-BE49-F238E27FC236}">
+                <a16:creationId xmlns:a16="http://schemas.microsoft.com/office/drawing/2014/main" id="{3490ED8F-E2AF-5F4F-9E68-499DBD60F7E5}"/>
+              </a:ext>
+            </a:extLst>
+          </p:cNvPr>
+          <p:cNvPicPr>
+            <a:picLocks noChangeAspect="1"/>
+          </p:cNvPicPr>
+          <p:nvPr/>
+        </p:nvPicPr>
+        <p:blipFill>
+          <a:blip r:embed="rId2"/>
+          <a:stretch>
+            <a:fillRect/>
+          </a:stretch>
+        </p:blipFill>
+        <p:spPr>
+          <a:xfrm>
+            <a:off x="147604" y="6301269"/>
+            <a:ext cx="990178" cy="475286"/>
+          </a:xfrm>
+          <a:prstGeom prst="rect">
+            <a:avLst/>
+          </a:prstGeom>
+        </p:spPr>
+      </p:pic>
+      <p:sp>
+        <p:nvSpPr>
+          <p:cNvPr id="8" name="Footer Placeholder 4">
+            <a:extLst>
+              <a:ext uri="{FF2B5EF4-FFF2-40B4-BE49-F238E27FC236}">
+                <a16:creationId xmlns:a16="http://schemas.microsoft.com/office/drawing/2014/main" id="{88C63EB0-A7BF-A849-8B08-3B0DD83D03A8}"/>
+              </a:ext>
+            </a:extLst>
+          </p:cNvPr>
+          <p:cNvSpPr txBox="1">
+            <a:spLocks/>
+          </p:cNvSpPr>
+          <p:nvPr/>
+        </p:nvSpPr>
+        <p:spPr>
+          <a:xfrm>
+            <a:off x="10348379" y="6351822"/>
+            <a:ext cx="2042532" cy="365125"/>
+          </a:xfrm>
+          <a:prstGeom prst="rect">
+            <a:avLst/>
+          </a:prstGeom>
+        </p:spPr>
+        <p:txBody>
+          <a:bodyPr vert="horz" lIns="91440" tIns="45720" rIns="91440" bIns="45720" rtlCol="0" anchor="ctr"/>
+          <a:lstStyle>
+            <a:defPPr>
+              <a:defRPr lang="en-US"/>
+            </a:defPPr>
+            <a:lvl1pPr marL="0" algn="ctr" defTabSz="914400" rtl="0" eaLnBrk="1" latinLnBrk="0" hangingPunct="1">
+              <a:defRPr sz="1200" b="1" kern="1200">
+                <a:solidFill>
+                  <a:schemeClr val="tx1"/>
+                </a:solidFill>
+                <a:latin typeface="+mn-lt"/>
+                <a:ea typeface="+mn-ea"/>
+                <a:cs typeface="+mn-cs"/>
+              </a:defRPr>
+            </a:lvl1pPr>
+            <a:lvl2pPr marL="457200" algn="l" defTabSz="914400" rtl="0" eaLnBrk="1" latinLnBrk="0" hangingPunct="1">
+              <a:defRPr sz="1800" kern="1200">
+                <a:solidFill>
+                  <a:schemeClr val="tx1"/>
+                </a:solidFill>
+                <a:latin typeface="+mn-lt"/>
+                <a:ea typeface="+mn-ea"/>
+                <a:cs typeface="+mn-cs"/>
+              </a:defRPr>
+            </a:lvl2pPr>
+            <a:lvl3pPr marL="914400" algn="l" defTabSz="914400" rtl="0" eaLnBrk="1" latinLnBrk="0" hangingPunct="1">
+              <a:defRPr sz="1800" kern="1200">
+                <a:solidFill>
+                  <a:schemeClr val="tx1"/>
+                </a:solidFill>
+                <a:latin typeface="+mn-lt"/>
+                <a:ea typeface="+mn-ea"/>
+                <a:cs typeface="+mn-cs"/>
+              </a:defRPr>
+            </a:lvl3pPr>
+            <a:lvl4pPr marL="1371600" algn="l" defTabSz="914400" rtl="0" eaLnBrk="1" latinLnBrk="0" hangingPunct="1">
+              <a:defRPr sz="1800" kern="1200">
+                <a:solidFill>
+                  <a:schemeClr val="tx1"/>
+                </a:solidFill>
+                <a:latin typeface="+mn-lt"/>
+                <a:ea typeface="+mn-ea"/>
+                <a:cs typeface="+mn-cs"/>
+              </a:defRPr>
+            </a:lvl4pPr>
+            <a:lvl5pPr marL="1828800" algn="l" defTabSz="914400" rtl="0" eaLnBrk="1" latinLnBrk="0" hangingPunct="1">
+              <a:defRPr sz="1800" kern="1200">
+                <a:solidFill>
+                  <a:schemeClr val="tx1"/>
+                </a:solidFill>
+                <a:latin typeface="+mn-lt"/>
+                <a:ea typeface="+mn-ea"/>
+                <a:cs typeface="+mn-cs"/>
+              </a:defRPr>
+            </a:lvl5pPr>
+            <a:lvl6pPr marL="2286000" algn="l" defTabSz="914400" rtl="0" eaLnBrk="1" latinLnBrk="0" hangingPunct="1">
+              <a:defRPr sz="1800" kern="1200">
+                <a:solidFill>
+                  <a:schemeClr val="tx1"/>
+                </a:solidFill>
+                <a:latin typeface="+mn-lt"/>
+                <a:ea typeface="+mn-ea"/>
+                <a:cs typeface="+mn-cs"/>
+              </a:defRPr>
+            </a:lvl6pPr>
+            <a:lvl7pPr marL="2743200" algn="l" defTabSz="914400" rtl="0" eaLnBrk="1" latinLnBrk="0" hangingPunct="1">
+              <a:defRPr sz="1800" kern="1200">
+                <a:solidFill>
+                  <a:schemeClr val="tx1"/>
+                </a:solidFill>
+                <a:latin typeface="+mn-lt"/>
+                <a:ea typeface="+mn-ea"/>
+                <a:cs typeface="+mn-cs"/>
+              </a:defRPr>
+            </a:lvl7pPr>
+            <a:lvl8pPr marL="3200400" algn="l" defTabSz="914400" rtl="0" eaLnBrk="1" latinLnBrk="0" hangingPunct="1">
+              <a:defRPr sz="1800" kern="1200">
+                <a:solidFill>
+                  <a:schemeClr val="tx1"/>
+                </a:solidFill>
+                <a:latin typeface="+mn-lt"/>
+                <a:ea typeface="+mn-ea"/>
+                <a:cs typeface="+mn-cs"/>
+              </a:defRPr>
+            </a:lvl8pPr>
+            <a:lvl9pPr marL="3657600" algn="l" defTabSz="914400" rtl="0" eaLnBrk="1" latinLnBrk="0" hangingPunct="1">
+              <a:defRPr sz="1800" kern="1200">
+                <a:solidFill>
+                  <a:schemeClr val="tx1"/>
+                </a:solidFill>
+                <a:latin typeface="+mn-lt"/>
+                <a:ea typeface="+mn-ea"/>
+                <a:cs typeface="+mn-cs"/>
+              </a:defRPr>
+            </a:lvl9pPr>
+          </a:lstStyle>
+          <a:p>
+            <a:r>
+              <a:rPr lang="en-US" sz="1600" dirty="0"/>
+              <a:t>1/333</a:t>
+            </a:r>
+          </a:p>
+        </p:txBody>
+      </p:sp>
+      <p:pic>
+        <p:nvPicPr>
+          <p:cNvPr id="4" name="Picture 3">
+            <a:extLst>
+              <a:ext uri="{FF2B5EF4-FFF2-40B4-BE49-F238E27FC236}">
+                <a16:creationId xmlns:a16="http://schemas.microsoft.com/office/drawing/2014/main" id="{38D267B1-7EC5-D241-8C92-AC9B1E78279F}"/>
+              </a:ext>
+            </a:extLst>
+          </p:cNvPr>
+          <p:cNvPicPr>
+            <a:picLocks noChangeAspect="1"/>
+          </p:cNvPicPr>
+          <p:nvPr/>
+        </p:nvPicPr>
+        <p:blipFill rotWithShape="1">
+          <a:blip r:embed="rId3"/>
+          <a:srcRect l="5801" t="2221" r="7923" b="4091"/>
+          <a:stretch/>
+        </p:blipFill>
+        <p:spPr>
+          <a:xfrm>
+            <a:off x="34726" y="1188490"/>
+            <a:ext cx="5870048" cy="4780744"/>
+          </a:xfrm>
+          <a:prstGeom prst="rect">
+            <a:avLst/>
+          </a:prstGeom>
+        </p:spPr>
+      </p:pic>
+      <p:sp>
+        <p:nvSpPr>
+          <p:cNvPr id="16" name="Rectangle 15">
+            <a:extLst>
+              <a:ext uri="{FF2B5EF4-FFF2-40B4-BE49-F238E27FC236}">
+                <a16:creationId xmlns:a16="http://schemas.microsoft.com/office/drawing/2014/main" id="{B0871D35-75BE-8442-8194-D301AB973014}"/>
+              </a:ext>
+            </a:extLst>
+          </p:cNvPr>
+          <p:cNvSpPr/>
+          <p:nvPr/>
+        </p:nvSpPr>
+        <p:spPr>
+          <a:xfrm>
+            <a:off x="6734065" y="1449368"/>
+            <a:ext cx="4250457" cy="2862322"/>
+          </a:xfrm>
+          <a:prstGeom prst="rect">
+            <a:avLst/>
+          </a:prstGeom>
+        </p:spPr>
+        <p:txBody>
+          <a:bodyPr wrap="square">
+            <a:spAutoFit/>
+          </a:bodyPr>
+          <a:lstStyle/>
+          <a:p>
+            <a:r>
+              <a:rPr lang="en-US" dirty="0">
+                <a:latin typeface="+mj-lt"/>
+              </a:rPr>
+              <a:t>Statistics of mean-of-number-of-no purchase:</a:t>
+            </a:r>
+          </a:p>
+          <a:p>
+            <a:endParaRPr lang="en-US" dirty="0">
+              <a:latin typeface="+mj-lt"/>
+            </a:endParaRPr>
+          </a:p>
+          <a:p>
+            <a:pPr marL="285750" indent="-285750">
+              <a:buFont typeface="Arial" panose="020B0604020202020204" pitchFamily="34" charset="0"/>
+              <a:buChar char="•"/>
+            </a:pPr>
+            <a:r>
+              <a:rPr lang="en-US" dirty="0">
+                <a:latin typeface="+mj-lt"/>
+              </a:rPr>
+              <a:t>Mean = 11.857 (MSE = 0.241, </a:t>
+            </a:r>
+            <a:r>
+              <a:rPr lang="en-US" dirty="0" err="1">
+                <a:latin typeface="+mj-lt"/>
+              </a:rPr>
+              <a:t>BootstrapMSE</a:t>
+            </a:r>
+            <a:r>
+              <a:rPr lang="en-US" dirty="0">
+                <a:latin typeface="+mj-lt"/>
+              </a:rPr>
+              <a:t> = 0.201)</a:t>
+            </a:r>
+          </a:p>
+          <a:p>
+            <a:pPr marL="285750" indent="-285750">
+              <a:buFont typeface="Arial" panose="020B0604020202020204" pitchFamily="34" charset="0"/>
+              <a:buChar char="•"/>
+            </a:pPr>
+            <a:endParaRPr lang="en-US" dirty="0">
+              <a:latin typeface="+mj-lt"/>
+            </a:endParaRPr>
+          </a:p>
+          <a:p>
+            <a:pPr marL="285750" indent="-285750">
+              <a:buFont typeface="Arial" panose="020B0604020202020204" pitchFamily="34" charset="0"/>
+              <a:buChar char="•"/>
+            </a:pPr>
+            <a:r>
+              <a:rPr lang="en-US" dirty="0">
+                <a:latin typeface="+mj-lt"/>
+              </a:rPr>
+              <a:t>95 percentile = 21.550 (</a:t>
+            </a:r>
+            <a:r>
+              <a:rPr lang="en-US" dirty="0" err="1">
+                <a:latin typeface="+mj-lt"/>
+              </a:rPr>
+              <a:t>BootstrapMSE</a:t>
+            </a:r>
+            <a:r>
+              <a:rPr lang="en-US" dirty="0">
+                <a:latin typeface="+mj-lt"/>
+              </a:rPr>
+              <a:t> = 2.7627)</a:t>
+            </a:r>
+          </a:p>
+          <a:p>
+            <a:pPr marL="285750" indent="-285750">
+              <a:buFont typeface="Arial" panose="020B0604020202020204" pitchFamily="34" charset="0"/>
+              <a:buChar char="•"/>
+            </a:pPr>
+            <a:endParaRPr lang="en-US" dirty="0">
+              <a:latin typeface="+mj-lt"/>
+            </a:endParaRPr>
+          </a:p>
+          <a:p>
+            <a:pPr marL="285750" indent="-285750">
+              <a:buFont typeface="Arial" panose="020B0604020202020204" pitchFamily="34" charset="0"/>
+              <a:buChar char="•"/>
+            </a:pPr>
+            <a:r>
+              <a:rPr lang="en-US" dirty="0">
+                <a:latin typeface="+mj-lt"/>
+              </a:rPr>
+              <a:t>Worst = 30 (</a:t>
+            </a:r>
+            <a:r>
+              <a:rPr lang="en-US" dirty="0" err="1">
+                <a:latin typeface="+mj-lt"/>
+              </a:rPr>
+              <a:t>BootstrapMSE</a:t>
+            </a:r>
+            <a:r>
+              <a:rPr lang="en-US" dirty="0">
+                <a:latin typeface="+mj-lt"/>
+              </a:rPr>
+              <a:t> = 6.020)</a:t>
+            </a:r>
+          </a:p>
+        </p:txBody>
+      </p:sp>
+    </p:spTree>
+    <p:extLst>
+      <p:ext uri="{BB962C8B-B14F-4D97-AF65-F5344CB8AC3E}">
+        <p14:creationId xmlns:p14="http://schemas.microsoft.com/office/powerpoint/2010/main" val="2910151755"/>
+      </p:ext>
+    </p:extLst>
+  </p:cSld>
+  <p:clrMapOvr>
+    <a:masterClrMapping/>
+  </p:clrMapOvr>
+</p:sld>
+</file>
+
+<file path=ppt/slides/slide15.xml><?xml version="1.0" encoding="utf-8"?>
+<p:sld xmlns:a="http://schemas.openxmlformats.org/drawingml/2006/main" xmlns:r="http://schemas.openxmlformats.org/officeDocument/2006/relationships" xmlns:p="http://schemas.openxmlformats.org/presentationml/2006/main">
+  <p:cSld>
+    <p:spTree>
+      <p:nvGrpSpPr>
+        <p:cNvPr id="1" name=""/>
+        <p:cNvGrpSpPr/>
+        <p:nvPr/>
+      </p:nvGrpSpPr>
+      <p:grpSpPr>
+        <a:xfrm>
+          <a:off x="0" y="0"/>
+          <a:ext cx="0" cy="0"/>
+          <a:chOff x="0" y="0"/>
+          <a:chExt cx="0" cy="0"/>
+        </a:xfrm>
+      </p:grpSpPr>
+      <p:sp>
+        <p:nvSpPr>
+          <p:cNvPr id="2" name="Title 1">
+            <a:extLst>
+              <a:ext uri="{FF2B5EF4-FFF2-40B4-BE49-F238E27FC236}">
+                <a16:creationId xmlns:a16="http://schemas.microsoft.com/office/drawing/2014/main" id="{B4400879-93A2-4C47-9854-3A25F4E62687}"/>
+              </a:ext>
+            </a:extLst>
+          </p:cNvPr>
+          <p:cNvSpPr>
+            <a:spLocks noGrp="1"/>
+          </p:cNvSpPr>
+          <p:nvPr>
+            <p:ph type="ctrTitle"/>
+          </p:nvPr>
+        </p:nvSpPr>
+        <p:spPr>
+          <a:xfrm>
+            <a:off x="588842" y="249382"/>
+            <a:ext cx="9144000" cy="722537"/>
+          </a:xfrm>
+        </p:spPr>
+        <p:txBody>
+          <a:bodyPr>
+            <a:noAutofit/>
+          </a:bodyPr>
+          <a:lstStyle/>
+          <a:p>
+            <a:pPr algn="l"/>
+            <a:r>
+              <a:rPr lang="en-US" sz="3600" b="1" dirty="0"/>
+              <a:t>Scenario (2) - Results</a:t>
+            </a:r>
+          </a:p>
+        </p:txBody>
+      </p:sp>
+      <p:sp>
+        <p:nvSpPr>
+          <p:cNvPr id="5" name="Date Placeholder 3">
+            <a:extLst>
+              <a:ext uri="{FF2B5EF4-FFF2-40B4-BE49-F238E27FC236}">
+                <a16:creationId xmlns:a16="http://schemas.microsoft.com/office/drawing/2014/main" id="{4288DC27-738A-4941-9271-37DB47148DE1}"/>
+              </a:ext>
+            </a:extLst>
+          </p:cNvPr>
+          <p:cNvSpPr txBox="1">
+            <a:spLocks/>
+          </p:cNvSpPr>
+          <p:nvPr/>
+        </p:nvSpPr>
+        <p:spPr>
+          <a:xfrm>
+            <a:off x="1137782" y="6351822"/>
+            <a:ext cx="4366008" cy="365125"/>
+          </a:xfrm>
+          <a:prstGeom prst="rect">
+            <a:avLst/>
+          </a:prstGeom>
+        </p:spPr>
+        <p:txBody>
+          <a:bodyPr vert="horz" lIns="91440" tIns="45720" rIns="91440" bIns="45720" rtlCol="0" anchor="ctr"/>
+          <a:lstStyle>
+            <a:defPPr>
+              <a:defRPr lang="en-US"/>
+            </a:defPPr>
+            <a:lvl1pPr marL="0" algn="l" defTabSz="914400" rtl="0" eaLnBrk="1" latinLnBrk="0" hangingPunct="1">
+              <a:defRPr sz="1400" b="1" kern="1200">
+                <a:solidFill>
+                  <a:schemeClr val="tx1"/>
+                </a:solidFill>
+                <a:latin typeface="+mn-lt"/>
+                <a:ea typeface="+mn-ea"/>
+                <a:cs typeface="+mn-cs"/>
+              </a:defRPr>
+            </a:lvl1pPr>
+            <a:lvl2pPr marL="457200" algn="l" defTabSz="914400" rtl="0" eaLnBrk="1" latinLnBrk="0" hangingPunct="1">
+              <a:defRPr sz="1800" kern="1200">
+                <a:solidFill>
+                  <a:schemeClr val="tx1"/>
+                </a:solidFill>
+                <a:latin typeface="+mn-lt"/>
+                <a:ea typeface="+mn-ea"/>
+                <a:cs typeface="+mn-cs"/>
+              </a:defRPr>
+            </a:lvl2pPr>
+            <a:lvl3pPr marL="914400" algn="l" defTabSz="914400" rtl="0" eaLnBrk="1" latinLnBrk="0" hangingPunct="1">
+              <a:defRPr sz="1800" kern="1200">
+                <a:solidFill>
+                  <a:schemeClr val="tx1"/>
+                </a:solidFill>
+                <a:latin typeface="+mn-lt"/>
+                <a:ea typeface="+mn-ea"/>
+                <a:cs typeface="+mn-cs"/>
+              </a:defRPr>
+            </a:lvl3pPr>
+            <a:lvl4pPr marL="1371600" algn="l" defTabSz="914400" rtl="0" eaLnBrk="1" latinLnBrk="0" hangingPunct="1">
+              <a:defRPr sz="1800" kern="1200">
+                <a:solidFill>
+                  <a:schemeClr val="tx1"/>
+                </a:solidFill>
+                <a:latin typeface="+mn-lt"/>
+                <a:ea typeface="+mn-ea"/>
+                <a:cs typeface="+mn-cs"/>
+              </a:defRPr>
+            </a:lvl4pPr>
+            <a:lvl5pPr marL="1828800" algn="l" defTabSz="914400" rtl="0" eaLnBrk="1" latinLnBrk="0" hangingPunct="1">
+              <a:defRPr sz="1800" kern="1200">
+                <a:solidFill>
+                  <a:schemeClr val="tx1"/>
+                </a:solidFill>
+                <a:latin typeface="+mn-lt"/>
+                <a:ea typeface="+mn-ea"/>
+                <a:cs typeface="+mn-cs"/>
+              </a:defRPr>
+            </a:lvl5pPr>
+            <a:lvl6pPr marL="2286000" algn="l" defTabSz="914400" rtl="0" eaLnBrk="1" latinLnBrk="0" hangingPunct="1">
+              <a:defRPr sz="1800" kern="1200">
+                <a:solidFill>
+                  <a:schemeClr val="tx1"/>
+                </a:solidFill>
+                <a:latin typeface="+mn-lt"/>
+                <a:ea typeface="+mn-ea"/>
+                <a:cs typeface="+mn-cs"/>
+              </a:defRPr>
+            </a:lvl6pPr>
+            <a:lvl7pPr marL="2743200" algn="l" defTabSz="914400" rtl="0" eaLnBrk="1" latinLnBrk="0" hangingPunct="1">
+              <a:defRPr sz="1800" kern="1200">
+                <a:solidFill>
+                  <a:schemeClr val="tx1"/>
+                </a:solidFill>
+                <a:latin typeface="+mn-lt"/>
+                <a:ea typeface="+mn-ea"/>
+                <a:cs typeface="+mn-cs"/>
+              </a:defRPr>
+            </a:lvl7pPr>
+            <a:lvl8pPr marL="3200400" algn="l" defTabSz="914400" rtl="0" eaLnBrk="1" latinLnBrk="0" hangingPunct="1">
+              <a:defRPr sz="1800" kern="1200">
+                <a:solidFill>
+                  <a:schemeClr val="tx1"/>
+                </a:solidFill>
+                <a:latin typeface="+mn-lt"/>
+                <a:ea typeface="+mn-ea"/>
+                <a:cs typeface="+mn-cs"/>
+              </a:defRPr>
+            </a:lvl8pPr>
+            <a:lvl9pPr marL="3657600" algn="l" defTabSz="914400" rtl="0" eaLnBrk="1" latinLnBrk="0" hangingPunct="1">
+              <a:defRPr sz="1800" kern="1200">
+                <a:solidFill>
+                  <a:schemeClr val="tx1"/>
+                </a:solidFill>
+                <a:latin typeface="+mn-lt"/>
+                <a:ea typeface="+mn-ea"/>
+                <a:cs typeface="+mn-cs"/>
+              </a:defRPr>
+            </a:lvl9pPr>
+          </a:lstStyle>
+          <a:p>
+            <a:r>
+              <a:rPr lang="en-US" sz="1600" dirty="0"/>
+              <a:t>MATH-600: Optimization and Simulation</a:t>
+            </a:r>
+          </a:p>
+        </p:txBody>
+      </p:sp>
+      <p:sp>
+        <p:nvSpPr>
+          <p:cNvPr id="6" name="Footer Placeholder 4">
+            <a:extLst>
+              <a:ext uri="{FF2B5EF4-FFF2-40B4-BE49-F238E27FC236}">
+                <a16:creationId xmlns:a16="http://schemas.microsoft.com/office/drawing/2014/main" id="{FBA4775B-F9B3-924B-A934-99D6F2A1E0D1}"/>
+              </a:ext>
+            </a:extLst>
+          </p:cNvPr>
+          <p:cNvSpPr txBox="1">
+            <a:spLocks/>
+          </p:cNvSpPr>
+          <p:nvPr/>
+        </p:nvSpPr>
+        <p:spPr>
+          <a:xfrm>
+            <a:off x="4804582" y="6351822"/>
+            <a:ext cx="2042532" cy="365125"/>
+          </a:xfrm>
+          <a:prstGeom prst="rect">
+            <a:avLst/>
+          </a:prstGeom>
+        </p:spPr>
+        <p:txBody>
+          <a:bodyPr vert="horz" lIns="91440" tIns="45720" rIns="91440" bIns="45720" rtlCol="0" anchor="ctr"/>
+          <a:lstStyle>
+            <a:defPPr>
+              <a:defRPr lang="en-US"/>
+            </a:defPPr>
+            <a:lvl1pPr marL="0" algn="ctr" defTabSz="914400" rtl="0" eaLnBrk="1" latinLnBrk="0" hangingPunct="1">
+              <a:defRPr sz="1200" b="1" kern="1200">
+                <a:solidFill>
+                  <a:schemeClr val="tx1"/>
+                </a:solidFill>
+                <a:latin typeface="+mn-lt"/>
+                <a:ea typeface="+mn-ea"/>
+                <a:cs typeface="+mn-cs"/>
+              </a:defRPr>
+            </a:lvl1pPr>
+            <a:lvl2pPr marL="457200" algn="l" defTabSz="914400" rtl="0" eaLnBrk="1" latinLnBrk="0" hangingPunct="1">
+              <a:defRPr sz="1800" kern="1200">
+                <a:solidFill>
+                  <a:schemeClr val="tx1"/>
+                </a:solidFill>
+                <a:latin typeface="+mn-lt"/>
+                <a:ea typeface="+mn-ea"/>
+                <a:cs typeface="+mn-cs"/>
+              </a:defRPr>
+            </a:lvl2pPr>
+            <a:lvl3pPr marL="914400" algn="l" defTabSz="914400" rtl="0" eaLnBrk="1" latinLnBrk="0" hangingPunct="1">
+              <a:defRPr sz="1800" kern="1200">
+                <a:solidFill>
+                  <a:schemeClr val="tx1"/>
+                </a:solidFill>
+                <a:latin typeface="+mn-lt"/>
+                <a:ea typeface="+mn-ea"/>
+                <a:cs typeface="+mn-cs"/>
+              </a:defRPr>
+            </a:lvl3pPr>
+            <a:lvl4pPr marL="1371600" algn="l" defTabSz="914400" rtl="0" eaLnBrk="1" latinLnBrk="0" hangingPunct="1">
+              <a:defRPr sz="1800" kern="1200">
+                <a:solidFill>
+                  <a:schemeClr val="tx1"/>
+                </a:solidFill>
+                <a:latin typeface="+mn-lt"/>
+                <a:ea typeface="+mn-ea"/>
+                <a:cs typeface="+mn-cs"/>
+              </a:defRPr>
+            </a:lvl4pPr>
+            <a:lvl5pPr marL="1828800" algn="l" defTabSz="914400" rtl="0" eaLnBrk="1" latinLnBrk="0" hangingPunct="1">
+              <a:defRPr sz="1800" kern="1200">
+                <a:solidFill>
+                  <a:schemeClr val="tx1"/>
+                </a:solidFill>
+                <a:latin typeface="+mn-lt"/>
+                <a:ea typeface="+mn-ea"/>
+                <a:cs typeface="+mn-cs"/>
+              </a:defRPr>
+            </a:lvl5pPr>
+            <a:lvl6pPr marL="2286000" algn="l" defTabSz="914400" rtl="0" eaLnBrk="1" latinLnBrk="0" hangingPunct="1">
+              <a:defRPr sz="1800" kern="1200">
+                <a:solidFill>
+                  <a:schemeClr val="tx1"/>
+                </a:solidFill>
+                <a:latin typeface="+mn-lt"/>
+                <a:ea typeface="+mn-ea"/>
+                <a:cs typeface="+mn-cs"/>
+              </a:defRPr>
+            </a:lvl6pPr>
+            <a:lvl7pPr marL="2743200" algn="l" defTabSz="914400" rtl="0" eaLnBrk="1" latinLnBrk="0" hangingPunct="1">
+              <a:defRPr sz="1800" kern="1200">
+                <a:solidFill>
+                  <a:schemeClr val="tx1"/>
+                </a:solidFill>
+                <a:latin typeface="+mn-lt"/>
+                <a:ea typeface="+mn-ea"/>
+                <a:cs typeface="+mn-cs"/>
+              </a:defRPr>
+            </a:lvl7pPr>
+            <a:lvl8pPr marL="3200400" algn="l" defTabSz="914400" rtl="0" eaLnBrk="1" latinLnBrk="0" hangingPunct="1">
+              <a:defRPr sz="1800" kern="1200">
+                <a:solidFill>
+                  <a:schemeClr val="tx1"/>
+                </a:solidFill>
+                <a:latin typeface="+mn-lt"/>
+                <a:ea typeface="+mn-ea"/>
+                <a:cs typeface="+mn-cs"/>
+              </a:defRPr>
+            </a:lvl8pPr>
+            <a:lvl9pPr marL="3657600" algn="l" defTabSz="914400" rtl="0" eaLnBrk="1" latinLnBrk="0" hangingPunct="1">
+              <a:defRPr sz="1800" kern="1200">
+                <a:solidFill>
+                  <a:schemeClr val="tx1"/>
+                </a:solidFill>
+                <a:latin typeface="+mn-lt"/>
+                <a:ea typeface="+mn-ea"/>
+                <a:cs typeface="+mn-cs"/>
+              </a:defRPr>
+            </a:lvl9pPr>
+          </a:lstStyle>
+          <a:p>
+            <a:r>
+              <a:rPr lang="el-GR" sz="1600" dirty="0"/>
+              <a:t>10</a:t>
+            </a:r>
+            <a:r>
+              <a:rPr lang="en-US" sz="1600" dirty="0"/>
+              <a:t>/04/2018</a:t>
+            </a:r>
+          </a:p>
+        </p:txBody>
+      </p:sp>
+      <p:pic>
+        <p:nvPicPr>
+          <p:cNvPr id="7" name="Picture 6">
+            <a:extLst>
+              <a:ext uri="{FF2B5EF4-FFF2-40B4-BE49-F238E27FC236}">
+                <a16:creationId xmlns:a16="http://schemas.microsoft.com/office/drawing/2014/main" id="{3490ED8F-E2AF-5F4F-9E68-499DBD60F7E5}"/>
+              </a:ext>
+            </a:extLst>
+          </p:cNvPr>
+          <p:cNvPicPr>
+            <a:picLocks noChangeAspect="1"/>
+          </p:cNvPicPr>
+          <p:nvPr/>
+        </p:nvPicPr>
+        <p:blipFill>
+          <a:blip r:embed="rId2"/>
+          <a:stretch>
+            <a:fillRect/>
+          </a:stretch>
+        </p:blipFill>
+        <p:spPr>
+          <a:xfrm>
+            <a:off x="147604" y="6301269"/>
+            <a:ext cx="990178" cy="475286"/>
+          </a:xfrm>
+          <a:prstGeom prst="rect">
+            <a:avLst/>
+          </a:prstGeom>
+        </p:spPr>
+      </p:pic>
+      <p:sp>
+        <p:nvSpPr>
+          <p:cNvPr id="8" name="Footer Placeholder 4">
+            <a:extLst>
+              <a:ext uri="{FF2B5EF4-FFF2-40B4-BE49-F238E27FC236}">
+                <a16:creationId xmlns:a16="http://schemas.microsoft.com/office/drawing/2014/main" id="{88C63EB0-A7BF-A849-8B08-3B0DD83D03A8}"/>
+              </a:ext>
+            </a:extLst>
+          </p:cNvPr>
+          <p:cNvSpPr txBox="1">
+            <a:spLocks/>
+          </p:cNvSpPr>
+          <p:nvPr/>
+        </p:nvSpPr>
+        <p:spPr>
+          <a:xfrm>
+            <a:off x="10348379" y="6351822"/>
+            <a:ext cx="2042532" cy="365125"/>
+          </a:xfrm>
+          <a:prstGeom prst="rect">
+            <a:avLst/>
+          </a:prstGeom>
+        </p:spPr>
+        <p:txBody>
+          <a:bodyPr vert="horz" lIns="91440" tIns="45720" rIns="91440" bIns="45720" rtlCol="0" anchor="ctr"/>
+          <a:lstStyle>
+            <a:defPPr>
+              <a:defRPr lang="en-US"/>
+            </a:defPPr>
+            <a:lvl1pPr marL="0" algn="ctr" defTabSz="914400" rtl="0" eaLnBrk="1" latinLnBrk="0" hangingPunct="1">
+              <a:defRPr sz="1200" b="1" kern="1200">
+                <a:solidFill>
+                  <a:schemeClr val="tx1"/>
+                </a:solidFill>
+                <a:latin typeface="+mn-lt"/>
+                <a:ea typeface="+mn-ea"/>
+                <a:cs typeface="+mn-cs"/>
+              </a:defRPr>
+            </a:lvl1pPr>
+            <a:lvl2pPr marL="457200" algn="l" defTabSz="914400" rtl="0" eaLnBrk="1" latinLnBrk="0" hangingPunct="1">
+              <a:defRPr sz="1800" kern="1200">
+                <a:solidFill>
+                  <a:schemeClr val="tx1"/>
+                </a:solidFill>
+                <a:latin typeface="+mn-lt"/>
+                <a:ea typeface="+mn-ea"/>
+                <a:cs typeface="+mn-cs"/>
+              </a:defRPr>
+            </a:lvl2pPr>
+            <a:lvl3pPr marL="914400" algn="l" defTabSz="914400" rtl="0" eaLnBrk="1" latinLnBrk="0" hangingPunct="1">
+              <a:defRPr sz="1800" kern="1200">
+                <a:solidFill>
+                  <a:schemeClr val="tx1"/>
+                </a:solidFill>
+                <a:latin typeface="+mn-lt"/>
+                <a:ea typeface="+mn-ea"/>
+                <a:cs typeface="+mn-cs"/>
+              </a:defRPr>
+            </a:lvl3pPr>
+            <a:lvl4pPr marL="1371600" algn="l" defTabSz="914400" rtl="0" eaLnBrk="1" latinLnBrk="0" hangingPunct="1">
+              <a:defRPr sz="1800" kern="1200">
+                <a:solidFill>
+                  <a:schemeClr val="tx1"/>
+                </a:solidFill>
+                <a:latin typeface="+mn-lt"/>
+                <a:ea typeface="+mn-ea"/>
+                <a:cs typeface="+mn-cs"/>
+              </a:defRPr>
+            </a:lvl4pPr>
+            <a:lvl5pPr marL="1828800" algn="l" defTabSz="914400" rtl="0" eaLnBrk="1" latinLnBrk="0" hangingPunct="1">
+              <a:defRPr sz="1800" kern="1200">
+                <a:solidFill>
+                  <a:schemeClr val="tx1"/>
+                </a:solidFill>
+                <a:latin typeface="+mn-lt"/>
+                <a:ea typeface="+mn-ea"/>
+                <a:cs typeface="+mn-cs"/>
+              </a:defRPr>
+            </a:lvl5pPr>
+            <a:lvl6pPr marL="2286000" algn="l" defTabSz="914400" rtl="0" eaLnBrk="1" latinLnBrk="0" hangingPunct="1">
+              <a:defRPr sz="1800" kern="1200">
+                <a:solidFill>
+                  <a:schemeClr val="tx1"/>
+                </a:solidFill>
+                <a:latin typeface="+mn-lt"/>
+                <a:ea typeface="+mn-ea"/>
+                <a:cs typeface="+mn-cs"/>
+              </a:defRPr>
+            </a:lvl6pPr>
+            <a:lvl7pPr marL="2743200" algn="l" defTabSz="914400" rtl="0" eaLnBrk="1" latinLnBrk="0" hangingPunct="1">
+              <a:defRPr sz="1800" kern="1200">
+                <a:solidFill>
+                  <a:schemeClr val="tx1"/>
+                </a:solidFill>
+                <a:latin typeface="+mn-lt"/>
+                <a:ea typeface="+mn-ea"/>
+                <a:cs typeface="+mn-cs"/>
+              </a:defRPr>
+            </a:lvl7pPr>
+            <a:lvl8pPr marL="3200400" algn="l" defTabSz="914400" rtl="0" eaLnBrk="1" latinLnBrk="0" hangingPunct="1">
+              <a:defRPr sz="1800" kern="1200">
+                <a:solidFill>
+                  <a:schemeClr val="tx1"/>
+                </a:solidFill>
+                <a:latin typeface="+mn-lt"/>
+                <a:ea typeface="+mn-ea"/>
+                <a:cs typeface="+mn-cs"/>
+              </a:defRPr>
+            </a:lvl8pPr>
+            <a:lvl9pPr marL="3657600" algn="l" defTabSz="914400" rtl="0" eaLnBrk="1" latinLnBrk="0" hangingPunct="1">
+              <a:defRPr sz="1800" kern="1200">
+                <a:solidFill>
+                  <a:schemeClr val="tx1"/>
+                </a:solidFill>
+                <a:latin typeface="+mn-lt"/>
+                <a:ea typeface="+mn-ea"/>
+                <a:cs typeface="+mn-cs"/>
+              </a:defRPr>
+            </a:lvl9pPr>
+          </a:lstStyle>
+          <a:p>
+            <a:r>
+              <a:rPr lang="en-US" sz="1600" dirty="0"/>
+              <a:t>1/333</a:t>
+            </a:r>
+          </a:p>
+        </p:txBody>
+      </p:sp>
+      <p:pic>
+        <p:nvPicPr>
+          <p:cNvPr id="13" name="Picture 12">
+            <a:extLst>
+              <a:ext uri="{FF2B5EF4-FFF2-40B4-BE49-F238E27FC236}">
+                <a16:creationId xmlns:a16="http://schemas.microsoft.com/office/drawing/2014/main" id="{7E077AB5-3191-5449-A8DF-91BB028673B6}"/>
+              </a:ext>
+            </a:extLst>
+          </p:cNvPr>
+          <p:cNvPicPr>
+            <a:picLocks noChangeAspect="1"/>
+          </p:cNvPicPr>
+          <p:nvPr/>
+        </p:nvPicPr>
+        <p:blipFill rotWithShape="1">
+          <a:blip r:embed="rId3"/>
+          <a:srcRect l="6252" t="2992" r="7545" b="1751"/>
+          <a:stretch/>
+        </p:blipFill>
+        <p:spPr>
+          <a:xfrm>
+            <a:off x="2414955" y="971919"/>
+            <a:ext cx="5947570" cy="4929133"/>
+          </a:xfrm>
+          <a:prstGeom prst="rect">
+            <a:avLst/>
+          </a:prstGeom>
+        </p:spPr>
+      </p:pic>
+    </p:spTree>
+    <p:extLst>
+      <p:ext uri="{BB962C8B-B14F-4D97-AF65-F5344CB8AC3E}">
+        <p14:creationId xmlns:p14="http://schemas.microsoft.com/office/powerpoint/2010/main" val="1964133137"/>
+      </p:ext>
+    </p:extLst>
+  </p:cSld>
+  <p:clrMapOvr>
+    <a:masterClrMapping/>
+  </p:clrMapOvr>
+</p:sld>
+</file>
+
+<file path=ppt/slides/slide16.xml><?xml version="1.0" encoding="utf-8"?>
+<p:sld xmlns:a="http://schemas.openxmlformats.org/drawingml/2006/main" xmlns:r="http://schemas.openxmlformats.org/officeDocument/2006/relationships" xmlns:p="http://schemas.openxmlformats.org/presentationml/2006/main">
+  <p:cSld>
+    <p:spTree>
+      <p:nvGrpSpPr>
+        <p:cNvPr id="1" name=""/>
+        <p:cNvGrpSpPr/>
+        <p:nvPr/>
+      </p:nvGrpSpPr>
+      <p:grpSpPr>
+        <a:xfrm>
+          <a:off x="0" y="0"/>
+          <a:ext cx="0" cy="0"/>
+          <a:chOff x="0" y="0"/>
+          <a:chExt cx="0" cy="0"/>
+        </a:xfrm>
+      </p:grpSpPr>
+      <p:sp>
+        <p:nvSpPr>
+          <p:cNvPr id="2" name="Title 1">
+            <a:extLst>
+              <a:ext uri="{FF2B5EF4-FFF2-40B4-BE49-F238E27FC236}">
+                <a16:creationId xmlns:a16="http://schemas.microsoft.com/office/drawing/2014/main" id="{B4400879-93A2-4C47-9854-3A25F4E62687}"/>
+              </a:ext>
+            </a:extLst>
+          </p:cNvPr>
+          <p:cNvSpPr>
+            <a:spLocks noGrp="1"/>
+          </p:cNvSpPr>
+          <p:nvPr>
+            <p:ph type="ctrTitle"/>
+          </p:nvPr>
+        </p:nvSpPr>
+        <p:spPr>
+          <a:xfrm>
+            <a:off x="588841" y="249382"/>
+            <a:ext cx="10290173" cy="722537"/>
+          </a:xfrm>
+        </p:spPr>
+        <p:txBody>
+          <a:bodyPr>
+            <a:noAutofit/>
+          </a:bodyPr>
+          <a:lstStyle/>
+          <a:p>
+            <a:pPr algn="l"/>
+            <a:r>
+              <a:rPr lang="en-US" sz="3600" b="1" dirty="0"/>
+              <a:t>Scenario (2) - Variance Reduction | Control Variates</a:t>
+            </a:r>
+          </a:p>
+        </p:txBody>
+      </p:sp>
+      <p:sp>
+        <p:nvSpPr>
+          <p:cNvPr id="5" name="Date Placeholder 3">
+            <a:extLst>
+              <a:ext uri="{FF2B5EF4-FFF2-40B4-BE49-F238E27FC236}">
+                <a16:creationId xmlns:a16="http://schemas.microsoft.com/office/drawing/2014/main" id="{4288DC27-738A-4941-9271-37DB47148DE1}"/>
+              </a:ext>
+            </a:extLst>
+          </p:cNvPr>
+          <p:cNvSpPr txBox="1">
+            <a:spLocks/>
+          </p:cNvSpPr>
+          <p:nvPr/>
+        </p:nvSpPr>
+        <p:spPr>
+          <a:xfrm>
+            <a:off x="1137782" y="6351822"/>
+            <a:ext cx="4366008" cy="365125"/>
+          </a:xfrm>
+          <a:prstGeom prst="rect">
+            <a:avLst/>
+          </a:prstGeom>
+        </p:spPr>
+        <p:txBody>
+          <a:bodyPr vert="horz" lIns="91440" tIns="45720" rIns="91440" bIns="45720" rtlCol="0" anchor="ctr"/>
+          <a:lstStyle>
+            <a:defPPr>
+              <a:defRPr lang="en-US"/>
+            </a:defPPr>
+            <a:lvl1pPr marL="0" algn="l" defTabSz="914400" rtl="0" eaLnBrk="1" latinLnBrk="0" hangingPunct="1">
+              <a:defRPr sz="1400" b="1" kern="1200">
+                <a:solidFill>
+                  <a:schemeClr val="tx1"/>
+                </a:solidFill>
+                <a:latin typeface="+mn-lt"/>
+                <a:ea typeface="+mn-ea"/>
+                <a:cs typeface="+mn-cs"/>
+              </a:defRPr>
+            </a:lvl1pPr>
+            <a:lvl2pPr marL="457200" algn="l" defTabSz="914400" rtl="0" eaLnBrk="1" latinLnBrk="0" hangingPunct="1">
+              <a:defRPr sz="1800" kern="1200">
+                <a:solidFill>
+                  <a:schemeClr val="tx1"/>
+                </a:solidFill>
+                <a:latin typeface="+mn-lt"/>
+                <a:ea typeface="+mn-ea"/>
+                <a:cs typeface="+mn-cs"/>
+              </a:defRPr>
+            </a:lvl2pPr>
+            <a:lvl3pPr marL="914400" algn="l" defTabSz="914400" rtl="0" eaLnBrk="1" latinLnBrk="0" hangingPunct="1">
+              <a:defRPr sz="1800" kern="1200">
+                <a:solidFill>
+                  <a:schemeClr val="tx1"/>
+                </a:solidFill>
+                <a:latin typeface="+mn-lt"/>
+                <a:ea typeface="+mn-ea"/>
+                <a:cs typeface="+mn-cs"/>
+              </a:defRPr>
+            </a:lvl3pPr>
+            <a:lvl4pPr marL="1371600" algn="l" defTabSz="914400" rtl="0" eaLnBrk="1" latinLnBrk="0" hangingPunct="1">
+              <a:defRPr sz="1800" kern="1200">
+                <a:solidFill>
+                  <a:schemeClr val="tx1"/>
+                </a:solidFill>
+                <a:latin typeface="+mn-lt"/>
+                <a:ea typeface="+mn-ea"/>
+                <a:cs typeface="+mn-cs"/>
+              </a:defRPr>
+            </a:lvl4pPr>
+            <a:lvl5pPr marL="1828800" algn="l" defTabSz="914400" rtl="0" eaLnBrk="1" latinLnBrk="0" hangingPunct="1">
+              <a:defRPr sz="1800" kern="1200">
+                <a:solidFill>
+                  <a:schemeClr val="tx1"/>
+                </a:solidFill>
+                <a:latin typeface="+mn-lt"/>
+                <a:ea typeface="+mn-ea"/>
+                <a:cs typeface="+mn-cs"/>
+              </a:defRPr>
+            </a:lvl5pPr>
+            <a:lvl6pPr marL="2286000" algn="l" defTabSz="914400" rtl="0" eaLnBrk="1" latinLnBrk="0" hangingPunct="1">
+              <a:defRPr sz="1800" kern="1200">
+                <a:solidFill>
+                  <a:schemeClr val="tx1"/>
+                </a:solidFill>
+                <a:latin typeface="+mn-lt"/>
+                <a:ea typeface="+mn-ea"/>
+                <a:cs typeface="+mn-cs"/>
+              </a:defRPr>
+            </a:lvl6pPr>
+            <a:lvl7pPr marL="2743200" algn="l" defTabSz="914400" rtl="0" eaLnBrk="1" latinLnBrk="0" hangingPunct="1">
+              <a:defRPr sz="1800" kern="1200">
+                <a:solidFill>
+                  <a:schemeClr val="tx1"/>
+                </a:solidFill>
+                <a:latin typeface="+mn-lt"/>
+                <a:ea typeface="+mn-ea"/>
+                <a:cs typeface="+mn-cs"/>
+              </a:defRPr>
+            </a:lvl7pPr>
+            <a:lvl8pPr marL="3200400" algn="l" defTabSz="914400" rtl="0" eaLnBrk="1" latinLnBrk="0" hangingPunct="1">
+              <a:defRPr sz="1800" kern="1200">
+                <a:solidFill>
+                  <a:schemeClr val="tx1"/>
+                </a:solidFill>
+                <a:latin typeface="+mn-lt"/>
+                <a:ea typeface="+mn-ea"/>
+                <a:cs typeface="+mn-cs"/>
+              </a:defRPr>
+            </a:lvl8pPr>
+            <a:lvl9pPr marL="3657600" algn="l" defTabSz="914400" rtl="0" eaLnBrk="1" latinLnBrk="0" hangingPunct="1">
+              <a:defRPr sz="1800" kern="1200">
+                <a:solidFill>
+                  <a:schemeClr val="tx1"/>
+                </a:solidFill>
+                <a:latin typeface="+mn-lt"/>
+                <a:ea typeface="+mn-ea"/>
+                <a:cs typeface="+mn-cs"/>
+              </a:defRPr>
+            </a:lvl9pPr>
+          </a:lstStyle>
+          <a:p>
+            <a:r>
+              <a:rPr lang="en-US" sz="1600" dirty="0"/>
+              <a:t>MATH-600: Optimization and Simulation</a:t>
+            </a:r>
+          </a:p>
+        </p:txBody>
+      </p:sp>
+      <p:sp>
+        <p:nvSpPr>
+          <p:cNvPr id="6" name="Footer Placeholder 4">
+            <a:extLst>
+              <a:ext uri="{FF2B5EF4-FFF2-40B4-BE49-F238E27FC236}">
+                <a16:creationId xmlns:a16="http://schemas.microsoft.com/office/drawing/2014/main" id="{FBA4775B-F9B3-924B-A934-99D6F2A1E0D1}"/>
+              </a:ext>
+            </a:extLst>
+          </p:cNvPr>
+          <p:cNvSpPr txBox="1">
+            <a:spLocks/>
+          </p:cNvSpPr>
+          <p:nvPr/>
+        </p:nvSpPr>
+        <p:spPr>
+          <a:xfrm>
+            <a:off x="4804582" y="6351822"/>
+            <a:ext cx="2042532" cy="365125"/>
+          </a:xfrm>
+          <a:prstGeom prst="rect">
+            <a:avLst/>
+          </a:prstGeom>
+        </p:spPr>
+        <p:txBody>
+          <a:bodyPr vert="horz" lIns="91440" tIns="45720" rIns="91440" bIns="45720" rtlCol="0" anchor="ctr"/>
+          <a:lstStyle>
+            <a:defPPr>
+              <a:defRPr lang="en-US"/>
+            </a:defPPr>
+            <a:lvl1pPr marL="0" algn="ctr" defTabSz="914400" rtl="0" eaLnBrk="1" latinLnBrk="0" hangingPunct="1">
+              <a:defRPr sz="1200" b="1" kern="1200">
+                <a:solidFill>
+                  <a:schemeClr val="tx1"/>
+                </a:solidFill>
+                <a:latin typeface="+mn-lt"/>
+                <a:ea typeface="+mn-ea"/>
+                <a:cs typeface="+mn-cs"/>
+              </a:defRPr>
+            </a:lvl1pPr>
+            <a:lvl2pPr marL="457200" algn="l" defTabSz="914400" rtl="0" eaLnBrk="1" latinLnBrk="0" hangingPunct="1">
+              <a:defRPr sz="1800" kern="1200">
+                <a:solidFill>
+                  <a:schemeClr val="tx1"/>
+                </a:solidFill>
+                <a:latin typeface="+mn-lt"/>
+                <a:ea typeface="+mn-ea"/>
+                <a:cs typeface="+mn-cs"/>
+              </a:defRPr>
+            </a:lvl2pPr>
+            <a:lvl3pPr marL="914400" algn="l" defTabSz="914400" rtl="0" eaLnBrk="1" latinLnBrk="0" hangingPunct="1">
+              <a:defRPr sz="1800" kern="1200">
+                <a:solidFill>
+                  <a:schemeClr val="tx1"/>
+                </a:solidFill>
+                <a:latin typeface="+mn-lt"/>
+                <a:ea typeface="+mn-ea"/>
+                <a:cs typeface="+mn-cs"/>
+              </a:defRPr>
+            </a:lvl3pPr>
+            <a:lvl4pPr marL="1371600" algn="l" defTabSz="914400" rtl="0" eaLnBrk="1" latinLnBrk="0" hangingPunct="1">
+              <a:defRPr sz="1800" kern="1200">
+                <a:solidFill>
+                  <a:schemeClr val="tx1"/>
+                </a:solidFill>
+                <a:latin typeface="+mn-lt"/>
+                <a:ea typeface="+mn-ea"/>
+                <a:cs typeface="+mn-cs"/>
+              </a:defRPr>
+            </a:lvl4pPr>
+            <a:lvl5pPr marL="1828800" algn="l" defTabSz="914400" rtl="0" eaLnBrk="1" latinLnBrk="0" hangingPunct="1">
+              <a:defRPr sz="1800" kern="1200">
+                <a:solidFill>
+                  <a:schemeClr val="tx1"/>
+                </a:solidFill>
+                <a:latin typeface="+mn-lt"/>
+                <a:ea typeface="+mn-ea"/>
+                <a:cs typeface="+mn-cs"/>
+              </a:defRPr>
+            </a:lvl5pPr>
+            <a:lvl6pPr marL="2286000" algn="l" defTabSz="914400" rtl="0" eaLnBrk="1" latinLnBrk="0" hangingPunct="1">
+              <a:defRPr sz="1800" kern="1200">
+                <a:solidFill>
+                  <a:schemeClr val="tx1"/>
+                </a:solidFill>
+                <a:latin typeface="+mn-lt"/>
+                <a:ea typeface="+mn-ea"/>
+                <a:cs typeface="+mn-cs"/>
+              </a:defRPr>
+            </a:lvl6pPr>
+            <a:lvl7pPr marL="2743200" algn="l" defTabSz="914400" rtl="0" eaLnBrk="1" latinLnBrk="0" hangingPunct="1">
+              <a:defRPr sz="1800" kern="1200">
+                <a:solidFill>
+                  <a:schemeClr val="tx1"/>
+                </a:solidFill>
+                <a:latin typeface="+mn-lt"/>
+                <a:ea typeface="+mn-ea"/>
+                <a:cs typeface="+mn-cs"/>
+              </a:defRPr>
+            </a:lvl7pPr>
+            <a:lvl8pPr marL="3200400" algn="l" defTabSz="914400" rtl="0" eaLnBrk="1" latinLnBrk="0" hangingPunct="1">
+              <a:defRPr sz="1800" kern="1200">
+                <a:solidFill>
+                  <a:schemeClr val="tx1"/>
+                </a:solidFill>
+                <a:latin typeface="+mn-lt"/>
+                <a:ea typeface="+mn-ea"/>
+                <a:cs typeface="+mn-cs"/>
+              </a:defRPr>
+            </a:lvl8pPr>
+            <a:lvl9pPr marL="3657600" algn="l" defTabSz="914400" rtl="0" eaLnBrk="1" latinLnBrk="0" hangingPunct="1">
+              <a:defRPr sz="1800" kern="1200">
+                <a:solidFill>
+                  <a:schemeClr val="tx1"/>
+                </a:solidFill>
+                <a:latin typeface="+mn-lt"/>
+                <a:ea typeface="+mn-ea"/>
+                <a:cs typeface="+mn-cs"/>
+              </a:defRPr>
+            </a:lvl9pPr>
+          </a:lstStyle>
+          <a:p>
+            <a:r>
+              <a:rPr lang="el-GR" sz="1600" dirty="0"/>
+              <a:t>10</a:t>
+            </a:r>
+            <a:r>
+              <a:rPr lang="en-US" sz="1600" dirty="0"/>
+              <a:t>/04/2018</a:t>
+            </a:r>
+          </a:p>
+        </p:txBody>
+      </p:sp>
+      <p:pic>
+        <p:nvPicPr>
+          <p:cNvPr id="7" name="Picture 6">
+            <a:extLst>
+              <a:ext uri="{FF2B5EF4-FFF2-40B4-BE49-F238E27FC236}">
+                <a16:creationId xmlns:a16="http://schemas.microsoft.com/office/drawing/2014/main" id="{3490ED8F-E2AF-5F4F-9E68-499DBD60F7E5}"/>
+              </a:ext>
+            </a:extLst>
+          </p:cNvPr>
+          <p:cNvPicPr>
+            <a:picLocks noChangeAspect="1"/>
+          </p:cNvPicPr>
+          <p:nvPr/>
+        </p:nvPicPr>
+        <p:blipFill>
+          <a:blip r:embed="rId2"/>
+          <a:stretch>
+            <a:fillRect/>
+          </a:stretch>
+        </p:blipFill>
+        <p:spPr>
+          <a:xfrm>
+            <a:off x="147604" y="6301269"/>
+            <a:ext cx="990178" cy="475286"/>
+          </a:xfrm>
+          <a:prstGeom prst="rect">
+            <a:avLst/>
+          </a:prstGeom>
+        </p:spPr>
+      </p:pic>
+      <p:sp>
+        <p:nvSpPr>
+          <p:cNvPr id="8" name="Footer Placeholder 4">
+            <a:extLst>
+              <a:ext uri="{FF2B5EF4-FFF2-40B4-BE49-F238E27FC236}">
+                <a16:creationId xmlns:a16="http://schemas.microsoft.com/office/drawing/2014/main" id="{88C63EB0-A7BF-A849-8B08-3B0DD83D03A8}"/>
+              </a:ext>
+            </a:extLst>
+          </p:cNvPr>
+          <p:cNvSpPr txBox="1">
+            <a:spLocks/>
+          </p:cNvSpPr>
+          <p:nvPr/>
+        </p:nvSpPr>
+        <p:spPr>
+          <a:xfrm>
+            <a:off x="10348379" y="6351822"/>
+            <a:ext cx="2042532" cy="365125"/>
+          </a:xfrm>
+          <a:prstGeom prst="rect">
+            <a:avLst/>
+          </a:prstGeom>
+        </p:spPr>
+        <p:txBody>
+          <a:bodyPr vert="horz" lIns="91440" tIns="45720" rIns="91440" bIns="45720" rtlCol="0" anchor="ctr"/>
+          <a:lstStyle>
+            <a:defPPr>
+              <a:defRPr lang="en-US"/>
+            </a:defPPr>
+            <a:lvl1pPr marL="0" algn="ctr" defTabSz="914400" rtl="0" eaLnBrk="1" latinLnBrk="0" hangingPunct="1">
+              <a:defRPr sz="1200" b="1" kern="1200">
+                <a:solidFill>
+                  <a:schemeClr val="tx1"/>
+                </a:solidFill>
+                <a:latin typeface="+mn-lt"/>
+                <a:ea typeface="+mn-ea"/>
+                <a:cs typeface="+mn-cs"/>
+              </a:defRPr>
+            </a:lvl1pPr>
+            <a:lvl2pPr marL="457200" algn="l" defTabSz="914400" rtl="0" eaLnBrk="1" latinLnBrk="0" hangingPunct="1">
+              <a:defRPr sz="1800" kern="1200">
+                <a:solidFill>
+                  <a:schemeClr val="tx1"/>
+                </a:solidFill>
+                <a:latin typeface="+mn-lt"/>
+                <a:ea typeface="+mn-ea"/>
+                <a:cs typeface="+mn-cs"/>
+              </a:defRPr>
+            </a:lvl2pPr>
+            <a:lvl3pPr marL="914400" algn="l" defTabSz="914400" rtl="0" eaLnBrk="1" latinLnBrk="0" hangingPunct="1">
+              <a:defRPr sz="1800" kern="1200">
+                <a:solidFill>
+                  <a:schemeClr val="tx1"/>
+                </a:solidFill>
+                <a:latin typeface="+mn-lt"/>
+                <a:ea typeface="+mn-ea"/>
+                <a:cs typeface="+mn-cs"/>
+              </a:defRPr>
+            </a:lvl3pPr>
+            <a:lvl4pPr marL="1371600" algn="l" defTabSz="914400" rtl="0" eaLnBrk="1" latinLnBrk="0" hangingPunct="1">
+              <a:defRPr sz="1800" kern="1200">
+                <a:solidFill>
+                  <a:schemeClr val="tx1"/>
+                </a:solidFill>
+                <a:latin typeface="+mn-lt"/>
+                <a:ea typeface="+mn-ea"/>
+                <a:cs typeface="+mn-cs"/>
+              </a:defRPr>
+            </a:lvl4pPr>
+            <a:lvl5pPr marL="1828800" algn="l" defTabSz="914400" rtl="0" eaLnBrk="1" latinLnBrk="0" hangingPunct="1">
+              <a:defRPr sz="1800" kern="1200">
+                <a:solidFill>
+                  <a:schemeClr val="tx1"/>
+                </a:solidFill>
+                <a:latin typeface="+mn-lt"/>
+                <a:ea typeface="+mn-ea"/>
+                <a:cs typeface="+mn-cs"/>
+              </a:defRPr>
+            </a:lvl5pPr>
+            <a:lvl6pPr marL="2286000" algn="l" defTabSz="914400" rtl="0" eaLnBrk="1" latinLnBrk="0" hangingPunct="1">
+              <a:defRPr sz="1800" kern="1200">
+                <a:solidFill>
+                  <a:schemeClr val="tx1"/>
+                </a:solidFill>
+                <a:latin typeface="+mn-lt"/>
+                <a:ea typeface="+mn-ea"/>
+                <a:cs typeface="+mn-cs"/>
+              </a:defRPr>
+            </a:lvl6pPr>
+            <a:lvl7pPr marL="2743200" algn="l" defTabSz="914400" rtl="0" eaLnBrk="1" latinLnBrk="0" hangingPunct="1">
+              <a:defRPr sz="1800" kern="1200">
+                <a:solidFill>
+                  <a:schemeClr val="tx1"/>
+                </a:solidFill>
+                <a:latin typeface="+mn-lt"/>
+                <a:ea typeface="+mn-ea"/>
+                <a:cs typeface="+mn-cs"/>
+              </a:defRPr>
+            </a:lvl7pPr>
+            <a:lvl8pPr marL="3200400" algn="l" defTabSz="914400" rtl="0" eaLnBrk="1" latinLnBrk="0" hangingPunct="1">
+              <a:defRPr sz="1800" kern="1200">
+                <a:solidFill>
+                  <a:schemeClr val="tx1"/>
+                </a:solidFill>
+                <a:latin typeface="+mn-lt"/>
+                <a:ea typeface="+mn-ea"/>
+                <a:cs typeface="+mn-cs"/>
+              </a:defRPr>
+            </a:lvl8pPr>
+            <a:lvl9pPr marL="3657600" algn="l" defTabSz="914400" rtl="0" eaLnBrk="1" latinLnBrk="0" hangingPunct="1">
+              <a:defRPr sz="1800" kern="1200">
+                <a:solidFill>
+                  <a:schemeClr val="tx1"/>
+                </a:solidFill>
+                <a:latin typeface="+mn-lt"/>
+                <a:ea typeface="+mn-ea"/>
+                <a:cs typeface="+mn-cs"/>
+              </a:defRPr>
+            </a:lvl9pPr>
+          </a:lstStyle>
+          <a:p>
+            <a:r>
+              <a:rPr lang="en-US" sz="1600" dirty="0"/>
+              <a:t>1/333</a:t>
+            </a:r>
+          </a:p>
+        </p:txBody>
+      </p:sp>
+      <p:pic>
+        <p:nvPicPr>
+          <p:cNvPr id="9" name="Picture 8">
+            <a:extLst>
+              <a:ext uri="{FF2B5EF4-FFF2-40B4-BE49-F238E27FC236}">
+                <a16:creationId xmlns:a16="http://schemas.microsoft.com/office/drawing/2014/main" id="{8A92400D-C386-344D-80D5-B697188592E1}"/>
+              </a:ext>
+            </a:extLst>
+          </p:cNvPr>
+          <p:cNvPicPr>
+            <a:picLocks noChangeAspect="1"/>
+          </p:cNvPicPr>
+          <p:nvPr/>
+        </p:nvPicPr>
+        <p:blipFill>
+          <a:blip r:embed="rId3"/>
+          <a:stretch>
+            <a:fillRect/>
+          </a:stretch>
+        </p:blipFill>
+        <p:spPr>
+          <a:xfrm>
+            <a:off x="5303195" y="1110881"/>
+            <a:ext cx="5009662" cy="3757247"/>
+          </a:xfrm>
+          <a:prstGeom prst="rect">
+            <a:avLst/>
+          </a:prstGeom>
+        </p:spPr>
+      </p:pic>
+      <p:pic>
+        <p:nvPicPr>
+          <p:cNvPr id="14" name="Picture 13">
+            <a:extLst>
+              <a:ext uri="{FF2B5EF4-FFF2-40B4-BE49-F238E27FC236}">
+                <a16:creationId xmlns:a16="http://schemas.microsoft.com/office/drawing/2014/main" id="{EAEA80D9-2A76-284D-AEE8-F61A87DCD839}"/>
+              </a:ext>
+            </a:extLst>
+          </p:cNvPr>
+          <p:cNvPicPr>
+            <a:picLocks noChangeAspect="1"/>
+          </p:cNvPicPr>
+          <p:nvPr/>
+        </p:nvPicPr>
+        <p:blipFill rotWithShape="1">
+          <a:blip r:embed="rId4"/>
+          <a:srcRect t="3844" b="2577"/>
+          <a:stretch/>
+        </p:blipFill>
+        <p:spPr>
+          <a:xfrm>
+            <a:off x="358986" y="1204294"/>
+            <a:ext cx="4944209" cy="3470030"/>
+          </a:xfrm>
+          <a:prstGeom prst="rect">
+            <a:avLst/>
+          </a:prstGeom>
+        </p:spPr>
+      </p:pic>
+      <p:sp>
+        <p:nvSpPr>
+          <p:cNvPr id="15" name="Rectangle 14">
+            <a:extLst>
+              <a:ext uri="{FF2B5EF4-FFF2-40B4-BE49-F238E27FC236}">
+                <a16:creationId xmlns:a16="http://schemas.microsoft.com/office/drawing/2014/main" id="{7583D865-F1B5-C647-878D-70557B9896BF}"/>
+              </a:ext>
+            </a:extLst>
+          </p:cNvPr>
+          <p:cNvSpPr/>
+          <p:nvPr/>
+        </p:nvSpPr>
+        <p:spPr>
+          <a:xfrm>
+            <a:off x="4132344" y="4744474"/>
+            <a:ext cx="4525723" cy="1200329"/>
+          </a:xfrm>
+          <a:prstGeom prst="rect">
+            <a:avLst/>
+          </a:prstGeom>
+        </p:spPr>
+        <p:txBody>
+          <a:bodyPr wrap="square">
+            <a:spAutoFit/>
+          </a:bodyPr>
+          <a:lstStyle/>
+          <a:p>
+            <a:endParaRPr lang="en-US" dirty="0">
+              <a:latin typeface="+mj-lt"/>
+            </a:endParaRPr>
+          </a:p>
+          <a:p>
+            <a:pPr marL="285750" indent="-285750">
+              <a:buFont typeface="Arial" panose="020B0604020202020204" pitchFamily="34" charset="0"/>
+              <a:buChar char="•"/>
+            </a:pPr>
+            <a:r>
+              <a:rPr lang="en-US" dirty="0">
+                <a:latin typeface="+mj-lt"/>
+              </a:rPr>
+              <a:t>Means </a:t>
+            </a:r>
+          </a:p>
+          <a:p>
+            <a:pPr marL="285750" indent="-285750">
+              <a:buFont typeface="Arial" panose="020B0604020202020204" pitchFamily="34" charset="0"/>
+              <a:buChar char="•"/>
+            </a:pPr>
+            <a:endParaRPr lang="en-US" dirty="0">
+              <a:latin typeface="+mj-lt"/>
+            </a:endParaRPr>
+          </a:p>
+          <a:p>
+            <a:pPr marL="285750" indent="-285750">
+              <a:buFont typeface="Arial" panose="020B0604020202020204" pitchFamily="34" charset="0"/>
+              <a:buChar char="•"/>
+            </a:pPr>
+            <a:r>
+              <a:rPr lang="en-US" dirty="0">
+                <a:latin typeface="+mj-lt"/>
+              </a:rPr>
+              <a:t>Difference of variance</a:t>
+            </a:r>
+          </a:p>
+        </p:txBody>
+      </p:sp>
+    </p:spTree>
+    <p:extLst>
+      <p:ext uri="{BB962C8B-B14F-4D97-AF65-F5344CB8AC3E}">
+        <p14:creationId xmlns:p14="http://schemas.microsoft.com/office/powerpoint/2010/main" val="959064956"/>
+      </p:ext>
+    </p:extLst>
+  </p:cSld>
+  <p:clrMapOvr>
+    <a:masterClrMapping/>
+  </p:clrMapOvr>
+</p:sld>
+</file>
+
+<file path=ppt/slides/slide17.xml><?xml version="1.0" encoding="utf-8"?>
+<p:sld xmlns:a="http://schemas.openxmlformats.org/drawingml/2006/main" xmlns:r="http://schemas.openxmlformats.org/officeDocument/2006/relationships" xmlns:p="http://schemas.openxmlformats.org/presentationml/2006/main">
+  <p:cSld>
+    <p:spTree>
+      <p:nvGrpSpPr>
+        <p:cNvPr id="1" name=""/>
+        <p:cNvGrpSpPr/>
+        <p:nvPr/>
+      </p:nvGrpSpPr>
+      <p:grpSpPr>
+        <a:xfrm>
+          <a:off x="0" y="0"/>
+          <a:ext cx="0" cy="0"/>
+          <a:chOff x="0" y="0"/>
+          <a:chExt cx="0" cy="0"/>
+        </a:xfrm>
+      </p:grpSpPr>
+      <p:sp>
+        <p:nvSpPr>
+          <p:cNvPr id="2" name="Title 1">
+            <a:extLst>
+              <a:ext uri="{FF2B5EF4-FFF2-40B4-BE49-F238E27FC236}">
+                <a16:creationId xmlns:a16="http://schemas.microsoft.com/office/drawing/2014/main" id="{B4400879-93A2-4C47-9854-3A25F4E62687}"/>
+              </a:ext>
+            </a:extLst>
+          </p:cNvPr>
+          <p:cNvSpPr>
+            <a:spLocks noGrp="1"/>
+          </p:cNvSpPr>
+          <p:nvPr>
+            <p:ph type="ctrTitle"/>
+          </p:nvPr>
+        </p:nvSpPr>
+        <p:spPr>
+          <a:xfrm>
+            <a:off x="588841" y="249382"/>
+            <a:ext cx="9350805" cy="722537"/>
+          </a:xfrm>
+        </p:spPr>
+        <p:txBody>
+          <a:bodyPr>
+            <a:noAutofit/>
+          </a:bodyPr>
+          <a:lstStyle/>
+          <a:p>
+            <a:pPr algn="l"/>
+            <a:r>
+              <a:rPr lang="en-US" sz="3600" b="1" dirty="0"/>
+              <a:t>Scenario (2) - Total revenue </a:t>
+            </a:r>
+          </a:p>
+        </p:txBody>
+      </p:sp>
+      <p:sp>
+        <p:nvSpPr>
+          <p:cNvPr id="5" name="Date Placeholder 3">
+            <a:extLst>
+              <a:ext uri="{FF2B5EF4-FFF2-40B4-BE49-F238E27FC236}">
+                <a16:creationId xmlns:a16="http://schemas.microsoft.com/office/drawing/2014/main" id="{4288DC27-738A-4941-9271-37DB47148DE1}"/>
+              </a:ext>
+            </a:extLst>
+          </p:cNvPr>
+          <p:cNvSpPr txBox="1">
+            <a:spLocks/>
+          </p:cNvSpPr>
+          <p:nvPr/>
+        </p:nvSpPr>
+        <p:spPr>
+          <a:xfrm>
+            <a:off x="1137782" y="6351822"/>
+            <a:ext cx="4366008" cy="365125"/>
+          </a:xfrm>
+          <a:prstGeom prst="rect">
+            <a:avLst/>
+          </a:prstGeom>
+        </p:spPr>
+        <p:txBody>
+          <a:bodyPr vert="horz" lIns="91440" tIns="45720" rIns="91440" bIns="45720" rtlCol="0" anchor="ctr"/>
+          <a:lstStyle>
+            <a:defPPr>
+              <a:defRPr lang="en-US"/>
+            </a:defPPr>
+            <a:lvl1pPr marL="0" algn="l" defTabSz="914400" rtl="0" eaLnBrk="1" latinLnBrk="0" hangingPunct="1">
+              <a:defRPr sz="1400" b="1" kern="1200">
+                <a:solidFill>
+                  <a:schemeClr val="tx1"/>
+                </a:solidFill>
+                <a:latin typeface="+mn-lt"/>
+                <a:ea typeface="+mn-ea"/>
+                <a:cs typeface="+mn-cs"/>
+              </a:defRPr>
+            </a:lvl1pPr>
+            <a:lvl2pPr marL="457200" algn="l" defTabSz="914400" rtl="0" eaLnBrk="1" latinLnBrk="0" hangingPunct="1">
+              <a:defRPr sz="1800" kern="1200">
+                <a:solidFill>
+                  <a:schemeClr val="tx1"/>
+                </a:solidFill>
+                <a:latin typeface="+mn-lt"/>
+                <a:ea typeface="+mn-ea"/>
+                <a:cs typeface="+mn-cs"/>
+              </a:defRPr>
+            </a:lvl2pPr>
+            <a:lvl3pPr marL="914400" algn="l" defTabSz="914400" rtl="0" eaLnBrk="1" latinLnBrk="0" hangingPunct="1">
+              <a:defRPr sz="1800" kern="1200">
+                <a:solidFill>
+                  <a:schemeClr val="tx1"/>
+                </a:solidFill>
+                <a:latin typeface="+mn-lt"/>
+                <a:ea typeface="+mn-ea"/>
+                <a:cs typeface="+mn-cs"/>
+              </a:defRPr>
+            </a:lvl3pPr>
+            <a:lvl4pPr marL="1371600" algn="l" defTabSz="914400" rtl="0" eaLnBrk="1" latinLnBrk="0" hangingPunct="1">
+              <a:defRPr sz="1800" kern="1200">
+                <a:solidFill>
+                  <a:schemeClr val="tx1"/>
+                </a:solidFill>
+                <a:latin typeface="+mn-lt"/>
+                <a:ea typeface="+mn-ea"/>
+                <a:cs typeface="+mn-cs"/>
+              </a:defRPr>
+            </a:lvl4pPr>
+            <a:lvl5pPr marL="1828800" algn="l" defTabSz="914400" rtl="0" eaLnBrk="1" latinLnBrk="0" hangingPunct="1">
+              <a:defRPr sz="1800" kern="1200">
+                <a:solidFill>
+                  <a:schemeClr val="tx1"/>
+                </a:solidFill>
+                <a:latin typeface="+mn-lt"/>
+                <a:ea typeface="+mn-ea"/>
+                <a:cs typeface="+mn-cs"/>
+              </a:defRPr>
+            </a:lvl5pPr>
+            <a:lvl6pPr marL="2286000" algn="l" defTabSz="914400" rtl="0" eaLnBrk="1" latinLnBrk="0" hangingPunct="1">
+              <a:defRPr sz="1800" kern="1200">
+                <a:solidFill>
+                  <a:schemeClr val="tx1"/>
+                </a:solidFill>
+                <a:latin typeface="+mn-lt"/>
+                <a:ea typeface="+mn-ea"/>
+                <a:cs typeface="+mn-cs"/>
+              </a:defRPr>
+            </a:lvl6pPr>
+            <a:lvl7pPr marL="2743200" algn="l" defTabSz="914400" rtl="0" eaLnBrk="1" latinLnBrk="0" hangingPunct="1">
+              <a:defRPr sz="1800" kern="1200">
+                <a:solidFill>
+                  <a:schemeClr val="tx1"/>
+                </a:solidFill>
+                <a:latin typeface="+mn-lt"/>
+                <a:ea typeface="+mn-ea"/>
+                <a:cs typeface="+mn-cs"/>
+              </a:defRPr>
+            </a:lvl7pPr>
+            <a:lvl8pPr marL="3200400" algn="l" defTabSz="914400" rtl="0" eaLnBrk="1" latinLnBrk="0" hangingPunct="1">
+              <a:defRPr sz="1800" kern="1200">
+                <a:solidFill>
+                  <a:schemeClr val="tx1"/>
+                </a:solidFill>
+                <a:latin typeface="+mn-lt"/>
+                <a:ea typeface="+mn-ea"/>
+                <a:cs typeface="+mn-cs"/>
+              </a:defRPr>
+            </a:lvl8pPr>
+            <a:lvl9pPr marL="3657600" algn="l" defTabSz="914400" rtl="0" eaLnBrk="1" latinLnBrk="0" hangingPunct="1">
+              <a:defRPr sz="1800" kern="1200">
+                <a:solidFill>
+                  <a:schemeClr val="tx1"/>
+                </a:solidFill>
+                <a:latin typeface="+mn-lt"/>
+                <a:ea typeface="+mn-ea"/>
+                <a:cs typeface="+mn-cs"/>
+              </a:defRPr>
+            </a:lvl9pPr>
+          </a:lstStyle>
+          <a:p>
+            <a:r>
+              <a:rPr lang="en-US" sz="1600" dirty="0"/>
+              <a:t>MATH-600: Optimization and Simulation</a:t>
+            </a:r>
+          </a:p>
+        </p:txBody>
+      </p:sp>
+      <p:sp>
+        <p:nvSpPr>
+          <p:cNvPr id="6" name="Footer Placeholder 4">
+            <a:extLst>
+              <a:ext uri="{FF2B5EF4-FFF2-40B4-BE49-F238E27FC236}">
+                <a16:creationId xmlns:a16="http://schemas.microsoft.com/office/drawing/2014/main" id="{FBA4775B-F9B3-924B-A934-99D6F2A1E0D1}"/>
+              </a:ext>
+            </a:extLst>
+          </p:cNvPr>
+          <p:cNvSpPr txBox="1">
+            <a:spLocks/>
+          </p:cNvSpPr>
+          <p:nvPr/>
+        </p:nvSpPr>
+        <p:spPr>
+          <a:xfrm>
+            <a:off x="4804582" y="6351822"/>
+            <a:ext cx="2042532" cy="365125"/>
+          </a:xfrm>
+          <a:prstGeom prst="rect">
+            <a:avLst/>
+          </a:prstGeom>
+        </p:spPr>
+        <p:txBody>
+          <a:bodyPr vert="horz" lIns="91440" tIns="45720" rIns="91440" bIns="45720" rtlCol="0" anchor="ctr"/>
+          <a:lstStyle>
+            <a:defPPr>
+              <a:defRPr lang="en-US"/>
+            </a:defPPr>
+            <a:lvl1pPr marL="0" algn="ctr" defTabSz="914400" rtl="0" eaLnBrk="1" latinLnBrk="0" hangingPunct="1">
+              <a:defRPr sz="1200" b="1" kern="1200">
+                <a:solidFill>
+                  <a:schemeClr val="tx1"/>
+                </a:solidFill>
+                <a:latin typeface="+mn-lt"/>
+                <a:ea typeface="+mn-ea"/>
+                <a:cs typeface="+mn-cs"/>
+              </a:defRPr>
+            </a:lvl1pPr>
+            <a:lvl2pPr marL="457200" algn="l" defTabSz="914400" rtl="0" eaLnBrk="1" latinLnBrk="0" hangingPunct="1">
+              <a:defRPr sz="1800" kern="1200">
+                <a:solidFill>
+                  <a:schemeClr val="tx1"/>
+                </a:solidFill>
+                <a:latin typeface="+mn-lt"/>
+                <a:ea typeface="+mn-ea"/>
+                <a:cs typeface="+mn-cs"/>
+              </a:defRPr>
+            </a:lvl2pPr>
+            <a:lvl3pPr marL="914400" algn="l" defTabSz="914400" rtl="0" eaLnBrk="1" latinLnBrk="0" hangingPunct="1">
+              <a:defRPr sz="1800" kern="1200">
+                <a:solidFill>
+                  <a:schemeClr val="tx1"/>
+                </a:solidFill>
+                <a:latin typeface="+mn-lt"/>
+                <a:ea typeface="+mn-ea"/>
+                <a:cs typeface="+mn-cs"/>
+              </a:defRPr>
+            </a:lvl3pPr>
+            <a:lvl4pPr marL="1371600" algn="l" defTabSz="914400" rtl="0" eaLnBrk="1" latinLnBrk="0" hangingPunct="1">
+              <a:defRPr sz="1800" kern="1200">
+                <a:solidFill>
+                  <a:schemeClr val="tx1"/>
+                </a:solidFill>
+                <a:latin typeface="+mn-lt"/>
+                <a:ea typeface="+mn-ea"/>
+                <a:cs typeface="+mn-cs"/>
+              </a:defRPr>
+            </a:lvl4pPr>
+            <a:lvl5pPr marL="1828800" algn="l" defTabSz="914400" rtl="0" eaLnBrk="1" latinLnBrk="0" hangingPunct="1">
+              <a:defRPr sz="1800" kern="1200">
+                <a:solidFill>
+                  <a:schemeClr val="tx1"/>
+                </a:solidFill>
+                <a:latin typeface="+mn-lt"/>
+                <a:ea typeface="+mn-ea"/>
+                <a:cs typeface="+mn-cs"/>
+              </a:defRPr>
+            </a:lvl5pPr>
+            <a:lvl6pPr marL="2286000" algn="l" defTabSz="914400" rtl="0" eaLnBrk="1" latinLnBrk="0" hangingPunct="1">
+              <a:defRPr sz="1800" kern="1200">
+                <a:solidFill>
+                  <a:schemeClr val="tx1"/>
+                </a:solidFill>
+                <a:latin typeface="+mn-lt"/>
+                <a:ea typeface="+mn-ea"/>
+                <a:cs typeface="+mn-cs"/>
+              </a:defRPr>
+            </a:lvl6pPr>
+            <a:lvl7pPr marL="2743200" algn="l" defTabSz="914400" rtl="0" eaLnBrk="1" latinLnBrk="0" hangingPunct="1">
+              <a:defRPr sz="1800" kern="1200">
+                <a:solidFill>
+                  <a:schemeClr val="tx1"/>
+                </a:solidFill>
+                <a:latin typeface="+mn-lt"/>
+                <a:ea typeface="+mn-ea"/>
+                <a:cs typeface="+mn-cs"/>
+              </a:defRPr>
+            </a:lvl7pPr>
+            <a:lvl8pPr marL="3200400" algn="l" defTabSz="914400" rtl="0" eaLnBrk="1" latinLnBrk="0" hangingPunct="1">
+              <a:defRPr sz="1800" kern="1200">
+                <a:solidFill>
+                  <a:schemeClr val="tx1"/>
+                </a:solidFill>
+                <a:latin typeface="+mn-lt"/>
+                <a:ea typeface="+mn-ea"/>
+                <a:cs typeface="+mn-cs"/>
+              </a:defRPr>
+            </a:lvl8pPr>
+            <a:lvl9pPr marL="3657600" algn="l" defTabSz="914400" rtl="0" eaLnBrk="1" latinLnBrk="0" hangingPunct="1">
+              <a:defRPr sz="1800" kern="1200">
+                <a:solidFill>
+                  <a:schemeClr val="tx1"/>
+                </a:solidFill>
+                <a:latin typeface="+mn-lt"/>
+                <a:ea typeface="+mn-ea"/>
+                <a:cs typeface="+mn-cs"/>
+              </a:defRPr>
+            </a:lvl9pPr>
+          </a:lstStyle>
+          <a:p>
+            <a:r>
+              <a:rPr lang="el-GR" sz="1600" dirty="0"/>
+              <a:t>10</a:t>
+            </a:r>
+            <a:r>
+              <a:rPr lang="en-US" sz="1600" dirty="0"/>
+              <a:t>/04/2018</a:t>
+            </a:r>
+          </a:p>
+        </p:txBody>
+      </p:sp>
+      <p:pic>
+        <p:nvPicPr>
+          <p:cNvPr id="7" name="Picture 6">
+            <a:extLst>
+              <a:ext uri="{FF2B5EF4-FFF2-40B4-BE49-F238E27FC236}">
+                <a16:creationId xmlns:a16="http://schemas.microsoft.com/office/drawing/2014/main" id="{3490ED8F-E2AF-5F4F-9E68-499DBD60F7E5}"/>
+              </a:ext>
+            </a:extLst>
+          </p:cNvPr>
+          <p:cNvPicPr>
+            <a:picLocks noChangeAspect="1"/>
+          </p:cNvPicPr>
+          <p:nvPr/>
+        </p:nvPicPr>
+        <p:blipFill>
+          <a:blip r:embed="rId2"/>
+          <a:stretch>
+            <a:fillRect/>
+          </a:stretch>
+        </p:blipFill>
+        <p:spPr>
+          <a:xfrm>
+            <a:off x="147604" y="6301269"/>
+            <a:ext cx="990178" cy="475286"/>
+          </a:xfrm>
+          <a:prstGeom prst="rect">
+            <a:avLst/>
+          </a:prstGeom>
+        </p:spPr>
+      </p:pic>
+      <p:sp>
+        <p:nvSpPr>
+          <p:cNvPr id="8" name="Footer Placeholder 4">
+            <a:extLst>
+              <a:ext uri="{FF2B5EF4-FFF2-40B4-BE49-F238E27FC236}">
+                <a16:creationId xmlns:a16="http://schemas.microsoft.com/office/drawing/2014/main" id="{88C63EB0-A7BF-A849-8B08-3B0DD83D03A8}"/>
+              </a:ext>
+            </a:extLst>
+          </p:cNvPr>
+          <p:cNvSpPr txBox="1">
+            <a:spLocks/>
+          </p:cNvSpPr>
+          <p:nvPr/>
+        </p:nvSpPr>
+        <p:spPr>
+          <a:xfrm>
+            <a:off x="10348379" y="6351822"/>
+            <a:ext cx="2042532" cy="365125"/>
+          </a:xfrm>
+          <a:prstGeom prst="rect">
+            <a:avLst/>
+          </a:prstGeom>
+        </p:spPr>
+        <p:txBody>
+          <a:bodyPr vert="horz" lIns="91440" tIns="45720" rIns="91440" bIns="45720" rtlCol="0" anchor="ctr"/>
+          <a:lstStyle>
+            <a:defPPr>
+              <a:defRPr lang="en-US"/>
+            </a:defPPr>
+            <a:lvl1pPr marL="0" algn="ctr" defTabSz="914400" rtl="0" eaLnBrk="1" latinLnBrk="0" hangingPunct="1">
+              <a:defRPr sz="1200" b="1" kern="1200">
+                <a:solidFill>
+                  <a:schemeClr val="tx1"/>
+                </a:solidFill>
+                <a:latin typeface="+mn-lt"/>
+                <a:ea typeface="+mn-ea"/>
+                <a:cs typeface="+mn-cs"/>
+              </a:defRPr>
+            </a:lvl1pPr>
+            <a:lvl2pPr marL="457200" algn="l" defTabSz="914400" rtl="0" eaLnBrk="1" latinLnBrk="0" hangingPunct="1">
+              <a:defRPr sz="1800" kern="1200">
+                <a:solidFill>
+                  <a:schemeClr val="tx1"/>
+                </a:solidFill>
+                <a:latin typeface="+mn-lt"/>
+                <a:ea typeface="+mn-ea"/>
+                <a:cs typeface="+mn-cs"/>
+              </a:defRPr>
+            </a:lvl2pPr>
+            <a:lvl3pPr marL="914400" algn="l" defTabSz="914400" rtl="0" eaLnBrk="1" latinLnBrk="0" hangingPunct="1">
+              <a:defRPr sz="1800" kern="1200">
+                <a:solidFill>
+                  <a:schemeClr val="tx1"/>
+                </a:solidFill>
+                <a:latin typeface="+mn-lt"/>
+                <a:ea typeface="+mn-ea"/>
+                <a:cs typeface="+mn-cs"/>
+              </a:defRPr>
+            </a:lvl3pPr>
+            <a:lvl4pPr marL="1371600" algn="l" defTabSz="914400" rtl="0" eaLnBrk="1" latinLnBrk="0" hangingPunct="1">
+              <a:defRPr sz="1800" kern="1200">
+                <a:solidFill>
+                  <a:schemeClr val="tx1"/>
+                </a:solidFill>
+                <a:latin typeface="+mn-lt"/>
+                <a:ea typeface="+mn-ea"/>
+                <a:cs typeface="+mn-cs"/>
+              </a:defRPr>
+            </a:lvl4pPr>
+            <a:lvl5pPr marL="1828800" algn="l" defTabSz="914400" rtl="0" eaLnBrk="1" latinLnBrk="0" hangingPunct="1">
+              <a:defRPr sz="1800" kern="1200">
+                <a:solidFill>
+                  <a:schemeClr val="tx1"/>
+                </a:solidFill>
+                <a:latin typeface="+mn-lt"/>
+                <a:ea typeface="+mn-ea"/>
+                <a:cs typeface="+mn-cs"/>
+              </a:defRPr>
+            </a:lvl5pPr>
+            <a:lvl6pPr marL="2286000" algn="l" defTabSz="914400" rtl="0" eaLnBrk="1" latinLnBrk="0" hangingPunct="1">
+              <a:defRPr sz="1800" kern="1200">
+                <a:solidFill>
+                  <a:schemeClr val="tx1"/>
+                </a:solidFill>
+                <a:latin typeface="+mn-lt"/>
+                <a:ea typeface="+mn-ea"/>
+                <a:cs typeface="+mn-cs"/>
+              </a:defRPr>
+            </a:lvl6pPr>
+            <a:lvl7pPr marL="2743200" algn="l" defTabSz="914400" rtl="0" eaLnBrk="1" latinLnBrk="0" hangingPunct="1">
+              <a:defRPr sz="1800" kern="1200">
+                <a:solidFill>
+                  <a:schemeClr val="tx1"/>
+                </a:solidFill>
+                <a:latin typeface="+mn-lt"/>
+                <a:ea typeface="+mn-ea"/>
+                <a:cs typeface="+mn-cs"/>
+              </a:defRPr>
+            </a:lvl7pPr>
+            <a:lvl8pPr marL="3200400" algn="l" defTabSz="914400" rtl="0" eaLnBrk="1" latinLnBrk="0" hangingPunct="1">
+              <a:defRPr sz="1800" kern="1200">
+                <a:solidFill>
+                  <a:schemeClr val="tx1"/>
+                </a:solidFill>
+                <a:latin typeface="+mn-lt"/>
+                <a:ea typeface="+mn-ea"/>
+                <a:cs typeface="+mn-cs"/>
+              </a:defRPr>
+            </a:lvl8pPr>
+            <a:lvl9pPr marL="3657600" algn="l" defTabSz="914400" rtl="0" eaLnBrk="1" latinLnBrk="0" hangingPunct="1">
+              <a:defRPr sz="1800" kern="1200">
+                <a:solidFill>
+                  <a:schemeClr val="tx1"/>
+                </a:solidFill>
+                <a:latin typeface="+mn-lt"/>
+                <a:ea typeface="+mn-ea"/>
+                <a:cs typeface="+mn-cs"/>
+              </a:defRPr>
+            </a:lvl9pPr>
+          </a:lstStyle>
+          <a:p>
+            <a:r>
+              <a:rPr lang="en-US" sz="1600" dirty="0"/>
+              <a:t>1/333</a:t>
+            </a:r>
+          </a:p>
+        </p:txBody>
+      </p:sp>
+      <p:pic>
+        <p:nvPicPr>
+          <p:cNvPr id="10" name="Picture 9">
+            <a:extLst>
+              <a:ext uri="{FF2B5EF4-FFF2-40B4-BE49-F238E27FC236}">
+                <a16:creationId xmlns:a16="http://schemas.microsoft.com/office/drawing/2014/main" id="{2D34D27D-1D51-7640-8A58-7F94ADDC42E6}"/>
+              </a:ext>
+            </a:extLst>
+          </p:cNvPr>
+          <p:cNvPicPr>
+            <a:picLocks noChangeAspect="1"/>
+          </p:cNvPicPr>
+          <p:nvPr/>
+        </p:nvPicPr>
+        <p:blipFill>
+          <a:blip r:embed="rId3"/>
+          <a:stretch>
+            <a:fillRect/>
+          </a:stretch>
+        </p:blipFill>
+        <p:spPr>
+          <a:xfrm>
+            <a:off x="1947790" y="843514"/>
+            <a:ext cx="7112000" cy="5334000"/>
+          </a:xfrm>
+          <a:prstGeom prst="rect">
+            <a:avLst/>
+          </a:prstGeom>
+        </p:spPr>
+      </p:pic>
+    </p:spTree>
+    <p:extLst>
+      <p:ext uri="{BB962C8B-B14F-4D97-AF65-F5344CB8AC3E}">
+        <p14:creationId xmlns:p14="http://schemas.microsoft.com/office/powerpoint/2010/main" val="961440567"/>
+      </p:ext>
+    </p:extLst>
+  </p:cSld>
+  <p:clrMapOvr>
+    <a:masterClrMapping/>
+  </p:clrMapOvr>
+</p:sld>
+</file>
+
+<file path=ppt/slides/slide18.xml><?xml version="1.0" encoding="utf-8"?>
+<p:sld xmlns:a="http://schemas.openxmlformats.org/drawingml/2006/main" xmlns:r="http://schemas.openxmlformats.org/officeDocument/2006/relationships" xmlns:p="http://schemas.openxmlformats.org/presentationml/2006/main">
+  <p:cSld>
+    <p:spTree>
+      <p:nvGrpSpPr>
+        <p:cNvPr id="1" name=""/>
+        <p:cNvGrpSpPr/>
+        <p:nvPr/>
+      </p:nvGrpSpPr>
+      <p:grpSpPr>
+        <a:xfrm>
+          <a:off x="0" y="0"/>
+          <a:ext cx="0" cy="0"/>
+          <a:chOff x="0" y="0"/>
+          <a:chExt cx="0" cy="0"/>
+        </a:xfrm>
+      </p:grpSpPr>
+      <p:sp>
+        <p:nvSpPr>
+          <p:cNvPr id="2" name="Title 1">
+            <a:extLst>
+              <a:ext uri="{FF2B5EF4-FFF2-40B4-BE49-F238E27FC236}">
+                <a16:creationId xmlns:a16="http://schemas.microsoft.com/office/drawing/2014/main" id="{B4400879-93A2-4C47-9854-3A25F4E62687}"/>
+              </a:ext>
+            </a:extLst>
+          </p:cNvPr>
+          <p:cNvSpPr>
+            <a:spLocks noGrp="1"/>
+          </p:cNvSpPr>
+          <p:nvPr>
+            <p:ph type="ctrTitle"/>
+          </p:nvPr>
+        </p:nvSpPr>
+        <p:spPr>
+          <a:xfrm>
+            <a:off x="588842" y="249382"/>
+            <a:ext cx="9144000" cy="722537"/>
+          </a:xfrm>
+        </p:spPr>
+        <p:txBody>
+          <a:bodyPr>
+            <a:noAutofit/>
+          </a:bodyPr>
+          <a:lstStyle/>
+          <a:p>
+            <a:pPr algn="l"/>
+            <a:r>
+              <a:rPr lang="en-US" sz="3600" b="1" dirty="0"/>
+              <a:t>Discussion</a:t>
+            </a:r>
+          </a:p>
+        </p:txBody>
+      </p:sp>
+      <p:sp>
+        <p:nvSpPr>
+          <p:cNvPr id="5" name="Date Placeholder 3">
+            <a:extLst>
+              <a:ext uri="{FF2B5EF4-FFF2-40B4-BE49-F238E27FC236}">
+                <a16:creationId xmlns:a16="http://schemas.microsoft.com/office/drawing/2014/main" id="{4288DC27-738A-4941-9271-37DB47148DE1}"/>
+              </a:ext>
+            </a:extLst>
+          </p:cNvPr>
+          <p:cNvSpPr txBox="1">
+            <a:spLocks/>
+          </p:cNvSpPr>
+          <p:nvPr/>
+        </p:nvSpPr>
+        <p:spPr>
+          <a:xfrm>
+            <a:off x="1137782" y="6351822"/>
+            <a:ext cx="4366008" cy="365125"/>
+          </a:xfrm>
+          <a:prstGeom prst="rect">
+            <a:avLst/>
+          </a:prstGeom>
+        </p:spPr>
+        <p:txBody>
+          <a:bodyPr vert="horz" lIns="91440" tIns="45720" rIns="91440" bIns="45720" rtlCol="0" anchor="ctr"/>
+          <a:lstStyle>
+            <a:defPPr>
+              <a:defRPr lang="en-US"/>
+            </a:defPPr>
+            <a:lvl1pPr marL="0" algn="l" defTabSz="914400" rtl="0" eaLnBrk="1" latinLnBrk="0" hangingPunct="1">
+              <a:defRPr sz="1400" b="1" kern="1200">
+                <a:solidFill>
+                  <a:schemeClr val="tx1"/>
+                </a:solidFill>
+                <a:latin typeface="+mn-lt"/>
+                <a:ea typeface="+mn-ea"/>
+                <a:cs typeface="+mn-cs"/>
+              </a:defRPr>
+            </a:lvl1pPr>
+            <a:lvl2pPr marL="457200" algn="l" defTabSz="914400" rtl="0" eaLnBrk="1" latinLnBrk="0" hangingPunct="1">
+              <a:defRPr sz="1800" kern="1200">
+                <a:solidFill>
+                  <a:schemeClr val="tx1"/>
+                </a:solidFill>
+                <a:latin typeface="+mn-lt"/>
+                <a:ea typeface="+mn-ea"/>
+                <a:cs typeface="+mn-cs"/>
+              </a:defRPr>
+            </a:lvl2pPr>
+            <a:lvl3pPr marL="914400" algn="l" defTabSz="914400" rtl="0" eaLnBrk="1" latinLnBrk="0" hangingPunct="1">
+              <a:defRPr sz="1800" kern="1200">
+                <a:solidFill>
+                  <a:schemeClr val="tx1"/>
+                </a:solidFill>
+                <a:latin typeface="+mn-lt"/>
+                <a:ea typeface="+mn-ea"/>
+                <a:cs typeface="+mn-cs"/>
+              </a:defRPr>
+            </a:lvl3pPr>
+            <a:lvl4pPr marL="1371600" algn="l" defTabSz="914400" rtl="0" eaLnBrk="1" latinLnBrk="0" hangingPunct="1">
+              <a:defRPr sz="1800" kern="1200">
+                <a:solidFill>
+                  <a:schemeClr val="tx1"/>
+                </a:solidFill>
+                <a:latin typeface="+mn-lt"/>
+                <a:ea typeface="+mn-ea"/>
+                <a:cs typeface="+mn-cs"/>
+              </a:defRPr>
+            </a:lvl4pPr>
+            <a:lvl5pPr marL="1828800" algn="l" defTabSz="914400" rtl="0" eaLnBrk="1" latinLnBrk="0" hangingPunct="1">
+              <a:defRPr sz="1800" kern="1200">
+                <a:solidFill>
+                  <a:schemeClr val="tx1"/>
+                </a:solidFill>
+                <a:latin typeface="+mn-lt"/>
+                <a:ea typeface="+mn-ea"/>
+                <a:cs typeface="+mn-cs"/>
+              </a:defRPr>
+            </a:lvl5pPr>
+            <a:lvl6pPr marL="2286000" algn="l" defTabSz="914400" rtl="0" eaLnBrk="1" latinLnBrk="0" hangingPunct="1">
+              <a:defRPr sz="1800" kern="1200">
+                <a:solidFill>
+                  <a:schemeClr val="tx1"/>
+                </a:solidFill>
+                <a:latin typeface="+mn-lt"/>
+                <a:ea typeface="+mn-ea"/>
+                <a:cs typeface="+mn-cs"/>
+              </a:defRPr>
+            </a:lvl6pPr>
+            <a:lvl7pPr marL="2743200" algn="l" defTabSz="914400" rtl="0" eaLnBrk="1" latinLnBrk="0" hangingPunct="1">
+              <a:defRPr sz="1800" kern="1200">
+                <a:solidFill>
+                  <a:schemeClr val="tx1"/>
+                </a:solidFill>
+                <a:latin typeface="+mn-lt"/>
+                <a:ea typeface="+mn-ea"/>
+                <a:cs typeface="+mn-cs"/>
+              </a:defRPr>
+            </a:lvl7pPr>
+            <a:lvl8pPr marL="3200400" algn="l" defTabSz="914400" rtl="0" eaLnBrk="1" latinLnBrk="0" hangingPunct="1">
+              <a:defRPr sz="1800" kern="1200">
+                <a:solidFill>
+                  <a:schemeClr val="tx1"/>
+                </a:solidFill>
+                <a:latin typeface="+mn-lt"/>
+                <a:ea typeface="+mn-ea"/>
+                <a:cs typeface="+mn-cs"/>
+              </a:defRPr>
+            </a:lvl8pPr>
+            <a:lvl9pPr marL="3657600" algn="l" defTabSz="914400" rtl="0" eaLnBrk="1" latinLnBrk="0" hangingPunct="1">
+              <a:defRPr sz="1800" kern="1200">
+                <a:solidFill>
+                  <a:schemeClr val="tx1"/>
+                </a:solidFill>
+                <a:latin typeface="+mn-lt"/>
+                <a:ea typeface="+mn-ea"/>
+                <a:cs typeface="+mn-cs"/>
+              </a:defRPr>
+            </a:lvl9pPr>
+          </a:lstStyle>
+          <a:p>
+            <a:r>
+              <a:rPr lang="en-US" sz="1600" dirty="0"/>
+              <a:t>MATH-600: Optimization and Simulation</a:t>
+            </a:r>
+          </a:p>
+        </p:txBody>
+      </p:sp>
+      <p:sp>
+        <p:nvSpPr>
+          <p:cNvPr id="6" name="Footer Placeholder 4">
+            <a:extLst>
+              <a:ext uri="{FF2B5EF4-FFF2-40B4-BE49-F238E27FC236}">
+                <a16:creationId xmlns:a16="http://schemas.microsoft.com/office/drawing/2014/main" id="{FBA4775B-F9B3-924B-A934-99D6F2A1E0D1}"/>
+              </a:ext>
+            </a:extLst>
+          </p:cNvPr>
+          <p:cNvSpPr txBox="1">
+            <a:spLocks/>
+          </p:cNvSpPr>
+          <p:nvPr/>
+        </p:nvSpPr>
+        <p:spPr>
+          <a:xfrm>
+            <a:off x="4804582" y="6351822"/>
+            <a:ext cx="2042532" cy="365125"/>
+          </a:xfrm>
+          <a:prstGeom prst="rect">
+            <a:avLst/>
+          </a:prstGeom>
+        </p:spPr>
+        <p:txBody>
+          <a:bodyPr vert="horz" lIns="91440" tIns="45720" rIns="91440" bIns="45720" rtlCol="0" anchor="ctr"/>
+          <a:lstStyle>
+            <a:defPPr>
+              <a:defRPr lang="en-US"/>
+            </a:defPPr>
+            <a:lvl1pPr marL="0" algn="ctr" defTabSz="914400" rtl="0" eaLnBrk="1" latinLnBrk="0" hangingPunct="1">
+              <a:defRPr sz="1200" b="1" kern="1200">
+                <a:solidFill>
+                  <a:schemeClr val="tx1"/>
+                </a:solidFill>
+                <a:latin typeface="+mn-lt"/>
+                <a:ea typeface="+mn-ea"/>
+                <a:cs typeface="+mn-cs"/>
+              </a:defRPr>
+            </a:lvl1pPr>
+            <a:lvl2pPr marL="457200" algn="l" defTabSz="914400" rtl="0" eaLnBrk="1" latinLnBrk="0" hangingPunct="1">
+              <a:defRPr sz="1800" kern="1200">
+                <a:solidFill>
+                  <a:schemeClr val="tx1"/>
+                </a:solidFill>
+                <a:latin typeface="+mn-lt"/>
+                <a:ea typeface="+mn-ea"/>
+                <a:cs typeface="+mn-cs"/>
+              </a:defRPr>
+            </a:lvl2pPr>
+            <a:lvl3pPr marL="914400" algn="l" defTabSz="914400" rtl="0" eaLnBrk="1" latinLnBrk="0" hangingPunct="1">
+              <a:defRPr sz="1800" kern="1200">
+                <a:solidFill>
+                  <a:schemeClr val="tx1"/>
+                </a:solidFill>
+                <a:latin typeface="+mn-lt"/>
+                <a:ea typeface="+mn-ea"/>
+                <a:cs typeface="+mn-cs"/>
+              </a:defRPr>
+            </a:lvl3pPr>
+            <a:lvl4pPr marL="1371600" algn="l" defTabSz="914400" rtl="0" eaLnBrk="1" latinLnBrk="0" hangingPunct="1">
+              <a:defRPr sz="1800" kern="1200">
+                <a:solidFill>
+                  <a:schemeClr val="tx1"/>
+                </a:solidFill>
+                <a:latin typeface="+mn-lt"/>
+                <a:ea typeface="+mn-ea"/>
+                <a:cs typeface="+mn-cs"/>
+              </a:defRPr>
+            </a:lvl4pPr>
+            <a:lvl5pPr marL="1828800" algn="l" defTabSz="914400" rtl="0" eaLnBrk="1" latinLnBrk="0" hangingPunct="1">
+              <a:defRPr sz="1800" kern="1200">
+                <a:solidFill>
+                  <a:schemeClr val="tx1"/>
+                </a:solidFill>
+                <a:latin typeface="+mn-lt"/>
+                <a:ea typeface="+mn-ea"/>
+                <a:cs typeface="+mn-cs"/>
+              </a:defRPr>
+            </a:lvl5pPr>
+            <a:lvl6pPr marL="2286000" algn="l" defTabSz="914400" rtl="0" eaLnBrk="1" latinLnBrk="0" hangingPunct="1">
+              <a:defRPr sz="1800" kern="1200">
+                <a:solidFill>
+                  <a:schemeClr val="tx1"/>
+                </a:solidFill>
+                <a:latin typeface="+mn-lt"/>
+                <a:ea typeface="+mn-ea"/>
+                <a:cs typeface="+mn-cs"/>
+              </a:defRPr>
+            </a:lvl6pPr>
+            <a:lvl7pPr marL="2743200" algn="l" defTabSz="914400" rtl="0" eaLnBrk="1" latinLnBrk="0" hangingPunct="1">
+              <a:defRPr sz="1800" kern="1200">
+                <a:solidFill>
+                  <a:schemeClr val="tx1"/>
+                </a:solidFill>
+                <a:latin typeface="+mn-lt"/>
+                <a:ea typeface="+mn-ea"/>
+                <a:cs typeface="+mn-cs"/>
+              </a:defRPr>
+            </a:lvl7pPr>
+            <a:lvl8pPr marL="3200400" algn="l" defTabSz="914400" rtl="0" eaLnBrk="1" latinLnBrk="0" hangingPunct="1">
+              <a:defRPr sz="1800" kern="1200">
+                <a:solidFill>
+                  <a:schemeClr val="tx1"/>
+                </a:solidFill>
+                <a:latin typeface="+mn-lt"/>
+                <a:ea typeface="+mn-ea"/>
+                <a:cs typeface="+mn-cs"/>
+              </a:defRPr>
+            </a:lvl8pPr>
+            <a:lvl9pPr marL="3657600" algn="l" defTabSz="914400" rtl="0" eaLnBrk="1" latinLnBrk="0" hangingPunct="1">
+              <a:defRPr sz="1800" kern="1200">
+                <a:solidFill>
+                  <a:schemeClr val="tx1"/>
+                </a:solidFill>
+                <a:latin typeface="+mn-lt"/>
+                <a:ea typeface="+mn-ea"/>
+                <a:cs typeface="+mn-cs"/>
+              </a:defRPr>
+            </a:lvl9pPr>
+          </a:lstStyle>
+          <a:p>
+            <a:r>
+              <a:rPr lang="el-GR" sz="1600" dirty="0"/>
+              <a:t>10</a:t>
+            </a:r>
+            <a:r>
+              <a:rPr lang="en-US" sz="1600" dirty="0"/>
+              <a:t>/04/2018</a:t>
+            </a:r>
+          </a:p>
+        </p:txBody>
+      </p:sp>
+      <p:pic>
+        <p:nvPicPr>
+          <p:cNvPr id="7" name="Picture 6">
+            <a:extLst>
+              <a:ext uri="{FF2B5EF4-FFF2-40B4-BE49-F238E27FC236}">
+                <a16:creationId xmlns:a16="http://schemas.microsoft.com/office/drawing/2014/main" id="{3490ED8F-E2AF-5F4F-9E68-499DBD60F7E5}"/>
+              </a:ext>
+            </a:extLst>
+          </p:cNvPr>
+          <p:cNvPicPr>
+            <a:picLocks noChangeAspect="1"/>
+          </p:cNvPicPr>
+          <p:nvPr/>
+        </p:nvPicPr>
+        <p:blipFill>
+          <a:blip r:embed="rId2"/>
+          <a:stretch>
+            <a:fillRect/>
+          </a:stretch>
+        </p:blipFill>
+        <p:spPr>
+          <a:xfrm>
+            <a:off x="147604" y="6301269"/>
+            <a:ext cx="990178" cy="475286"/>
+          </a:xfrm>
+          <a:prstGeom prst="rect">
+            <a:avLst/>
+          </a:prstGeom>
+        </p:spPr>
+      </p:pic>
+      <p:sp>
+        <p:nvSpPr>
+          <p:cNvPr id="8" name="Footer Placeholder 4">
+            <a:extLst>
+              <a:ext uri="{FF2B5EF4-FFF2-40B4-BE49-F238E27FC236}">
+                <a16:creationId xmlns:a16="http://schemas.microsoft.com/office/drawing/2014/main" id="{88C63EB0-A7BF-A849-8B08-3B0DD83D03A8}"/>
+              </a:ext>
+            </a:extLst>
+          </p:cNvPr>
+          <p:cNvSpPr txBox="1">
+            <a:spLocks/>
+          </p:cNvSpPr>
+          <p:nvPr/>
+        </p:nvSpPr>
+        <p:spPr>
+          <a:xfrm>
+            <a:off x="10348379" y="6351822"/>
+            <a:ext cx="2042532" cy="365125"/>
+          </a:xfrm>
+          <a:prstGeom prst="rect">
+            <a:avLst/>
+          </a:prstGeom>
+        </p:spPr>
+        <p:txBody>
+          <a:bodyPr vert="horz" lIns="91440" tIns="45720" rIns="91440" bIns="45720" rtlCol="0" anchor="ctr"/>
+          <a:lstStyle>
+            <a:defPPr>
+              <a:defRPr lang="en-US"/>
+            </a:defPPr>
+            <a:lvl1pPr marL="0" algn="ctr" defTabSz="914400" rtl="0" eaLnBrk="1" latinLnBrk="0" hangingPunct="1">
+              <a:defRPr sz="1200" b="1" kern="1200">
+                <a:solidFill>
+                  <a:schemeClr val="tx1"/>
+                </a:solidFill>
+                <a:latin typeface="+mn-lt"/>
+                <a:ea typeface="+mn-ea"/>
+                <a:cs typeface="+mn-cs"/>
+              </a:defRPr>
+            </a:lvl1pPr>
+            <a:lvl2pPr marL="457200" algn="l" defTabSz="914400" rtl="0" eaLnBrk="1" latinLnBrk="0" hangingPunct="1">
+              <a:defRPr sz="1800" kern="1200">
+                <a:solidFill>
+                  <a:schemeClr val="tx1"/>
+                </a:solidFill>
+                <a:latin typeface="+mn-lt"/>
+                <a:ea typeface="+mn-ea"/>
+                <a:cs typeface="+mn-cs"/>
+              </a:defRPr>
+            </a:lvl2pPr>
+            <a:lvl3pPr marL="914400" algn="l" defTabSz="914400" rtl="0" eaLnBrk="1" latinLnBrk="0" hangingPunct="1">
+              <a:defRPr sz="1800" kern="1200">
+                <a:solidFill>
+                  <a:schemeClr val="tx1"/>
+                </a:solidFill>
+                <a:latin typeface="+mn-lt"/>
+                <a:ea typeface="+mn-ea"/>
+                <a:cs typeface="+mn-cs"/>
+              </a:defRPr>
+            </a:lvl3pPr>
+            <a:lvl4pPr marL="1371600" algn="l" defTabSz="914400" rtl="0" eaLnBrk="1" latinLnBrk="0" hangingPunct="1">
+              <a:defRPr sz="1800" kern="1200">
+                <a:solidFill>
+                  <a:schemeClr val="tx1"/>
+                </a:solidFill>
+                <a:latin typeface="+mn-lt"/>
+                <a:ea typeface="+mn-ea"/>
+                <a:cs typeface="+mn-cs"/>
+              </a:defRPr>
+            </a:lvl4pPr>
+            <a:lvl5pPr marL="1828800" algn="l" defTabSz="914400" rtl="0" eaLnBrk="1" latinLnBrk="0" hangingPunct="1">
+              <a:defRPr sz="1800" kern="1200">
+                <a:solidFill>
+                  <a:schemeClr val="tx1"/>
+                </a:solidFill>
+                <a:latin typeface="+mn-lt"/>
+                <a:ea typeface="+mn-ea"/>
+                <a:cs typeface="+mn-cs"/>
+              </a:defRPr>
+            </a:lvl5pPr>
+            <a:lvl6pPr marL="2286000" algn="l" defTabSz="914400" rtl="0" eaLnBrk="1" latinLnBrk="0" hangingPunct="1">
+              <a:defRPr sz="1800" kern="1200">
+                <a:solidFill>
+                  <a:schemeClr val="tx1"/>
+                </a:solidFill>
+                <a:latin typeface="+mn-lt"/>
+                <a:ea typeface="+mn-ea"/>
+                <a:cs typeface="+mn-cs"/>
+              </a:defRPr>
+            </a:lvl6pPr>
+            <a:lvl7pPr marL="2743200" algn="l" defTabSz="914400" rtl="0" eaLnBrk="1" latinLnBrk="0" hangingPunct="1">
+              <a:defRPr sz="1800" kern="1200">
+                <a:solidFill>
+                  <a:schemeClr val="tx1"/>
+                </a:solidFill>
+                <a:latin typeface="+mn-lt"/>
+                <a:ea typeface="+mn-ea"/>
+                <a:cs typeface="+mn-cs"/>
+              </a:defRPr>
+            </a:lvl7pPr>
+            <a:lvl8pPr marL="3200400" algn="l" defTabSz="914400" rtl="0" eaLnBrk="1" latinLnBrk="0" hangingPunct="1">
+              <a:defRPr sz="1800" kern="1200">
+                <a:solidFill>
+                  <a:schemeClr val="tx1"/>
+                </a:solidFill>
+                <a:latin typeface="+mn-lt"/>
+                <a:ea typeface="+mn-ea"/>
+                <a:cs typeface="+mn-cs"/>
+              </a:defRPr>
+            </a:lvl8pPr>
+            <a:lvl9pPr marL="3657600" algn="l" defTabSz="914400" rtl="0" eaLnBrk="1" latinLnBrk="0" hangingPunct="1">
+              <a:defRPr sz="1800" kern="1200">
+                <a:solidFill>
+                  <a:schemeClr val="tx1"/>
+                </a:solidFill>
+                <a:latin typeface="+mn-lt"/>
+                <a:ea typeface="+mn-ea"/>
+                <a:cs typeface="+mn-cs"/>
+              </a:defRPr>
+            </a:lvl9pPr>
+          </a:lstStyle>
+          <a:p>
+            <a:r>
+              <a:rPr lang="en-US" sz="1600" dirty="0"/>
+              <a:t>1/333</a:t>
+            </a:r>
+          </a:p>
+        </p:txBody>
+      </p:sp>
       <p:sp>
         <p:nvSpPr>
           <p:cNvPr id="9" name="Title 1">
@@ -5856,7 +9309,7 @@
           </a:prstGeom>
         </p:spPr>
         <p:txBody>
-          <a:bodyPr vert="horz" lIns="91440" tIns="45720" rIns="91440" bIns="45720" rtlCol="0" anchor="b">
+          <a:bodyPr vert="horz" lIns="91440" tIns="45720" rIns="91440" bIns="45720" rtlCol="0" anchor="t">
             <a:noAutofit/>
           </a:bodyPr>
           <a:lstStyle>
@@ -5879,33 +9332,13 @@
             </a:lvl1pPr>
           </a:lstStyle>
           <a:p>
-            <a:pPr marL="514350" indent="-514350" algn="l">
-              <a:buAutoNum type="arabicParenBoth"/>
+            <a:pPr marL="457200" indent="-457200" algn="l">
+              <a:buFontTx/>
+              <a:buChar char="-"/>
             </a:pPr>
             <a:r>
               <a:rPr lang="en-US" sz="2800" dirty="0"/>
-              <a:t>All fares available from the first day of sales ( t = 179 ).</a:t>
-            </a:r>
-          </a:p>
-          <a:p>
-            <a:pPr marL="514350" indent="-514350" algn="l">
-              <a:buAutoNum type="arabicParenBoth"/>
-            </a:pPr>
-            <a:endParaRPr lang="en-US" sz="2800" dirty="0"/>
-          </a:p>
-          <a:p>
-            <a:pPr marL="514350" indent="-514350" algn="l">
-              <a:buAutoNum type="arabicParenBoth"/>
-            </a:pPr>
-            <a:endParaRPr lang="en-US" sz="2800" dirty="0"/>
-          </a:p>
-          <a:p>
-            <a:pPr marL="514350" indent="-514350" algn="l">
-              <a:buAutoNum type="arabicParenBoth"/>
-            </a:pPr>
-            <a:r>
-              <a:rPr lang="en-US" sz="2800" dirty="0"/>
-              <a:t>Only one product offered at a time. Starting with the most cost-effective product to the most expensive one. Continues till all fare products are sold out or plane departure.</a:t>
+              <a:t>1st scenario almost always sold out</a:t>
             </a:r>
           </a:p>
           <a:p>
@@ -5922,7 +9355,7 @@
             </a:pPr>
             <a:r>
               <a:rPr lang="en-US" sz="2800" dirty="0"/>
-              <a:t>Booking limit of 20 seats for both scenarios.</a:t>
+              <a:t>There are always costumers that couldn’t purchase (not enough for recruiting a new plane)</a:t>
             </a:r>
           </a:p>
           <a:p>
@@ -5937,6 +9370,85 @@
               <a:buFontTx/>
               <a:buChar char="-"/>
             </a:pPr>
+            <a:r>
+              <a:rPr lang="en-US" sz="2800" dirty="0"/>
+              <a:t>1</a:t>
+            </a:r>
+            <a:r>
+              <a:rPr lang="en-US" sz="2800" baseline="30000" dirty="0"/>
+              <a:t>st</a:t>
+            </a:r>
+            <a:r>
+              <a:rPr lang="en-US" sz="2800" dirty="0"/>
+              <a:t> scenario vs 2</a:t>
+            </a:r>
+            <a:r>
+              <a:rPr lang="en-US" sz="2800" baseline="30000" dirty="0"/>
+              <a:t>nd</a:t>
+            </a:r>
+            <a:r>
+              <a:rPr lang="en-US" sz="2800" dirty="0"/>
+              <a:t> scenario: mean values of no purchase etc.</a:t>
+            </a:r>
+          </a:p>
+          <a:p>
+            <a:pPr marL="457200" indent="-457200" algn="l">
+              <a:buFontTx/>
+              <a:buChar char="-"/>
+            </a:pPr>
+            <a:r>
+              <a:rPr lang="en-US" sz="2800" dirty="0"/>
+              <a:t>Probability of low revenue for the 2</a:t>
+            </a:r>
+            <a:r>
+              <a:rPr lang="en-US" sz="2800" baseline="30000" dirty="0"/>
+              <a:t>nd</a:t>
+            </a:r>
+            <a:r>
+              <a:rPr lang="en-US" sz="2800" dirty="0"/>
+              <a:t> scenario </a:t>
+            </a:r>
+          </a:p>
+          <a:p>
+            <a:pPr marL="457200" indent="-457200" algn="l">
+              <a:buFontTx/>
+              <a:buChar char="-"/>
+            </a:pPr>
+            <a:endParaRPr lang="en-US" sz="2800" dirty="0"/>
+          </a:p>
+          <a:p>
+            <a:pPr marL="457200" indent="-457200" algn="l">
+              <a:buFontTx/>
+              <a:buChar char="-"/>
+            </a:pPr>
+            <a:endParaRPr lang="en-US" sz="2800" dirty="0"/>
+          </a:p>
+          <a:p>
+            <a:pPr marL="457200" indent="-457200" algn="l">
+              <a:buFontTx/>
+              <a:buChar char="-"/>
+            </a:pPr>
+            <a:endParaRPr lang="en-US" sz="2800" dirty="0"/>
+          </a:p>
+          <a:p>
+            <a:pPr marL="457200" indent="-457200" algn="l">
+              <a:buFontTx/>
+              <a:buChar char="-"/>
+            </a:pPr>
+            <a:endParaRPr lang="en-US" sz="2800" dirty="0"/>
+          </a:p>
+          <a:p>
+            <a:pPr marL="457200" indent="-457200" algn="l">
+              <a:buFontTx/>
+              <a:buChar char="-"/>
+            </a:pPr>
+            <a:endParaRPr lang="en-US" sz="2800" dirty="0"/>
+          </a:p>
+          <a:p>
+            <a:pPr marL="457200" indent="-457200" algn="l">
+              <a:buFontTx/>
+              <a:buChar char="-"/>
+            </a:pPr>
             <a:endParaRPr lang="en-US" sz="2800" dirty="0"/>
           </a:p>
         </p:txBody>
@@ -5945,6 +9457,482 @@
     <p:extLst>
       <p:ext uri="{BB962C8B-B14F-4D97-AF65-F5344CB8AC3E}">
         <p14:creationId xmlns:p14="http://schemas.microsoft.com/office/powerpoint/2010/main" val="4132369220"/>
+      </p:ext>
+    </p:extLst>
+  </p:cSld>
+  <p:clrMapOvr>
+    <a:masterClrMapping/>
+  </p:clrMapOvr>
+</p:sld>
+</file>
+
+<file path=ppt/slides/slide19.xml><?xml version="1.0" encoding="utf-8"?>
+<p:sld xmlns:a="http://schemas.openxmlformats.org/drawingml/2006/main" xmlns:r="http://schemas.openxmlformats.org/officeDocument/2006/relationships" xmlns:p="http://schemas.openxmlformats.org/presentationml/2006/main">
+  <p:cSld>
+    <p:spTree>
+      <p:nvGrpSpPr>
+        <p:cNvPr id="1" name=""/>
+        <p:cNvGrpSpPr/>
+        <p:nvPr/>
+      </p:nvGrpSpPr>
+      <p:grpSpPr>
+        <a:xfrm>
+          <a:off x="0" y="0"/>
+          <a:ext cx="0" cy="0"/>
+          <a:chOff x="0" y="0"/>
+          <a:chExt cx="0" cy="0"/>
+        </a:xfrm>
+      </p:grpSpPr>
+      <p:sp>
+        <p:nvSpPr>
+          <p:cNvPr id="5" name="Date Placeholder 3">
+            <a:extLst>
+              <a:ext uri="{FF2B5EF4-FFF2-40B4-BE49-F238E27FC236}">
+                <a16:creationId xmlns:a16="http://schemas.microsoft.com/office/drawing/2014/main" id="{4288DC27-738A-4941-9271-37DB47148DE1}"/>
+              </a:ext>
+            </a:extLst>
+          </p:cNvPr>
+          <p:cNvSpPr txBox="1">
+            <a:spLocks/>
+          </p:cNvSpPr>
+          <p:nvPr/>
+        </p:nvSpPr>
+        <p:spPr>
+          <a:xfrm>
+            <a:off x="1137782" y="6351822"/>
+            <a:ext cx="4366008" cy="365125"/>
+          </a:xfrm>
+          <a:prstGeom prst="rect">
+            <a:avLst/>
+          </a:prstGeom>
+        </p:spPr>
+        <p:txBody>
+          <a:bodyPr vert="horz" lIns="91440" tIns="45720" rIns="91440" bIns="45720" rtlCol="0" anchor="ctr"/>
+          <a:lstStyle>
+            <a:defPPr>
+              <a:defRPr lang="en-US"/>
+            </a:defPPr>
+            <a:lvl1pPr marL="0" algn="l" defTabSz="914400" rtl="0" eaLnBrk="1" latinLnBrk="0" hangingPunct="1">
+              <a:defRPr sz="1400" b="1" kern="1200">
+                <a:solidFill>
+                  <a:schemeClr val="tx1"/>
+                </a:solidFill>
+                <a:latin typeface="+mn-lt"/>
+                <a:ea typeface="+mn-ea"/>
+                <a:cs typeface="+mn-cs"/>
+              </a:defRPr>
+            </a:lvl1pPr>
+            <a:lvl2pPr marL="457200" algn="l" defTabSz="914400" rtl="0" eaLnBrk="1" latinLnBrk="0" hangingPunct="1">
+              <a:defRPr sz="1800" kern="1200">
+                <a:solidFill>
+                  <a:schemeClr val="tx1"/>
+                </a:solidFill>
+                <a:latin typeface="+mn-lt"/>
+                <a:ea typeface="+mn-ea"/>
+                <a:cs typeface="+mn-cs"/>
+              </a:defRPr>
+            </a:lvl2pPr>
+            <a:lvl3pPr marL="914400" algn="l" defTabSz="914400" rtl="0" eaLnBrk="1" latinLnBrk="0" hangingPunct="1">
+              <a:defRPr sz="1800" kern="1200">
+                <a:solidFill>
+                  <a:schemeClr val="tx1"/>
+                </a:solidFill>
+                <a:latin typeface="+mn-lt"/>
+                <a:ea typeface="+mn-ea"/>
+                <a:cs typeface="+mn-cs"/>
+              </a:defRPr>
+            </a:lvl3pPr>
+            <a:lvl4pPr marL="1371600" algn="l" defTabSz="914400" rtl="0" eaLnBrk="1" latinLnBrk="0" hangingPunct="1">
+              <a:defRPr sz="1800" kern="1200">
+                <a:solidFill>
+                  <a:schemeClr val="tx1"/>
+                </a:solidFill>
+                <a:latin typeface="+mn-lt"/>
+                <a:ea typeface="+mn-ea"/>
+                <a:cs typeface="+mn-cs"/>
+              </a:defRPr>
+            </a:lvl4pPr>
+            <a:lvl5pPr marL="1828800" algn="l" defTabSz="914400" rtl="0" eaLnBrk="1" latinLnBrk="0" hangingPunct="1">
+              <a:defRPr sz="1800" kern="1200">
+                <a:solidFill>
+                  <a:schemeClr val="tx1"/>
+                </a:solidFill>
+                <a:latin typeface="+mn-lt"/>
+                <a:ea typeface="+mn-ea"/>
+                <a:cs typeface="+mn-cs"/>
+              </a:defRPr>
+            </a:lvl5pPr>
+            <a:lvl6pPr marL="2286000" algn="l" defTabSz="914400" rtl="0" eaLnBrk="1" latinLnBrk="0" hangingPunct="1">
+              <a:defRPr sz="1800" kern="1200">
+                <a:solidFill>
+                  <a:schemeClr val="tx1"/>
+                </a:solidFill>
+                <a:latin typeface="+mn-lt"/>
+                <a:ea typeface="+mn-ea"/>
+                <a:cs typeface="+mn-cs"/>
+              </a:defRPr>
+            </a:lvl6pPr>
+            <a:lvl7pPr marL="2743200" algn="l" defTabSz="914400" rtl="0" eaLnBrk="1" latinLnBrk="0" hangingPunct="1">
+              <a:defRPr sz="1800" kern="1200">
+                <a:solidFill>
+                  <a:schemeClr val="tx1"/>
+                </a:solidFill>
+                <a:latin typeface="+mn-lt"/>
+                <a:ea typeface="+mn-ea"/>
+                <a:cs typeface="+mn-cs"/>
+              </a:defRPr>
+            </a:lvl7pPr>
+            <a:lvl8pPr marL="3200400" algn="l" defTabSz="914400" rtl="0" eaLnBrk="1" latinLnBrk="0" hangingPunct="1">
+              <a:defRPr sz="1800" kern="1200">
+                <a:solidFill>
+                  <a:schemeClr val="tx1"/>
+                </a:solidFill>
+                <a:latin typeface="+mn-lt"/>
+                <a:ea typeface="+mn-ea"/>
+                <a:cs typeface="+mn-cs"/>
+              </a:defRPr>
+            </a:lvl8pPr>
+            <a:lvl9pPr marL="3657600" algn="l" defTabSz="914400" rtl="0" eaLnBrk="1" latinLnBrk="0" hangingPunct="1">
+              <a:defRPr sz="1800" kern="1200">
+                <a:solidFill>
+                  <a:schemeClr val="tx1"/>
+                </a:solidFill>
+                <a:latin typeface="+mn-lt"/>
+                <a:ea typeface="+mn-ea"/>
+                <a:cs typeface="+mn-cs"/>
+              </a:defRPr>
+            </a:lvl9pPr>
+          </a:lstStyle>
+          <a:p>
+            <a:r>
+              <a:rPr lang="en-US" sz="1600" dirty="0"/>
+              <a:t>MATH-600: Optimization and Simulation</a:t>
+            </a:r>
+          </a:p>
+        </p:txBody>
+      </p:sp>
+      <p:sp>
+        <p:nvSpPr>
+          <p:cNvPr id="6" name="Footer Placeholder 4">
+            <a:extLst>
+              <a:ext uri="{FF2B5EF4-FFF2-40B4-BE49-F238E27FC236}">
+                <a16:creationId xmlns:a16="http://schemas.microsoft.com/office/drawing/2014/main" id="{FBA4775B-F9B3-924B-A934-99D6F2A1E0D1}"/>
+              </a:ext>
+            </a:extLst>
+          </p:cNvPr>
+          <p:cNvSpPr txBox="1">
+            <a:spLocks/>
+          </p:cNvSpPr>
+          <p:nvPr/>
+        </p:nvSpPr>
+        <p:spPr>
+          <a:xfrm>
+            <a:off x="4804582" y="6351822"/>
+            <a:ext cx="2042532" cy="365125"/>
+          </a:xfrm>
+          <a:prstGeom prst="rect">
+            <a:avLst/>
+          </a:prstGeom>
+        </p:spPr>
+        <p:txBody>
+          <a:bodyPr vert="horz" lIns="91440" tIns="45720" rIns="91440" bIns="45720" rtlCol="0" anchor="ctr"/>
+          <a:lstStyle>
+            <a:defPPr>
+              <a:defRPr lang="en-US"/>
+            </a:defPPr>
+            <a:lvl1pPr marL="0" algn="ctr" defTabSz="914400" rtl="0" eaLnBrk="1" latinLnBrk="0" hangingPunct="1">
+              <a:defRPr sz="1200" b="1" kern="1200">
+                <a:solidFill>
+                  <a:schemeClr val="tx1"/>
+                </a:solidFill>
+                <a:latin typeface="+mn-lt"/>
+                <a:ea typeface="+mn-ea"/>
+                <a:cs typeface="+mn-cs"/>
+              </a:defRPr>
+            </a:lvl1pPr>
+            <a:lvl2pPr marL="457200" algn="l" defTabSz="914400" rtl="0" eaLnBrk="1" latinLnBrk="0" hangingPunct="1">
+              <a:defRPr sz="1800" kern="1200">
+                <a:solidFill>
+                  <a:schemeClr val="tx1"/>
+                </a:solidFill>
+                <a:latin typeface="+mn-lt"/>
+                <a:ea typeface="+mn-ea"/>
+                <a:cs typeface="+mn-cs"/>
+              </a:defRPr>
+            </a:lvl2pPr>
+            <a:lvl3pPr marL="914400" algn="l" defTabSz="914400" rtl="0" eaLnBrk="1" latinLnBrk="0" hangingPunct="1">
+              <a:defRPr sz="1800" kern="1200">
+                <a:solidFill>
+                  <a:schemeClr val="tx1"/>
+                </a:solidFill>
+                <a:latin typeface="+mn-lt"/>
+                <a:ea typeface="+mn-ea"/>
+                <a:cs typeface="+mn-cs"/>
+              </a:defRPr>
+            </a:lvl3pPr>
+            <a:lvl4pPr marL="1371600" algn="l" defTabSz="914400" rtl="0" eaLnBrk="1" latinLnBrk="0" hangingPunct="1">
+              <a:defRPr sz="1800" kern="1200">
+                <a:solidFill>
+                  <a:schemeClr val="tx1"/>
+                </a:solidFill>
+                <a:latin typeface="+mn-lt"/>
+                <a:ea typeface="+mn-ea"/>
+                <a:cs typeface="+mn-cs"/>
+              </a:defRPr>
+            </a:lvl4pPr>
+            <a:lvl5pPr marL="1828800" algn="l" defTabSz="914400" rtl="0" eaLnBrk="1" latinLnBrk="0" hangingPunct="1">
+              <a:defRPr sz="1800" kern="1200">
+                <a:solidFill>
+                  <a:schemeClr val="tx1"/>
+                </a:solidFill>
+                <a:latin typeface="+mn-lt"/>
+                <a:ea typeface="+mn-ea"/>
+                <a:cs typeface="+mn-cs"/>
+              </a:defRPr>
+            </a:lvl5pPr>
+            <a:lvl6pPr marL="2286000" algn="l" defTabSz="914400" rtl="0" eaLnBrk="1" latinLnBrk="0" hangingPunct="1">
+              <a:defRPr sz="1800" kern="1200">
+                <a:solidFill>
+                  <a:schemeClr val="tx1"/>
+                </a:solidFill>
+                <a:latin typeface="+mn-lt"/>
+                <a:ea typeface="+mn-ea"/>
+                <a:cs typeface="+mn-cs"/>
+              </a:defRPr>
+            </a:lvl6pPr>
+            <a:lvl7pPr marL="2743200" algn="l" defTabSz="914400" rtl="0" eaLnBrk="1" latinLnBrk="0" hangingPunct="1">
+              <a:defRPr sz="1800" kern="1200">
+                <a:solidFill>
+                  <a:schemeClr val="tx1"/>
+                </a:solidFill>
+                <a:latin typeface="+mn-lt"/>
+                <a:ea typeface="+mn-ea"/>
+                <a:cs typeface="+mn-cs"/>
+              </a:defRPr>
+            </a:lvl7pPr>
+            <a:lvl8pPr marL="3200400" algn="l" defTabSz="914400" rtl="0" eaLnBrk="1" latinLnBrk="0" hangingPunct="1">
+              <a:defRPr sz="1800" kern="1200">
+                <a:solidFill>
+                  <a:schemeClr val="tx1"/>
+                </a:solidFill>
+                <a:latin typeface="+mn-lt"/>
+                <a:ea typeface="+mn-ea"/>
+                <a:cs typeface="+mn-cs"/>
+              </a:defRPr>
+            </a:lvl8pPr>
+            <a:lvl9pPr marL="3657600" algn="l" defTabSz="914400" rtl="0" eaLnBrk="1" latinLnBrk="0" hangingPunct="1">
+              <a:defRPr sz="1800" kern="1200">
+                <a:solidFill>
+                  <a:schemeClr val="tx1"/>
+                </a:solidFill>
+                <a:latin typeface="+mn-lt"/>
+                <a:ea typeface="+mn-ea"/>
+                <a:cs typeface="+mn-cs"/>
+              </a:defRPr>
+            </a:lvl9pPr>
+          </a:lstStyle>
+          <a:p>
+            <a:r>
+              <a:rPr lang="el-GR" sz="1600" dirty="0"/>
+              <a:t>10</a:t>
+            </a:r>
+            <a:r>
+              <a:rPr lang="en-US" sz="1600" dirty="0"/>
+              <a:t>/04/2018</a:t>
+            </a:r>
+          </a:p>
+        </p:txBody>
+      </p:sp>
+      <p:pic>
+        <p:nvPicPr>
+          <p:cNvPr id="7" name="Picture 6">
+            <a:extLst>
+              <a:ext uri="{FF2B5EF4-FFF2-40B4-BE49-F238E27FC236}">
+                <a16:creationId xmlns:a16="http://schemas.microsoft.com/office/drawing/2014/main" id="{3490ED8F-E2AF-5F4F-9E68-499DBD60F7E5}"/>
+              </a:ext>
+            </a:extLst>
+          </p:cNvPr>
+          <p:cNvPicPr>
+            <a:picLocks noChangeAspect="1"/>
+          </p:cNvPicPr>
+          <p:nvPr/>
+        </p:nvPicPr>
+        <p:blipFill>
+          <a:blip r:embed="rId2"/>
+          <a:stretch>
+            <a:fillRect/>
+          </a:stretch>
+        </p:blipFill>
+        <p:spPr>
+          <a:xfrm>
+            <a:off x="147604" y="6301269"/>
+            <a:ext cx="990178" cy="475286"/>
+          </a:xfrm>
+          <a:prstGeom prst="rect">
+            <a:avLst/>
+          </a:prstGeom>
+        </p:spPr>
+      </p:pic>
+      <p:sp>
+        <p:nvSpPr>
+          <p:cNvPr id="8" name="Footer Placeholder 4">
+            <a:extLst>
+              <a:ext uri="{FF2B5EF4-FFF2-40B4-BE49-F238E27FC236}">
+                <a16:creationId xmlns:a16="http://schemas.microsoft.com/office/drawing/2014/main" id="{88C63EB0-A7BF-A849-8B08-3B0DD83D03A8}"/>
+              </a:ext>
+            </a:extLst>
+          </p:cNvPr>
+          <p:cNvSpPr txBox="1">
+            <a:spLocks/>
+          </p:cNvSpPr>
+          <p:nvPr/>
+        </p:nvSpPr>
+        <p:spPr>
+          <a:xfrm>
+            <a:off x="10348379" y="6351822"/>
+            <a:ext cx="2042532" cy="365125"/>
+          </a:xfrm>
+          <a:prstGeom prst="rect">
+            <a:avLst/>
+          </a:prstGeom>
+        </p:spPr>
+        <p:txBody>
+          <a:bodyPr vert="horz" lIns="91440" tIns="45720" rIns="91440" bIns="45720" rtlCol="0" anchor="ctr"/>
+          <a:lstStyle>
+            <a:defPPr>
+              <a:defRPr lang="en-US"/>
+            </a:defPPr>
+            <a:lvl1pPr marL="0" algn="ctr" defTabSz="914400" rtl="0" eaLnBrk="1" latinLnBrk="0" hangingPunct="1">
+              <a:defRPr sz="1200" b="1" kern="1200">
+                <a:solidFill>
+                  <a:schemeClr val="tx1"/>
+                </a:solidFill>
+                <a:latin typeface="+mn-lt"/>
+                <a:ea typeface="+mn-ea"/>
+                <a:cs typeface="+mn-cs"/>
+              </a:defRPr>
+            </a:lvl1pPr>
+            <a:lvl2pPr marL="457200" algn="l" defTabSz="914400" rtl="0" eaLnBrk="1" latinLnBrk="0" hangingPunct="1">
+              <a:defRPr sz="1800" kern="1200">
+                <a:solidFill>
+                  <a:schemeClr val="tx1"/>
+                </a:solidFill>
+                <a:latin typeface="+mn-lt"/>
+                <a:ea typeface="+mn-ea"/>
+                <a:cs typeface="+mn-cs"/>
+              </a:defRPr>
+            </a:lvl2pPr>
+            <a:lvl3pPr marL="914400" algn="l" defTabSz="914400" rtl="0" eaLnBrk="1" latinLnBrk="0" hangingPunct="1">
+              <a:defRPr sz="1800" kern="1200">
+                <a:solidFill>
+                  <a:schemeClr val="tx1"/>
+                </a:solidFill>
+                <a:latin typeface="+mn-lt"/>
+                <a:ea typeface="+mn-ea"/>
+                <a:cs typeface="+mn-cs"/>
+              </a:defRPr>
+            </a:lvl3pPr>
+            <a:lvl4pPr marL="1371600" algn="l" defTabSz="914400" rtl="0" eaLnBrk="1" latinLnBrk="0" hangingPunct="1">
+              <a:defRPr sz="1800" kern="1200">
+                <a:solidFill>
+                  <a:schemeClr val="tx1"/>
+                </a:solidFill>
+                <a:latin typeface="+mn-lt"/>
+                <a:ea typeface="+mn-ea"/>
+                <a:cs typeface="+mn-cs"/>
+              </a:defRPr>
+            </a:lvl4pPr>
+            <a:lvl5pPr marL="1828800" algn="l" defTabSz="914400" rtl="0" eaLnBrk="1" latinLnBrk="0" hangingPunct="1">
+              <a:defRPr sz="1800" kern="1200">
+                <a:solidFill>
+                  <a:schemeClr val="tx1"/>
+                </a:solidFill>
+                <a:latin typeface="+mn-lt"/>
+                <a:ea typeface="+mn-ea"/>
+                <a:cs typeface="+mn-cs"/>
+              </a:defRPr>
+            </a:lvl5pPr>
+            <a:lvl6pPr marL="2286000" algn="l" defTabSz="914400" rtl="0" eaLnBrk="1" latinLnBrk="0" hangingPunct="1">
+              <a:defRPr sz="1800" kern="1200">
+                <a:solidFill>
+                  <a:schemeClr val="tx1"/>
+                </a:solidFill>
+                <a:latin typeface="+mn-lt"/>
+                <a:ea typeface="+mn-ea"/>
+                <a:cs typeface="+mn-cs"/>
+              </a:defRPr>
+            </a:lvl6pPr>
+            <a:lvl7pPr marL="2743200" algn="l" defTabSz="914400" rtl="0" eaLnBrk="1" latinLnBrk="0" hangingPunct="1">
+              <a:defRPr sz="1800" kern="1200">
+                <a:solidFill>
+                  <a:schemeClr val="tx1"/>
+                </a:solidFill>
+                <a:latin typeface="+mn-lt"/>
+                <a:ea typeface="+mn-ea"/>
+                <a:cs typeface="+mn-cs"/>
+              </a:defRPr>
+            </a:lvl7pPr>
+            <a:lvl8pPr marL="3200400" algn="l" defTabSz="914400" rtl="0" eaLnBrk="1" latinLnBrk="0" hangingPunct="1">
+              <a:defRPr sz="1800" kern="1200">
+                <a:solidFill>
+                  <a:schemeClr val="tx1"/>
+                </a:solidFill>
+                <a:latin typeface="+mn-lt"/>
+                <a:ea typeface="+mn-ea"/>
+                <a:cs typeface="+mn-cs"/>
+              </a:defRPr>
+            </a:lvl8pPr>
+            <a:lvl9pPr marL="3657600" algn="l" defTabSz="914400" rtl="0" eaLnBrk="1" latinLnBrk="0" hangingPunct="1">
+              <a:defRPr sz="1800" kern="1200">
+                <a:solidFill>
+                  <a:schemeClr val="tx1"/>
+                </a:solidFill>
+                <a:latin typeface="+mn-lt"/>
+                <a:ea typeface="+mn-ea"/>
+                <a:cs typeface="+mn-cs"/>
+              </a:defRPr>
+            </a:lvl9pPr>
+          </a:lstStyle>
+          <a:p>
+            <a:r>
+              <a:rPr lang="en-US" sz="1600" dirty="0"/>
+              <a:t>1/333</a:t>
+            </a:r>
+          </a:p>
+        </p:txBody>
+      </p:sp>
+      <p:sp>
+        <p:nvSpPr>
+          <p:cNvPr id="4" name="Title 3">
+            <a:extLst>
+              <a:ext uri="{FF2B5EF4-FFF2-40B4-BE49-F238E27FC236}">
+                <a16:creationId xmlns:a16="http://schemas.microsoft.com/office/drawing/2014/main" id="{03A1ACFE-2BCE-3F43-9D6C-224AC0A40A9D}"/>
+              </a:ext>
+            </a:extLst>
+          </p:cNvPr>
+          <p:cNvSpPr>
+            <a:spLocks noGrp="1"/>
+          </p:cNvSpPr>
+          <p:nvPr>
+            <p:ph type="ctrTitle"/>
+          </p:nvPr>
+        </p:nvSpPr>
+        <p:spPr/>
+        <p:txBody>
+          <a:bodyPr/>
+          <a:lstStyle/>
+          <a:p>
+            <a:r>
+              <a:rPr lang="en-US" dirty="0"/>
+              <a:t>Thank you!</a:t>
+            </a:r>
+          </a:p>
+        </p:txBody>
+      </p:sp>
+    </p:spTree>
+    <p:extLst>
+      <p:ext uri="{BB962C8B-B14F-4D97-AF65-F5344CB8AC3E}">
+        <p14:creationId xmlns:p14="http://schemas.microsoft.com/office/powerpoint/2010/main" val="2264248472"/>
       </p:ext>
     </p:extLst>
   </p:cSld>
@@ -7851,6 +11839,94 @@
           </a:p>
         </p:txBody>
       </p:sp>
+      <p:sp>
+        <p:nvSpPr>
+          <p:cNvPr id="3" name="Rectangle 2">
+            <a:extLst>
+              <a:ext uri="{FF2B5EF4-FFF2-40B4-BE49-F238E27FC236}">
+                <a16:creationId xmlns:a16="http://schemas.microsoft.com/office/drawing/2014/main" id="{C8CA41A3-FF06-2A48-BD3E-A32F042293D4}"/>
+              </a:ext>
+            </a:extLst>
+          </p:cNvPr>
+          <p:cNvSpPr/>
+          <p:nvPr/>
+        </p:nvSpPr>
+        <p:spPr>
+          <a:xfrm>
+            <a:off x="6588370" y="1129350"/>
+            <a:ext cx="6096000" cy="1754326"/>
+          </a:xfrm>
+          <a:prstGeom prst="rect">
+            <a:avLst/>
+          </a:prstGeom>
+        </p:spPr>
+        <p:txBody>
+          <a:bodyPr>
+            <a:spAutoFit/>
+          </a:bodyPr>
+          <a:lstStyle/>
+          <a:p>
+            <a:r>
+              <a:rPr lang="en-US" sz="2400" b="1" dirty="0">
+                <a:solidFill>
+                  <a:schemeClr val="accent1">
+                    <a:lumMod val="75000"/>
+                  </a:schemeClr>
+                </a:solidFill>
+                <a:latin typeface="+mj-lt"/>
+              </a:rPr>
+              <a:t>Control variables:</a:t>
+            </a:r>
+          </a:p>
+          <a:p>
+            <a:pPr marL="457200" indent="-457200">
+              <a:buFont typeface="Arial" panose="020B0604020202020204" pitchFamily="34" charset="0"/>
+              <a:buChar char="•"/>
+            </a:pPr>
+            <a:r>
+              <a:rPr lang="en-US" sz="1200" dirty="0" err="1"/>
+              <a:t>available_seats_for_fare</a:t>
+            </a:r>
+            <a:endParaRPr lang="en-US" sz="1200" dirty="0"/>
+          </a:p>
+          <a:p>
+            <a:pPr marL="457200" indent="-457200">
+              <a:buFont typeface="Arial" panose="020B0604020202020204" pitchFamily="34" charset="0"/>
+              <a:buChar char="•"/>
+            </a:pPr>
+            <a:r>
+              <a:rPr lang="en-US" sz="2400" b="1" dirty="0">
+                <a:latin typeface="+mj-lt"/>
+              </a:rPr>
+              <a:t>: </a:t>
+            </a:r>
+            <a:r>
+              <a:rPr lang="en-US" sz="2400" dirty="0">
+                <a:latin typeface="+mj-lt"/>
+              </a:rPr>
+              <a:t>		   Booking limit for each fare</a:t>
+            </a:r>
+          </a:p>
+          <a:p>
+            <a:pPr marL="457200" indent="-457200">
+              <a:buFont typeface="Arial" panose="020B0604020202020204" pitchFamily="34" charset="0"/>
+              <a:buChar char="•"/>
+            </a:pPr>
+            <a:r>
+              <a:rPr lang="en-US" sz="2400" b="1" dirty="0">
+                <a:latin typeface="+mj-lt"/>
+              </a:rPr>
+              <a:t>A: </a:t>
+            </a:r>
+            <a:r>
+              <a:rPr lang="en-US" sz="2400" dirty="0">
+                <a:latin typeface="+mj-lt"/>
+              </a:rPr>
+              <a:t>	   	   Available products at time 			   events              </a:t>
+            </a:r>
+          </a:p>
+        </p:txBody>
+      </p:sp>
     </p:spTree>
     <p:extLst>
       <p:ext uri="{BB962C8B-B14F-4D97-AF65-F5344CB8AC3E}">
@@ -7912,7 +11988,7 @@
             <a:pPr algn="l"/>
             <a:r>
               <a:rPr lang="en-US" sz="3600" b="1" dirty="0"/>
-              <a:t>Two scenarios to be investigated</a:t>
+              <a:t>Discrete event simulation</a:t>
             </a:r>
           </a:p>
         </p:txBody>
@@ -8337,111 +12413,49 @@
       </p:sp>
       <p:sp>
         <p:nvSpPr>
-          <p:cNvPr id="9" name="Title 1">
-            <a:extLst>
-              <a:ext uri="{FF2B5EF4-FFF2-40B4-BE49-F238E27FC236}">
-                <a16:creationId xmlns:a16="http://schemas.microsoft.com/office/drawing/2014/main" id="{C5C71A8F-96D7-2A4F-B802-EFB1CE23DAF2}"/>
-              </a:ext>
-            </a:extLst>
-          </p:cNvPr>
-          <p:cNvSpPr txBox="1">
-            <a:spLocks/>
-          </p:cNvSpPr>
+          <p:cNvPr id="10" name="Rectangle 9">
+            <a:extLst>
+              <a:ext uri="{FF2B5EF4-FFF2-40B4-BE49-F238E27FC236}">
+                <a16:creationId xmlns:a16="http://schemas.microsoft.com/office/drawing/2014/main" id="{F0891986-EAD8-9E41-A541-1D20BEC559D0}"/>
+              </a:ext>
+            </a:extLst>
+          </p:cNvPr>
+          <p:cNvSpPr/>
           <p:nvPr/>
         </p:nvSpPr>
         <p:spPr>
           <a:xfrm>
-            <a:off x="588842" y="1129350"/>
-            <a:ext cx="9144000" cy="4440177"/>
+            <a:off x="588842" y="1293473"/>
+            <a:ext cx="6096000" cy="830997"/>
           </a:xfrm>
           <a:prstGeom prst="rect">
             <a:avLst/>
           </a:prstGeom>
         </p:spPr>
         <p:txBody>
-          <a:bodyPr vert="horz" lIns="91440" tIns="45720" rIns="91440" bIns="45720" rtlCol="0" anchor="t">
-            <a:noAutofit/>
+          <a:bodyPr>
+            <a:spAutoFit/>
           </a:bodyPr>
-          <a:lstStyle>
-            <a:lvl1pPr algn="ctr" defTabSz="914400" rtl="0" eaLnBrk="1" latinLnBrk="0" hangingPunct="1">
-              <a:lnSpc>
-                <a:spcPct val="90000"/>
-              </a:lnSpc>
-              <a:spcBef>
-                <a:spcPct val="0"/>
-              </a:spcBef>
-              <a:buNone/>
-              <a:defRPr sz="6000" kern="1200">
-                <a:solidFill>
-                  <a:schemeClr val="tx1"/>
-                </a:solidFill>
+          <a:lstStyle/>
+          <a:p>
+            <a:r>
+              <a:rPr lang="en-US" sz="2400" dirty="0">
                 <a:latin typeface="+mj-lt"/>
-                <a:ea typeface="+mj-ea"/>
-                <a:cs typeface="+mj-cs"/>
-              </a:defRPr>
-            </a:lvl1pPr>
-          </a:lstStyle>
-          <a:p>
-            <a:pPr marL="514350" indent="-514350" algn="l">
-              <a:buAutoNum type="arabicParenBoth"/>
-            </a:pPr>
-            <a:r>
-              <a:rPr lang="en-US" sz="2800" dirty="0"/>
-              <a:t>All fares available from t = 179.</a:t>
-            </a:r>
-          </a:p>
-          <a:p>
-            <a:pPr marL="514350" indent="-514350" algn="l">
-              <a:buAutoNum type="arabicParenBoth"/>
-            </a:pPr>
-            <a:endParaRPr lang="en-US" sz="2800" dirty="0"/>
-          </a:p>
-          <a:p>
-            <a:pPr marL="514350" indent="-514350" algn="l">
-              <a:buAutoNum type="arabicParenBoth"/>
-            </a:pPr>
-            <a:endParaRPr lang="en-US" sz="2800" dirty="0"/>
-          </a:p>
-          <a:p>
-            <a:pPr marL="514350" indent="-514350" algn="l">
-              <a:buAutoNum type="arabicParenBoth"/>
-            </a:pPr>
-            <a:r>
-              <a:rPr lang="en-US" sz="2800" dirty="0"/>
-              <a:t>Only one product offered at a time. Starting with the most cost-effective product to the most expensive one. Continues till all fare products are sold out or plane departure.</a:t>
-            </a:r>
-          </a:p>
-          <a:p>
-            <a:pPr algn="l"/>
-            <a:endParaRPr lang="en-US" sz="2800" dirty="0"/>
-          </a:p>
-          <a:p>
-            <a:pPr algn="l"/>
-            <a:endParaRPr lang="en-US" sz="2800" dirty="0"/>
-          </a:p>
-          <a:p>
-            <a:pPr marL="457200" indent="-457200" algn="l">
-              <a:buFontTx/>
-              <a:buChar char="-"/>
-            </a:pPr>
-            <a:r>
-              <a:rPr lang="en-US" sz="2800" dirty="0"/>
-              <a:t>Booking limit of 20 seats for both scenarios.</a:t>
-            </a:r>
-          </a:p>
-          <a:p>
-            <a:pPr marL="457200" indent="-457200" algn="l">
-              <a:buFontTx/>
-              <a:buChar char="-"/>
-            </a:pPr>
-            <a:endParaRPr lang="en-US" sz="2800" dirty="0"/>
+              </a:rPr>
+              <a:t>Flow chart</a:t>
+            </a:r>
+          </a:p>
+          <a:p>
+            <a:endParaRPr lang="en-US" sz="2400" dirty="0">
+              <a:latin typeface="+mj-lt"/>
+            </a:endParaRPr>
           </a:p>
         </p:txBody>
       </p:sp>
     </p:spTree>
     <p:extLst>
       <p:ext uri="{BB962C8B-B14F-4D97-AF65-F5344CB8AC3E}">
-        <p14:creationId xmlns:p14="http://schemas.microsoft.com/office/powerpoint/2010/main" val="4114674434"/>
+        <p14:creationId xmlns:p14="http://schemas.microsoft.com/office/powerpoint/2010/main" val="4091977885"/>
       </p:ext>
     </p:extLst>
   </p:cSld>
@@ -8499,7 +12513,7 @@
             <a:pPr algn="l"/>
             <a:r>
               <a:rPr lang="en-US" sz="3600" b="1" dirty="0"/>
-              <a:t>Scenario (1) - Results</a:t>
+              <a:t>Discrete event simulation</a:t>
             </a:r>
           </a:p>
         </p:txBody>
@@ -8922,119 +12936,40 @@
           </a:p>
         </p:txBody>
       </p:sp>
-      <p:sp>
-        <p:nvSpPr>
-          <p:cNvPr id="9" name="Title 1">
-            <a:extLst>
-              <a:ext uri="{FF2B5EF4-FFF2-40B4-BE49-F238E27FC236}">
-                <a16:creationId xmlns:a16="http://schemas.microsoft.com/office/drawing/2014/main" id="{C5C71A8F-96D7-2A4F-B802-EFB1CE23DAF2}"/>
-              </a:ext>
-            </a:extLst>
-          </p:cNvPr>
-          <p:cNvSpPr txBox="1">
-            <a:spLocks/>
-          </p:cNvSpPr>
+      <p:pic>
+        <p:nvPicPr>
+          <p:cNvPr id="4" name="Picture 3">
+            <a:extLst>
+              <a:ext uri="{FF2B5EF4-FFF2-40B4-BE49-F238E27FC236}">
+                <a16:creationId xmlns:a16="http://schemas.microsoft.com/office/drawing/2014/main" id="{649E73E6-4F05-4440-8092-ADEFD6724803}"/>
+              </a:ext>
+            </a:extLst>
+          </p:cNvPr>
+          <p:cNvPicPr>
+            <a:picLocks noChangeAspect="1"/>
+          </p:cNvPicPr>
           <p:nvPr/>
-        </p:nvSpPr>
+        </p:nvPicPr>
+        <p:blipFill>
+          <a:blip r:embed="rId3"/>
+          <a:stretch>
+            <a:fillRect/>
+          </a:stretch>
+        </p:blipFill>
         <p:spPr>
           <a:xfrm>
-            <a:off x="588842" y="1129350"/>
-            <a:ext cx="9144000" cy="4440177"/>
+            <a:off x="959427" y="1303732"/>
+            <a:ext cx="9732842" cy="1483610"/>
           </a:xfrm>
           <a:prstGeom prst="rect">
             <a:avLst/>
           </a:prstGeom>
         </p:spPr>
-        <p:txBody>
-          <a:bodyPr vert="horz" lIns="91440" tIns="45720" rIns="91440" bIns="45720" rtlCol="0" anchor="t">
-            <a:noAutofit/>
-          </a:bodyPr>
-          <a:lstStyle>
-            <a:lvl1pPr algn="ctr" defTabSz="914400" rtl="0" eaLnBrk="1" latinLnBrk="0" hangingPunct="1">
-              <a:lnSpc>
-                <a:spcPct val="90000"/>
-              </a:lnSpc>
-              <a:spcBef>
-                <a:spcPct val="0"/>
-              </a:spcBef>
-              <a:buNone/>
-              <a:defRPr sz="6000" kern="1200">
-                <a:solidFill>
-                  <a:schemeClr val="tx1"/>
-                </a:solidFill>
-                <a:latin typeface="+mj-lt"/>
-                <a:ea typeface="+mj-ea"/>
-                <a:cs typeface="+mj-cs"/>
-              </a:defRPr>
-            </a:lvl1pPr>
-          </a:lstStyle>
-          <a:p>
-            <a:pPr marL="514350" indent="-514350" algn="l">
-              <a:buAutoNum type="arabicParenBoth"/>
-            </a:pPr>
-            <a:r>
-              <a:rPr lang="en-US" sz="2800" dirty="0"/>
-              <a:t>All fares available from t = 179.</a:t>
-            </a:r>
-          </a:p>
-          <a:p>
-            <a:pPr marL="514350" indent="-514350" algn="l">
-              <a:buAutoNum type="arabicParenBoth"/>
-            </a:pPr>
-            <a:endParaRPr lang="en-US" sz="2800" dirty="0"/>
-          </a:p>
-          <a:p>
-            <a:pPr marL="514350" indent="-514350" algn="l">
-              <a:buAutoNum type="arabicParenBoth"/>
-            </a:pPr>
-            <a:endParaRPr lang="en-US" sz="2800" dirty="0"/>
-          </a:p>
-          <a:p>
-            <a:pPr marL="514350" indent="-514350" algn="l">
-              <a:buAutoNum type="arabicParenBoth"/>
-            </a:pPr>
-            <a:r>
-              <a:rPr lang="en-US" sz="2800" dirty="0"/>
-              <a:t>Only one product offered at a time. Starting with the most cost-effective product to the most expensive one. Continues till all fare products are sold out or plane departure.</a:t>
-            </a:r>
-          </a:p>
-          <a:p>
-            <a:pPr marL="457200" indent="-457200" algn="l">
-              <a:buFontTx/>
-              <a:buChar char="-"/>
-            </a:pPr>
-            <a:endParaRPr lang="en-US" sz="2800" dirty="0"/>
-          </a:p>
-          <a:p>
-            <a:pPr marL="457200" indent="-457200" algn="l">
-              <a:buFontTx/>
-              <a:buChar char="-"/>
-            </a:pPr>
-            <a:r>
-              <a:rPr lang="en-US" sz="2800" dirty="0"/>
-              <a:t>Booking limit of 20 seats for both scenarios.</a:t>
-            </a:r>
-          </a:p>
-          <a:p>
-            <a:pPr marL="457200" indent="-457200" algn="l">
-              <a:buFontTx/>
-              <a:buChar char="-"/>
-            </a:pPr>
-            <a:endParaRPr lang="en-US" sz="2800" dirty="0"/>
-          </a:p>
-          <a:p>
-            <a:pPr marL="457200" indent="-457200" algn="l">
-              <a:buFontTx/>
-              <a:buChar char="-"/>
-            </a:pPr>
-            <a:endParaRPr lang="en-US" sz="2800" dirty="0"/>
-          </a:p>
-        </p:txBody>
-      </p:sp>
+      </p:pic>
     </p:spTree>
     <p:extLst>
       <p:ext uri="{BB962C8B-B14F-4D97-AF65-F5344CB8AC3E}">
-        <p14:creationId xmlns:p14="http://schemas.microsoft.com/office/powerpoint/2010/main" val="2570629315"/>
+        <p14:creationId xmlns:p14="http://schemas.microsoft.com/office/powerpoint/2010/main" val="1562974737"/>
       </p:ext>
     </p:extLst>
   </p:cSld>
@@ -9092,7 +13027,7 @@
             <a:pPr algn="l"/>
             <a:r>
               <a:rPr lang="en-US" sz="3600" b="1" dirty="0"/>
-              <a:t>Scenario (1) - Results</a:t>
+              <a:t>Two scenarios to be investigated</a:t>
             </a:r>
           </a:p>
         </p:txBody>
@@ -9592,42 +13527,36 @@
             </a:r>
           </a:p>
           <a:p>
+            <a:pPr algn="l"/>
+            <a:endParaRPr lang="en-US" sz="2800" dirty="0"/>
+          </a:p>
+          <a:p>
+            <a:pPr algn="l"/>
+            <a:endParaRPr lang="en-US" sz="2800" dirty="0"/>
+          </a:p>
+          <a:p>
+            <a:pPr marL="457200" indent="-457200" algn="l">
+              <a:buFontTx/>
+              <a:buChar char="-"/>
+            </a:pPr>
+            <a:r>
+              <a:rPr lang="en-US" sz="2800" dirty="0"/>
+              <a:t>Booking limit of 20 seats for both scenarios.</a:t>
+            </a:r>
+          </a:p>
+          <a:p>
             <a:pPr marL="457200" indent="-457200" algn="l">
               <a:buFontTx/>
               <a:buChar char="-"/>
             </a:pPr>
             <a:endParaRPr lang="en-US" sz="2800" dirty="0"/>
           </a:p>
-          <a:p>
-            <a:pPr marL="457200" indent="-457200" algn="l">
-              <a:buFontTx/>
-              <a:buChar char="-"/>
-            </a:pPr>
-            <a:r>
-              <a:rPr lang="en-US" sz="2800" dirty="0"/>
-              <a:t>Booking limit of 20 seats for both scenarios.</a:t>
-            </a:r>
-          </a:p>
-          <a:p>
-            <a:pPr marL="457200" indent="-457200" algn="l">
-              <a:buFontTx/>
-              <a:buChar char="-"/>
-            </a:pPr>
-            <a:endParaRPr lang="en-US" sz="2800" dirty="0"/>
-          </a:p>
-          <a:p>
-            <a:pPr marL="457200" indent="-457200" algn="l">
-              <a:buFontTx/>
-              <a:buChar char="-"/>
-            </a:pPr>
-            <a:endParaRPr lang="en-US" sz="2800" dirty="0"/>
-          </a:p>
         </p:txBody>
       </p:sp>
     </p:spTree>
     <p:extLst>
       <p:ext uri="{BB962C8B-B14F-4D97-AF65-F5344CB8AC3E}">
-        <p14:creationId xmlns:p14="http://schemas.microsoft.com/office/powerpoint/2010/main" val="1837682493"/>
+        <p14:creationId xmlns:p14="http://schemas.microsoft.com/office/powerpoint/2010/main" val="3807547924"/>
       </p:ext>
     </p:extLst>
   </p:cSld>
@@ -9685,7 +13614,7 @@
             <a:pPr algn="l"/>
             <a:r>
               <a:rPr lang="en-US" sz="3600" b="1" dirty="0"/>
-              <a:t>Scenario (1) - Results</a:t>
+              <a:t>Metrics</a:t>
             </a:r>
           </a:p>
         </p:txBody>
@@ -10125,14 +14054,14 @@
         <p:spPr>
           <a:xfrm>
             <a:off x="588842" y="1129350"/>
-            <a:ext cx="9144000" cy="4440177"/>
+            <a:ext cx="4381743" cy="4440177"/>
           </a:xfrm>
           <a:prstGeom prst="rect">
             <a:avLst/>
           </a:prstGeom>
         </p:spPr>
         <p:txBody>
-          <a:bodyPr vert="horz" lIns="91440" tIns="45720" rIns="91440" bIns="45720" rtlCol="0" anchor="t">
+          <a:bodyPr vert="horz" lIns="91440" tIns="45720" rIns="91440" bIns="45720" rtlCol="0" anchor="ctr">
             <a:noAutofit/>
           </a:bodyPr>
           <a:lstStyle>
@@ -10155,72 +14084,166 @@
             </a:lvl1pPr>
           </a:lstStyle>
           <a:p>
-            <a:pPr marL="514350" indent="-514350" algn="l">
-              <a:buAutoNum type="arabicParenBoth"/>
+            <a:pPr marL="457200" indent="-457200" algn="l">
+              <a:buFont typeface="Arial" panose="020B0604020202020204" pitchFamily="34" charset="0"/>
+              <a:buChar char="•"/>
             </a:pPr>
             <a:r>
               <a:rPr lang="en-US" sz="2800" dirty="0"/>
-              <a:t>All fares available from t = 179.</a:t>
-            </a:r>
-          </a:p>
-          <a:p>
-            <a:pPr marL="514350" indent="-514350" algn="l">
-              <a:buAutoNum type="arabicParenBoth"/>
+              <a:t>Number of “No purchases”</a:t>
+            </a:r>
+          </a:p>
+          <a:p>
+            <a:pPr marL="457200" indent="-457200" algn="l">
+              <a:buFont typeface="Arial" panose="020B0604020202020204" pitchFamily="34" charset="0"/>
+              <a:buChar char="•"/>
             </a:pPr>
             <a:endParaRPr lang="en-US" sz="2800" dirty="0"/>
           </a:p>
           <a:p>
-            <a:pPr marL="514350" indent="-514350" algn="l">
-              <a:buAutoNum type="arabicParenBoth"/>
+            <a:pPr marL="457200" indent="-457200" algn="l">
+              <a:buFont typeface="Arial" panose="020B0604020202020204" pitchFamily="34" charset="0"/>
+              <a:buChar char="•"/>
             </a:pPr>
-            <a:endParaRPr lang="en-US" sz="2800" dirty="0"/>
-          </a:p>
-          <a:p>
-            <a:pPr marL="514350" indent="-514350" algn="l">
-              <a:buAutoNum type="arabicParenBoth"/>
+            <a:r>
+              <a:rPr lang="en-US" sz="2800" dirty="0"/>
+              <a:t>Number of passengers that couldn’t purchase (flight fully-booked)</a:t>
+            </a:r>
+          </a:p>
+        </p:txBody>
+      </p:sp>
+      <p:sp>
+        <p:nvSpPr>
+          <p:cNvPr id="3" name="Rectangle 2">
+            <a:extLst>
+              <a:ext uri="{FF2B5EF4-FFF2-40B4-BE49-F238E27FC236}">
+                <a16:creationId xmlns:a16="http://schemas.microsoft.com/office/drawing/2014/main" id="{D6AD0CE1-9E54-B946-B011-73D5A87BA3C1}"/>
+              </a:ext>
+            </a:extLst>
+          </p:cNvPr>
+          <p:cNvSpPr/>
+          <p:nvPr/>
+        </p:nvSpPr>
+        <p:spPr>
+          <a:xfrm>
+            <a:off x="1315895" y="1384882"/>
+            <a:ext cx="1869871" cy="369332"/>
+          </a:xfrm>
+          <a:prstGeom prst="rect">
+            <a:avLst/>
+          </a:prstGeom>
+        </p:spPr>
+        <p:txBody>
+          <a:bodyPr wrap="none">
+            <a:spAutoFit/>
+          </a:bodyPr>
+          <a:lstStyle/>
+          <a:p>
+            <a:r>
+              <a:rPr lang="en-US" b="1" dirty="0"/>
+              <a:t>Quality of Service</a:t>
+            </a:r>
+            <a:endParaRPr lang="en-US" dirty="0"/>
+          </a:p>
+        </p:txBody>
+      </p:sp>
+      <p:sp>
+        <p:nvSpPr>
+          <p:cNvPr id="10" name="Title 1">
+            <a:extLst>
+              <a:ext uri="{FF2B5EF4-FFF2-40B4-BE49-F238E27FC236}">
+                <a16:creationId xmlns:a16="http://schemas.microsoft.com/office/drawing/2014/main" id="{B6DC7C6B-B75A-2D4A-AFBD-A4F56A2805A7}"/>
+              </a:ext>
+            </a:extLst>
+          </p:cNvPr>
+          <p:cNvSpPr txBox="1">
+            <a:spLocks/>
+          </p:cNvSpPr>
+          <p:nvPr/>
+        </p:nvSpPr>
+        <p:spPr>
+          <a:xfrm>
+            <a:off x="6051796" y="1384882"/>
+            <a:ext cx="4381743" cy="4440177"/>
+          </a:xfrm>
+          <a:prstGeom prst="rect">
+            <a:avLst/>
+          </a:prstGeom>
+        </p:spPr>
+        <p:txBody>
+          <a:bodyPr vert="horz" lIns="91440" tIns="45720" rIns="91440" bIns="45720" rtlCol="0" anchor="ctr">
+            <a:noAutofit/>
+          </a:bodyPr>
+          <a:lstStyle>
+            <a:lvl1pPr algn="ctr" defTabSz="914400" rtl="0" eaLnBrk="1" latinLnBrk="0" hangingPunct="1">
+              <a:lnSpc>
+                <a:spcPct val="90000"/>
+              </a:lnSpc>
+              <a:spcBef>
+                <a:spcPct val="0"/>
+              </a:spcBef>
+              <a:buNone/>
+              <a:defRPr sz="6000" kern="1200">
+                <a:solidFill>
+                  <a:schemeClr val="tx1"/>
+                </a:solidFill>
+                <a:latin typeface="+mj-lt"/>
+                <a:ea typeface="+mj-ea"/>
+                <a:cs typeface="+mj-cs"/>
+              </a:defRPr>
+            </a:lvl1pPr>
+          </a:lstStyle>
+          <a:p>
+            <a:pPr marL="457200" indent="-457200" algn="l">
+              <a:buFont typeface="Arial" panose="020B0604020202020204" pitchFamily="34" charset="0"/>
+              <a:buChar char="•"/>
             </a:pPr>
             <a:r>
               <a:rPr lang="en-US" sz="2800" dirty="0"/>
-              <a:t>Only one product offered at a time. Starting with the most cost-effective product to the most expensive one. Continues till all fare products are sold out or plane departure.</a:t>
-            </a:r>
-          </a:p>
-          <a:p>
-            <a:pPr marL="457200" indent="-457200" algn="l">
-              <a:buFontTx/>
-              <a:buChar char="-"/>
-            </a:pPr>
-            <a:endParaRPr lang="en-US" sz="2800" dirty="0"/>
-          </a:p>
-          <a:p>
-            <a:pPr marL="457200" indent="-457200" algn="l">
-              <a:buFontTx/>
-              <a:buChar char="-"/>
-            </a:pPr>
-            <a:r>
-              <a:rPr lang="en-US" sz="2800" dirty="0"/>
-              <a:t>Booking limit of 20 seats for both scenarios.</a:t>
-            </a:r>
-          </a:p>
-          <a:p>
-            <a:pPr marL="457200" indent="-457200" algn="l">
-              <a:buFontTx/>
-              <a:buChar char="-"/>
-            </a:pPr>
-            <a:endParaRPr lang="en-US" sz="2800" dirty="0"/>
-          </a:p>
-          <a:p>
-            <a:pPr marL="457200" indent="-457200" algn="l">
-              <a:buFontTx/>
-              <a:buChar char="-"/>
-            </a:pPr>
-            <a:endParaRPr lang="en-US" sz="2800" dirty="0"/>
+              <a:t>Total revenue</a:t>
+            </a:r>
+          </a:p>
+        </p:txBody>
+      </p:sp>
+      <p:sp>
+        <p:nvSpPr>
+          <p:cNvPr id="11" name="Rectangle 10">
+            <a:extLst>
+              <a:ext uri="{FF2B5EF4-FFF2-40B4-BE49-F238E27FC236}">
+                <a16:creationId xmlns:a16="http://schemas.microsoft.com/office/drawing/2014/main" id="{1D43CDA4-2D44-8C4B-8815-4090C7CBAAD0}"/>
+              </a:ext>
+            </a:extLst>
+          </p:cNvPr>
+          <p:cNvSpPr/>
+          <p:nvPr/>
+        </p:nvSpPr>
+        <p:spPr>
+          <a:xfrm>
+            <a:off x="6855926" y="1397389"/>
+            <a:ext cx="1816716" cy="369332"/>
+          </a:xfrm>
+          <a:prstGeom prst="rect">
+            <a:avLst/>
+          </a:prstGeom>
+        </p:spPr>
+        <p:txBody>
+          <a:bodyPr wrap="none">
+            <a:spAutoFit/>
+          </a:bodyPr>
+          <a:lstStyle/>
+          <a:p>
+            <a:r>
+              <a:rPr lang="en-US" b="1" dirty="0"/>
+              <a:t>Company’s profit</a:t>
+            </a:r>
+            <a:endParaRPr lang="en-US" dirty="0"/>
           </a:p>
         </p:txBody>
       </p:sp>
     </p:spTree>
     <p:extLst>
       <p:ext uri="{BB962C8B-B14F-4D97-AF65-F5344CB8AC3E}">
-        <p14:creationId xmlns:p14="http://schemas.microsoft.com/office/powerpoint/2010/main" val="2100748625"/>
+        <p14:creationId xmlns:p14="http://schemas.microsoft.com/office/powerpoint/2010/main" val="4114674434"/>
       </p:ext>
     </p:extLst>
   </p:cSld>
@@ -10265,8 +14288,8 @@
         </p:nvSpPr>
         <p:spPr>
           <a:xfrm>
-            <a:off x="588841" y="249382"/>
-            <a:ext cx="9350805" cy="722537"/>
+            <a:off x="588842" y="249382"/>
+            <a:ext cx="9144000" cy="722537"/>
           </a:xfrm>
         </p:spPr>
         <p:txBody>
@@ -10278,7 +14301,7 @@
             <a:pPr algn="l"/>
             <a:r>
               <a:rPr lang="en-US" sz="3600" b="1" dirty="0"/>
-              <a:t>MSE using Bootstrap for number of no purchases</a:t>
+              <a:t>Scenario (1) - Results</a:t>
             </a:r>
           </a:p>
         </p:txBody>
@@ -10701,72 +14724,170 @@
           </a:p>
         </p:txBody>
       </p:sp>
-      <p:sp>
-        <p:nvSpPr>
-          <p:cNvPr id="9" name="Title 1">
-            <a:extLst>
-              <a:ext uri="{FF2B5EF4-FFF2-40B4-BE49-F238E27FC236}">
-                <a16:creationId xmlns:a16="http://schemas.microsoft.com/office/drawing/2014/main" id="{C5C71A8F-96D7-2A4F-B802-EFB1CE23DAF2}"/>
-              </a:ext>
-            </a:extLst>
-          </p:cNvPr>
-          <p:cNvSpPr txBox="1">
-            <a:spLocks/>
-          </p:cNvSpPr>
+      <p:pic>
+        <p:nvPicPr>
+          <p:cNvPr id="4" name="Picture 3">
+            <a:extLst>
+              <a:ext uri="{FF2B5EF4-FFF2-40B4-BE49-F238E27FC236}">
+                <a16:creationId xmlns:a16="http://schemas.microsoft.com/office/drawing/2014/main" id="{A8667EDB-2CC1-DE48-9A6B-5E2B89082F2F}"/>
+              </a:ext>
+            </a:extLst>
+          </p:cNvPr>
+          <p:cNvPicPr>
+            <a:picLocks noChangeAspect="1"/>
+          </p:cNvPicPr>
           <p:nvPr/>
-        </p:nvSpPr>
+        </p:nvPicPr>
+        <p:blipFill rotWithShape="1">
+          <a:blip r:embed="rId3"/>
+          <a:srcRect l="6501" r="7468"/>
+          <a:stretch/>
+        </p:blipFill>
         <p:spPr>
           <a:xfrm>
-            <a:off x="588842" y="1129350"/>
-            <a:ext cx="9144000" cy="4440177"/>
+            <a:off x="537968" y="1022472"/>
+            <a:ext cx="5565635" cy="4851901"/>
           </a:xfrm>
           <a:prstGeom prst="rect">
             <a:avLst/>
           </a:prstGeom>
         </p:spPr>
-        <p:txBody>
-          <a:bodyPr vert="horz" lIns="91440" tIns="45720" rIns="91440" bIns="45720" rtlCol="0" anchor="b">
-            <a:noAutofit/>
+      </p:pic>
+      <p:sp>
+        <p:nvSpPr>
+          <p:cNvPr id="20" name="Rectangle 19">
+            <a:extLst>
+              <a:ext uri="{FF2B5EF4-FFF2-40B4-BE49-F238E27FC236}">
+                <a16:creationId xmlns:a16="http://schemas.microsoft.com/office/drawing/2014/main" id="{BCFAEF74-E1FE-1849-B3A6-5B1569728398}"/>
+              </a:ext>
+            </a:extLst>
+          </p:cNvPr>
+          <p:cNvSpPr/>
+          <p:nvPr/>
+        </p:nvSpPr>
+        <p:spPr>
+          <a:xfrm>
+            <a:off x="6734065" y="1449368"/>
+            <a:ext cx="4250457" cy="2862322"/>
+          </a:xfrm>
+          <a:prstGeom prst="rect">
+            <a:avLst/>
+          </a:prstGeom>
+        </p:spPr>
+        <p:txBody>
+          <a:bodyPr wrap="square">
+            <a:spAutoFit/>
           </a:bodyPr>
-          <a:lstStyle>
-            <a:lvl1pPr algn="ctr" defTabSz="914400" rtl="0" eaLnBrk="1" latinLnBrk="0" hangingPunct="1">
-              <a:lnSpc>
-                <a:spcPct val="90000"/>
-              </a:lnSpc>
-              <a:spcBef>
-                <a:spcPct val="0"/>
-              </a:spcBef>
-              <a:buNone/>
-              <a:defRPr sz="6000" kern="1200">
-                <a:solidFill>
-                  <a:schemeClr val="tx1"/>
-                </a:solidFill>
+          <a:lstStyle/>
+          <a:p>
+            <a:r>
+              <a:rPr lang="en-US" dirty="0">
                 <a:latin typeface="+mj-lt"/>
-                <a:ea typeface="+mj-ea"/>
-                <a:cs typeface="+mj-cs"/>
-              </a:defRPr>
-            </a:lvl1pPr>
-          </a:lstStyle>
-          <a:p>
-            <a:pPr marL="457200" indent="-457200" algn="l">
-              <a:buFontTx/>
-              <a:buChar char="-"/>
+              </a:rPr>
+              <a:t>Statistics of mean-of-number-of-no purchase:</a:t>
+            </a:r>
+          </a:p>
+          <a:p>
+            <a:endParaRPr lang="en-US" dirty="0">
+              <a:latin typeface="+mj-lt"/>
+            </a:endParaRPr>
+          </a:p>
+          <a:p>
+            <a:pPr marL="285750" indent="-285750">
+              <a:buFont typeface="Arial" panose="020B0604020202020204" pitchFamily="34" charset="0"/>
+              <a:buChar char="•"/>
             </a:pPr>
-            <a:endParaRPr lang="en-US" sz="2800" dirty="0"/>
-          </a:p>
-          <a:p>
-            <a:pPr marL="457200" indent="-457200" algn="l">
-              <a:buFontTx/>
-              <a:buChar char="-"/>
+            <a:r>
+              <a:rPr lang="en-US" dirty="0">
+                <a:latin typeface="+mj-lt"/>
+              </a:rPr>
+              <a:t>Mean = 11.857 (MSE = 0.241, </a:t>
+            </a:r>
+            <a:r>
+              <a:rPr lang="en-US" dirty="0" err="1">
+                <a:latin typeface="+mj-lt"/>
+              </a:rPr>
+              <a:t>BootstrapMSE</a:t>
+            </a:r>
+            <a:r>
+              <a:rPr lang="en-US" dirty="0">
+                <a:latin typeface="+mj-lt"/>
+              </a:rPr>
+              <a:t> = 0.201)</a:t>
+            </a:r>
+          </a:p>
+          <a:p>
+            <a:pPr marL="285750" indent="-285750">
+              <a:buFont typeface="Arial" panose="020B0604020202020204" pitchFamily="34" charset="0"/>
+              <a:buChar char="•"/>
             </a:pPr>
-            <a:endParaRPr lang="en-US" sz="2800" dirty="0"/>
+            <a:endParaRPr lang="en-US" dirty="0">
+              <a:latin typeface="+mj-lt"/>
+            </a:endParaRPr>
+          </a:p>
+          <a:p>
+            <a:pPr marL="285750" indent="-285750">
+              <a:buFont typeface="Arial" panose="020B0604020202020204" pitchFamily="34" charset="0"/>
+              <a:buChar char="•"/>
+            </a:pPr>
+            <a:r>
+              <a:rPr lang="en-US" dirty="0">
+                <a:latin typeface="+mj-lt"/>
+              </a:rPr>
+              <a:t>95 percentile = 21.550 (</a:t>
+            </a:r>
+            <a:r>
+              <a:rPr lang="en-US" dirty="0" err="1">
+                <a:latin typeface="+mj-lt"/>
+              </a:rPr>
+              <a:t>BootstrapMSE</a:t>
+            </a:r>
+            <a:r>
+              <a:rPr lang="en-US" dirty="0">
+                <a:latin typeface="+mj-lt"/>
+              </a:rPr>
+              <a:t> = 2.7627)</a:t>
+            </a:r>
+          </a:p>
+          <a:p>
+            <a:pPr marL="285750" indent="-285750">
+              <a:buFont typeface="Arial" panose="020B0604020202020204" pitchFamily="34" charset="0"/>
+              <a:buChar char="•"/>
+            </a:pPr>
+            <a:endParaRPr lang="en-US" dirty="0">
+              <a:latin typeface="+mj-lt"/>
+            </a:endParaRPr>
+          </a:p>
+          <a:p>
+            <a:pPr marL="285750" indent="-285750">
+              <a:buFont typeface="Arial" panose="020B0604020202020204" pitchFamily="34" charset="0"/>
+              <a:buChar char="•"/>
+            </a:pPr>
+            <a:r>
+              <a:rPr lang="en-US" dirty="0">
+                <a:latin typeface="+mj-lt"/>
+              </a:rPr>
+              <a:t>Worst = 30 (</a:t>
+            </a:r>
+            <a:r>
+              <a:rPr lang="en-US" dirty="0" err="1">
+                <a:latin typeface="+mj-lt"/>
+              </a:rPr>
+              <a:t>BootstrapMSE</a:t>
+            </a:r>
+            <a:r>
+              <a:rPr lang="en-US" dirty="0">
+                <a:latin typeface="+mj-lt"/>
+              </a:rPr>
+              <a:t> = 6.020)</a:t>
+            </a:r>
           </a:p>
         </p:txBody>
       </p:sp>
     </p:spTree>
     <p:extLst>
       <p:ext uri="{BB962C8B-B14F-4D97-AF65-F5344CB8AC3E}">
-        <p14:creationId xmlns:p14="http://schemas.microsoft.com/office/powerpoint/2010/main" val="2242852888"/>
+        <p14:creationId xmlns:p14="http://schemas.microsoft.com/office/powerpoint/2010/main" val="2570629315"/>
       </p:ext>
     </p:extLst>
   </p:cSld>
